--- a/Task 4/Muhammad Cikal Merdeka_Task_4 _Investigate Hotel Business Using Data Visualization.pptx
+++ b/Task 4/Muhammad Cikal Merdeka_Task_4 _Investigate Hotel Business Using Data Visualization.pptx
@@ -1,28 +1,37 @@
 
 <file path=ppt/presentation.xml><?xml version="1.0" encoding="utf-8"?>
-<p:presentation xmlns:a="http://schemas.openxmlformats.org/drawingml/2006/main" xmlns:r="http://schemas.openxmlformats.org/officeDocument/2006/relationships" xmlns:mc="http://schemas.openxmlformats.org/markup-compatibility/2006" xmlns:mv="urn:schemas-microsoft-com:mac:vml" xmlns:p="http://schemas.openxmlformats.org/presentationml/2006/main" xmlns:c="http://schemas.openxmlformats.org/drawingml/2006/chart" xmlns:dgm="http://schemas.openxmlformats.org/drawingml/2006/diagram" xmlns:o="urn:schemas-microsoft-com:office:office" xmlns:v="urn:schemas-microsoft-com:vml" xmlns:pvml="urn:schemas-microsoft-com:office:powerpoint" xmlns:com="http://schemas.openxmlformats.org/drawingml/2006/compatibility" xmlns:p14="http://schemas.microsoft.com/office/powerpoint/2010/main" xmlns:p15="http://schemas.microsoft.com/office/powerpoint/2012/main" xmlns:ahyp="http://schemas.microsoft.com/office/drawing/2018/hyperlinkcolor" autoCompressPictures="0" embedTrueTypeFonts="1" strictFirstAndLastChars="0" saveSubsetFonts="1">
+<p:presentation xmlns:a="http://schemas.openxmlformats.org/drawingml/2006/main" xmlns:r="http://schemas.openxmlformats.org/officeDocument/2006/relationships" xmlns:p="http://schemas.openxmlformats.org/presentationml/2006/main" strictFirstAndLastChars="0" embedTrueTypeFonts="1" saveSubsetFonts="1" autoCompressPictures="0">
   <p:sldMasterIdLst>
-    <p:sldMasterId id="2147483659" r:id="rId4"/>
+    <p:sldMasterId id="2147483659" r:id="rId1"/>
   </p:sldMasterIdLst>
   <p:notesMasterIdLst>
-    <p:notesMasterId r:id="rId5"/>
+    <p:notesMasterId r:id="rId7"/>
   </p:notesMasterIdLst>
   <p:sldIdLst>
-    <p:sldId id="256" r:id="rId6"/>
+    <p:sldId id="257" r:id="rId2"/>
+    <p:sldId id="258" r:id="rId3"/>
+    <p:sldId id="259" r:id="rId4"/>
+    <p:sldId id="260" r:id="rId5"/>
+    <p:sldId id="261" r:id="rId6"/>
   </p:sldIdLst>
-  <p:sldSz cy="5143500" cx="9144000"/>
+  <p:sldSz cx="9144000" cy="5143500" type="screen16x9"/>
   <p:notesSz cx="6858000" cy="9144000"/>
   <p:embeddedFontLst>
     <p:embeddedFont>
-      <p:font typeface="Roboto"/>
-      <p:regular r:id="rId7"/>
-      <p:bold r:id="rId8"/>
-      <p:italic r:id="rId9"/>
-      <p:boldItalic r:id="rId10"/>
+      <p:font typeface="Dosis" pitchFamily="2" charset="0"/>
+      <p:regular r:id="rId8"/>
+      <p:bold r:id="rId9"/>
+    </p:embeddedFont>
+    <p:embeddedFont>
+      <p:font typeface="Roboto" panose="02000000000000000000" pitchFamily="2" charset="0"/>
+      <p:regular r:id="rId10"/>
+      <p:bold r:id="rId11"/>
+      <p:italic r:id="rId12"/>
+      <p:boldItalic r:id="rId13"/>
     </p:embeddedFont>
   </p:embeddedFontLst>
   <p:defaultTextStyle>
-    <a:defPPr lvl="0" marR="0" rtl="0" algn="l">
+    <a:defPPr marR="0" lvl="0" algn="l" rtl="0">
       <a:lnSpc>
         <a:spcPct val="100000"/>
       </a:lnSpc>
@@ -33,7 +42,7 @@
         <a:spcPts val="0"/>
       </a:spcAft>
     </a:defPPr>
-    <a:lvl1pPr lvl="0" marR="0" rtl="0" algn="l">
+    <a:lvl1pPr marR="0" lvl="0" algn="l" rtl="0">
       <a:lnSpc>
         <a:spcPct val="100000"/>
       </a:lnSpc>
@@ -47,7 +56,7 @@
         <a:srgbClr val="000000"/>
       </a:buClr>
       <a:buFont typeface="Arial"/>
-      <a:defRPr b="0" i="0" sz="1400" u="none" cap="none" strike="noStrike">
+      <a:defRPr sz="1400" b="0" i="0" u="none" strike="noStrike" cap="none">
         <a:solidFill>
           <a:srgbClr val="000000"/>
         </a:solidFill>
@@ -57,7 +66,7 @@
         <a:sym typeface="Arial"/>
       </a:defRPr>
     </a:lvl1pPr>
-    <a:lvl2pPr lvl="1" marR="0" rtl="0" algn="l">
+    <a:lvl2pPr marR="0" lvl="1" algn="l" rtl="0">
       <a:lnSpc>
         <a:spcPct val="100000"/>
       </a:lnSpc>
@@ -71,7 +80,7 @@
         <a:srgbClr val="000000"/>
       </a:buClr>
       <a:buFont typeface="Arial"/>
-      <a:defRPr b="0" i="0" sz="1400" u="none" cap="none" strike="noStrike">
+      <a:defRPr sz="1400" b="0" i="0" u="none" strike="noStrike" cap="none">
         <a:solidFill>
           <a:srgbClr val="000000"/>
         </a:solidFill>
@@ -81,7 +90,7 @@
         <a:sym typeface="Arial"/>
       </a:defRPr>
     </a:lvl2pPr>
-    <a:lvl3pPr lvl="2" marR="0" rtl="0" algn="l">
+    <a:lvl3pPr marR="0" lvl="2" algn="l" rtl="0">
       <a:lnSpc>
         <a:spcPct val="100000"/>
       </a:lnSpc>
@@ -95,7 +104,7 @@
         <a:srgbClr val="000000"/>
       </a:buClr>
       <a:buFont typeface="Arial"/>
-      <a:defRPr b="0" i="0" sz="1400" u="none" cap="none" strike="noStrike">
+      <a:defRPr sz="1400" b="0" i="0" u="none" strike="noStrike" cap="none">
         <a:solidFill>
           <a:srgbClr val="000000"/>
         </a:solidFill>
@@ -105,7 +114,7 @@
         <a:sym typeface="Arial"/>
       </a:defRPr>
     </a:lvl3pPr>
-    <a:lvl4pPr lvl="3" marR="0" rtl="0" algn="l">
+    <a:lvl4pPr marR="0" lvl="3" algn="l" rtl="0">
       <a:lnSpc>
         <a:spcPct val="100000"/>
       </a:lnSpc>
@@ -119,7 +128,7 @@
         <a:srgbClr val="000000"/>
       </a:buClr>
       <a:buFont typeface="Arial"/>
-      <a:defRPr b="0" i="0" sz="1400" u="none" cap="none" strike="noStrike">
+      <a:defRPr sz="1400" b="0" i="0" u="none" strike="noStrike" cap="none">
         <a:solidFill>
           <a:srgbClr val="000000"/>
         </a:solidFill>
@@ -129,7 +138,7 @@
         <a:sym typeface="Arial"/>
       </a:defRPr>
     </a:lvl4pPr>
-    <a:lvl5pPr lvl="4" marR="0" rtl="0" algn="l">
+    <a:lvl5pPr marR="0" lvl="4" algn="l" rtl="0">
       <a:lnSpc>
         <a:spcPct val="100000"/>
       </a:lnSpc>
@@ -143,7 +152,7 @@
         <a:srgbClr val="000000"/>
       </a:buClr>
       <a:buFont typeface="Arial"/>
-      <a:defRPr b="0" i="0" sz="1400" u="none" cap="none" strike="noStrike">
+      <a:defRPr sz="1400" b="0" i="0" u="none" strike="noStrike" cap="none">
         <a:solidFill>
           <a:srgbClr val="000000"/>
         </a:solidFill>
@@ -153,7 +162,7 @@
         <a:sym typeface="Arial"/>
       </a:defRPr>
     </a:lvl5pPr>
-    <a:lvl6pPr lvl="5" marR="0" rtl="0" algn="l">
+    <a:lvl6pPr marR="0" lvl="5" algn="l" rtl="0">
       <a:lnSpc>
         <a:spcPct val="100000"/>
       </a:lnSpc>
@@ -167,7 +176,7 @@
         <a:srgbClr val="000000"/>
       </a:buClr>
       <a:buFont typeface="Arial"/>
-      <a:defRPr b="0" i="0" sz="1400" u="none" cap="none" strike="noStrike">
+      <a:defRPr sz="1400" b="0" i="0" u="none" strike="noStrike" cap="none">
         <a:solidFill>
           <a:srgbClr val="000000"/>
         </a:solidFill>
@@ -177,7 +186,7 @@
         <a:sym typeface="Arial"/>
       </a:defRPr>
     </a:lvl6pPr>
-    <a:lvl7pPr lvl="6" marR="0" rtl="0" algn="l">
+    <a:lvl7pPr marR="0" lvl="6" algn="l" rtl="0">
       <a:lnSpc>
         <a:spcPct val="100000"/>
       </a:lnSpc>
@@ -191,7 +200,7 @@
         <a:srgbClr val="000000"/>
       </a:buClr>
       <a:buFont typeface="Arial"/>
-      <a:defRPr b="0" i="0" sz="1400" u="none" cap="none" strike="noStrike">
+      <a:defRPr sz="1400" b="0" i="0" u="none" strike="noStrike" cap="none">
         <a:solidFill>
           <a:srgbClr val="000000"/>
         </a:solidFill>
@@ -201,7 +210,7 @@
         <a:sym typeface="Arial"/>
       </a:defRPr>
     </a:lvl7pPr>
-    <a:lvl8pPr lvl="7" marR="0" rtl="0" algn="l">
+    <a:lvl8pPr marR="0" lvl="7" algn="l" rtl="0">
       <a:lnSpc>
         <a:spcPct val="100000"/>
       </a:lnSpc>
@@ -215,7 +224,7 @@
         <a:srgbClr val="000000"/>
       </a:buClr>
       <a:buFont typeface="Arial"/>
-      <a:defRPr b="0" i="0" sz="1400" u="none" cap="none" strike="noStrike">
+      <a:defRPr sz="1400" b="0" i="0" u="none" strike="noStrike" cap="none">
         <a:solidFill>
           <a:srgbClr val="000000"/>
         </a:solidFill>
@@ -225,7 +234,7 @@
         <a:sym typeface="Arial"/>
       </a:defRPr>
     </a:lvl8pPr>
-    <a:lvl9pPr lvl="8" marR="0" rtl="0" algn="l">
+    <a:lvl9pPr marR="0" lvl="8" algn="l" rtl="0">
       <a:lnSpc>
         <a:spcPct val="100000"/>
       </a:lnSpc>
@@ -239,7 +248,7 @@
         <a:srgbClr val="000000"/>
       </a:buClr>
       <a:buFont typeface="Arial"/>
-      <a:defRPr b="0" i="0" sz="1400" u="none" cap="none" strike="noStrike">
+      <a:defRPr sz="1400" b="0" i="0" u="none" strike="noStrike" cap="none">
         <a:solidFill>
           <a:srgbClr val="000000"/>
         </a:solidFill>
@@ -252,7 +261,7 @@
   </p:defaultTextStyle>
   <p:extLst>
     <p:ext uri="{EFAFB233-063F-42B5-8137-9DF3F51BA10A}">
-      <p15:sldGuideLst>
+      <p15:sldGuideLst xmlns:p15="http://schemas.microsoft.com/office/powerpoint/2012/main">
         <p15:guide id="1" orient="horz" pos="1620">
           <p15:clr>
             <a:srgbClr val="A4A3A4"/>
@@ -270,11 +279,16 @@
 </file>
 
 <file path=ppt/notesMasters/notesMaster1.xml><?xml version="1.0" encoding="utf-8"?>
-<p:notesMaster xmlns:a="http://schemas.openxmlformats.org/drawingml/2006/main" xmlns:r="http://schemas.openxmlformats.org/officeDocument/2006/relationships" xmlns:mc="http://schemas.openxmlformats.org/markup-compatibility/2006" xmlns:mv="urn:schemas-microsoft-com:mac:vml" xmlns:p="http://schemas.openxmlformats.org/presentationml/2006/main" xmlns:c="http://schemas.openxmlformats.org/drawingml/2006/chart" xmlns:dgm="http://schemas.openxmlformats.org/drawingml/2006/diagram" xmlns:o="urn:schemas-microsoft-com:office:office" xmlns:v="urn:schemas-microsoft-com:vml" xmlns:pvml="urn:schemas-microsoft-com:office:powerpoint" xmlns:com="http://schemas.openxmlformats.org/drawingml/2006/compatibility" xmlns:p14="http://schemas.microsoft.com/office/powerpoint/2010/main" xmlns:p15="http://schemas.microsoft.com/office/powerpoint/2012/main" xmlns:ahyp="http://schemas.microsoft.com/office/drawing/2018/hyperlinkcolor">
+<p:notesMaster xmlns:a="http://schemas.openxmlformats.org/drawingml/2006/main" xmlns:r="http://schemas.openxmlformats.org/officeDocument/2006/relationships" xmlns:p="http://schemas.openxmlformats.org/presentationml/2006/main">
   <p:cSld>
+    <p:bg>
+      <p:bgRef idx="1001">
+        <a:schemeClr val="bg1"/>
+      </p:bgRef>
+    </p:bg>
     <p:spTree>
       <p:nvGrpSpPr>
-        <p:cNvPr id="2" name="Shape 2"/>
+        <p:cNvPr id="1" name="Shape 2"/>
         <p:cNvGrpSpPr/>
         <p:nvPr/>
       </p:nvGrpSpPr>
@@ -289,9 +303,11 @@
       <p:sp>
         <p:nvSpPr>
           <p:cNvPr id="3" name="Google Shape;3;n"/>
-          <p:cNvSpPr/>
+          <p:cNvSpPr>
+            <a:spLocks noGrp="1" noRot="1" noChangeAspect="1"/>
+          </p:cNvSpPr>
           <p:nvPr>
-            <p:ph idx="2" type="sldImg"/>
+            <p:ph type="sldImg" idx="2"/>
           </p:nvPr>
         </p:nvSpPr>
         <p:spPr>
@@ -300,9 +316,13 @@
             <a:ext cx="6096075" cy="3429000"/>
           </a:xfrm>
           <a:custGeom>
-            <a:rect b="b" l="l" r="r" t="t"/>
+            <a:avLst/>
+            <a:gdLst/>
+            <a:ahLst/>
+            <a:cxnLst/>
+            <a:rect l="l" t="t" r="r" b="b"/>
             <a:pathLst>
-              <a:path extrusionOk="0" h="120000" w="120000">
+              <a:path w="120000" h="120000" extrusionOk="0">
                 <a:moveTo>
                   <a:pt x="0" y="0"/>
                 </a:moveTo>
@@ -320,23 +340,25 @@
             </a:pathLst>
           </a:custGeom>
           <a:noFill/>
-          <a:ln cap="flat" cmpd="sng" w="9525">
+          <a:ln w="9525" cap="flat" cmpd="sng">
             <a:solidFill>
               <a:srgbClr val="000000"/>
             </a:solidFill>
             <a:prstDash val="solid"/>
             <a:round/>
-            <a:headEnd len="sm" w="sm" type="none"/>
-            <a:tailEnd len="sm" w="sm" type="none"/>
+            <a:headEnd type="none" w="sm" len="sm"/>
+            <a:tailEnd type="none" w="sm" len="sm"/>
           </a:ln>
         </p:spPr>
       </p:sp>
       <p:sp>
         <p:nvSpPr>
           <p:cNvPr id="4" name="Google Shape;4;n"/>
-          <p:cNvSpPr txBox="1"/>
+          <p:cNvSpPr txBox="1">
+            <a:spLocks noGrp="1"/>
+          </p:cNvSpPr>
           <p:nvPr>
-            <p:ph idx="1" type="body"/>
+            <p:ph type="body" idx="1"/>
           </p:nvPr>
         </p:nvSpPr>
         <p:spPr>
@@ -353,11 +375,11 @@
           </a:ln>
         </p:spPr>
         <p:txBody>
-          <a:bodyPr anchorCtr="0" anchor="t" bIns="91425" lIns="91425" spcFirstLastPara="1" rIns="91425" wrap="square" tIns="91425">
+          <a:bodyPr spcFirstLastPara="1" wrap="square" lIns="91425" tIns="91425" rIns="91425" bIns="91425" anchor="t" anchorCtr="0">
             <a:noAutofit/>
           </a:bodyPr>
           <a:lstStyle>
-            <a:lvl1pPr indent="-298450" lvl="0" marL="457200">
+            <a:lvl1pPr marL="457200" lvl="0" indent="-298450">
               <a:spcBef>
                 <a:spcPts val="0"/>
               </a:spcBef>
@@ -368,7 +390,7 @@
               <a:buChar char="●"/>
               <a:defRPr sz="1100"/>
             </a:lvl1pPr>
-            <a:lvl2pPr indent="-298450" lvl="1" marL="914400">
+            <a:lvl2pPr marL="914400" lvl="1" indent="-298450">
               <a:spcBef>
                 <a:spcPts val="0"/>
               </a:spcBef>
@@ -379,7 +401,7 @@
               <a:buChar char="○"/>
               <a:defRPr sz="1100"/>
             </a:lvl2pPr>
-            <a:lvl3pPr indent="-298450" lvl="2" marL="1371600">
+            <a:lvl3pPr marL="1371600" lvl="2" indent="-298450">
               <a:spcBef>
                 <a:spcPts val="0"/>
               </a:spcBef>
@@ -390,7 +412,7 @@
               <a:buChar char="■"/>
               <a:defRPr sz="1100"/>
             </a:lvl3pPr>
-            <a:lvl4pPr indent="-298450" lvl="3" marL="1828800">
+            <a:lvl4pPr marL="1828800" lvl="3" indent="-298450">
               <a:spcBef>
                 <a:spcPts val="0"/>
               </a:spcBef>
@@ -401,7 +423,7 @@
               <a:buChar char="●"/>
               <a:defRPr sz="1100"/>
             </a:lvl4pPr>
-            <a:lvl5pPr indent="-298450" lvl="4" marL="2286000">
+            <a:lvl5pPr marL="2286000" lvl="4" indent="-298450">
               <a:spcBef>
                 <a:spcPts val="0"/>
               </a:spcBef>
@@ -412,7 +434,7 @@
               <a:buChar char="○"/>
               <a:defRPr sz="1100"/>
             </a:lvl5pPr>
-            <a:lvl6pPr indent="-298450" lvl="5" marL="2743200">
+            <a:lvl6pPr marL="2743200" lvl="5" indent="-298450">
               <a:spcBef>
                 <a:spcPts val="0"/>
               </a:spcBef>
@@ -423,7 +445,7 @@
               <a:buChar char="■"/>
               <a:defRPr sz="1100"/>
             </a:lvl6pPr>
-            <a:lvl7pPr indent="-298450" lvl="6" marL="3200400">
+            <a:lvl7pPr marL="3200400" lvl="6" indent="-298450">
               <a:spcBef>
                 <a:spcPts val="0"/>
               </a:spcBef>
@@ -434,7 +456,7 @@
               <a:buChar char="●"/>
               <a:defRPr sz="1100"/>
             </a:lvl7pPr>
-            <a:lvl8pPr indent="-298450" lvl="7" marL="3657600">
+            <a:lvl8pPr marL="3657600" lvl="7" indent="-298450">
               <a:spcBef>
                 <a:spcPts val="0"/>
               </a:spcBef>
@@ -445,7 +467,7 @@
               <a:buChar char="○"/>
               <a:defRPr sz="1100"/>
             </a:lvl8pPr>
-            <a:lvl9pPr indent="-298450" lvl="8" marL="4114800">
+            <a:lvl9pPr marL="4114800" lvl="8" indent="-298450">
               <a:spcBef>
                 <a:spcPts val="0"/>
               </a:spcBef>
@@ -457,14 +479,16 @@
               <a:defRPr sz="1100"/>
             </a:lvl9pPr>
           </a:lstStyle>
-          <a:p/>
+          <a:p>
+            <a:endParaRPr/>
+          </a:p>
         </p:txBody>
       </p:sp>
     </p:spTree>
   </p:cSld>
-  <p:clrMap accent1="accent1" accent2="accent2" accent3="accent3" accent4="accent4" accent5="accent5" accent6="accent6" bg1="lt1" bg2="dk2" tx1="dk1" tx2="lt2" folHlink="folHlink" hlink="hlink"/>
+  <p:clrMap bg1="lt1" tx1="dk1" bg2="dk2" tx2="lt2" accent1="accent1" accent2="accent2" accent3="accent3" accent4="accent4" accent5="accent5" accent6="accent6" hlink="hlink" folHlink="folHlink"/>
   <p:notesStyle>
-    <a:defPPr lvl="0" marR="0" rtl="0" algn="l">
+    <a:defPPr marR="0" lvl="0" algn="l" rtl="0">
       <a:lnSpc>
         <a:spcPct val="100000"/>
       </a:lnSpc>
@@ -475,7 +499,7 @@
         <a:spcPts val="0"/>
       </a:spcAft>
     </a:defPPr>
-    <a:lvl1pPr lvl="0" marR="0" rtl="0" algn="l">
+    <a:lvl1pPr marR="0" lvl="0" algn="l" rtl="0">
       <a:lnSpc>
         <a:spcPct val="100000"/>
       </a:lnSpc>
@@ -489,7 +513,7 @@
         <a:srgbClr val="000000"/>
       </a:buClr>
       <a:buFont typeface="Arial"/>
-      <a:defRPr b="0" i="0" sz="1400" u="none" cap="none" strike="noStrike">
+      <a:defRPr sz="1400" b="0" i="0" u="none" strike="noStrike" cap="none">
         <a:solidFill>
           <a:srgbClr val="000000"/>
         </a:solidFill>
@@ -499,7 +523,7 @@
         <a:sym typeface="Arial"/>
       </a:defRPr>
     </a:lvl1pPr>
-    <a:lvl2pPr lvl="1" marR="0" rtl="0" algn="l">
+    <a:lvl2pPr marR="0" lvl="1" algn="l" rtl="0">
       <a:lnSpc>
         <a:spcPct val="100000"/>
       </a:lnSpc>
@@ -513,7 +537,7 @@
         <a:srgbClr val="000000"/>
       </a:buClr>
       <a:buFont typeface="Arial"/>
-      <a:defRPr b="0" i="0" sz="1400" u="none" cap="none" strike="noStrike">
+      <a:defRPr sz="1400" b="0" i="0" u="none" strike="noStrike" cap="none">
         <a:solidFill>
           <a:srgbClr val="000000"/>
         </a:solidFill>
@@ -523,7 +547,7 @@
         <a:sym typeface="Arial"/>
       </a:defRPr>
     </a:lvl2pPr>
-    <a:lvl3pPr lvl="2" marR="0" rtl="0" algn="l">
+    <a:lvl3pPr marR="0" lvl="2" algn="l" rtl="0">
       <a:lnSpc>
         <a:spcPct val="100000"/>
       </a:lnSpc>
@@ -537,7 +561,7 @@
         <a:srgbClr val="000000"/>
       </a:buClr>
       <a:buFont typeface="Arial"/>
-      <a:defRPr b="0" i="0" sz="1400" u="none" cap="none" strike="noStrike">
+      <a:defRPr sz="1400" b="0" i="0" u="none" strike="noStrike" cap="none">
         <a:solidFill>
           <a:srgbClr val="000000"/>
         </a:solidFill>
@@ -547,7 +571,7 @@
         <a:sym typeface="Arial"/>
       </a:defRPr>
     </a:lvl3pPr>
-    <a:lvl4pPr lvl="3" marR="0" rtl="0" algn="l">
+    <a:lvl4pPr marR="0" lvl="3" algn="l" rtl="0">
       <a:lnSpc>
         <a:spcPct val="100000"/>
       </a:lnSpc>
@@ -561,7 +585,7 @@
         <a:srgbClr val="000000"/>
       </a:buClr>
       <a:buFont typeface="Arial"/>
-      <a:defRPr b="0" i="0" sz="1400" u="none" cap="none" strike="noStrike">
+      <a:defRPr sz="1400" b="0" i="0" u="none" strike="noStrike" cap="none">
         <a:solidFill>
           <a:srgbClr val="000000"/>
         </a:solidFill>
@@ -571,7 +595,7 @@
         <a:sym typeface="Arial"/>
       </a:defRPr>
     </a:lvl4pPr>
-    <a:lvl5pPr lvl="4" marR="0" rtl="0" algn="l">
+    <a:lvl5pPr marR="0" lvl="4" algn="l" rtl="0">
       <a:lnSpc>
         <a:spcPct val="100000"/>
       </a:lnSpc>
@@ -585,7 +609,7 @@
         <a:srgbClr val="000000"/>
       </a:buClr>
       <a:buFont typeface="Arial"/>
-      <a:defRPr b="0" i="0" sz="1400" u="none" cap="none" strike="noStrike">
+      <a:defRPr sz="1400" b="0" i="0" u="none" strike="noStrike" cap="none">
         <a:solidFill>
           <a:srgbClr val="000000"/>
         </a:solidFill>
@@ -595,7 +619,7 @@
         <a:sym typeface="Arial"/>
       </a:defRPr>
     </a:lvl5pPr>
-    <a:lvl6pPr lvl="5" marR="0" rtl="0" algn="l">
+    <a:lvl6pPr marR="0" lvl="5" algn="l" rtl="0">
       <a:lnSpc>
         <a:spcPct val="100000"/>
       </a:lnSpc>
@@ -609,7 +633,7 @@
         <a:srgbClr val="000000"/>
       </a:buClr>
       <a:buFont typeface="Arial"/>
-      <a:defRPr b="0" i="0" sz="1400" u="none" cap="none" strike="noStrike">
+      <a:defRPr sz="1400" b="0" i="0" u="none" strike="noStrike" cap="none">
         <a:solidFill>
           <a:srgbClr val="000000"/>
         </a:solidFill>
@@ -619,7 +643,7 @@
         <a:sym typeface="Arial"/>
       </a:defRPr>
     </a:lvl6pPr>
-    <a:lvl7pPr lvl="6" marR="0" rtl="0" algn="l">
+    <a:lvl7pPr marR="0" lvl="6" algn="l" rtl="0">
       <a:lnSpc>
         <a:spcPct val="100000"/>
       </a:lnSpc>
@@ -633,7 +657,7 @@
         <a:srgbClr val="000000"/>
       </a:buClr>
       <a:buFont typeface="Arial"/>
-      <a:defRPr b="0" i="0" sz="1400" u="none" cap="none" strike="noStrike">
+      <a:defRPr sz="1400" b="0" i="0" u="none" strike="noStrike" cap="none">
         <a:solidFill>
           <a:srgbClr val="000000"/>
         </a:solidFill>
@@ -643,7 +667,7 @@
         <a:sym typeface="Arial"/>
       </a:defRPr>
     </a:lvl7pPr>
-    <a:lvl8pPr lvl="7" marR="0" rtl="0" algn="l">
+    <a:lvl8pPr marR="0" lvl="7" algn="l" rtl="0">
       <a:lnSpc>
         <a:spcPct val="100000"/>
       </a:lnSpc>
@@ -657,7 +681,7 @@
         <a:srgbClr val="000000"/>
       </a:buClr>
       <a:buFont typeface="Arial"/>
-      <a:defRPr b="0" i="0" sz="1400" u="none" cap="none" strike="noStrike">
+      <a:defRPr sz="1400" b="0" i="0" u="none" strike="noStrike" cap="none">
         <a:solidFill>
           <a:srgbClr val="000000"/>
         </a:solidFill>
@@ -667,7 +691,7 @@
         <a:sym typeface="Arial"/>
       </a:defRPr>
     </a:lvl8pPr>
-    <a:lvl9pPr lvl="8" marR="0" rtl="0" algn="l">
+    <a:lvl9pPr marR="0" lvl="8" algn="l" rtl="0">
       <a:lnSpc>
         <a:spcPct val="100000"/>
       </a:lnSpc>
@@ -681,7 +705,7 @@
         <a:srgbClr val="000000"/>
       </a:buClr>
       <a:buFont typeface="Arial"/>
-      <a:defRPr b="0" i="0" sz="1400" u="none" cap="none" strike="noStrike">
+      <a:defRPr sz="1400" b="0" i="0" u="none" strike="noStrike" cap="none">
         <a:solidFill>
           <a:srgbClr val="000000"/>
         </a:solidFill>
@@ -696,11 +720,115 @@
 </file>
 
 <file path=ppt/notesSlides/notesSlide1.xml><?xml version="1.0" encoding="utf-8"?>
-<p:notes xmlns:a="http://schemas.openxmlformats.org/drawingml/2006/main" xmlns:r="http://schemas.openxmlformats.org/officeDocument/2006/relationships" xmlns:mc="http://schemas.openxmlformats.org/markup-compatibility/2006" xmlns:mv="urn:schemas-microsoft-com:mac:vml" xmlns:p="http://schemas.openxmlformats.org/presentationml/2006/main" xmlns:c="http://schemas.openxmlformats.org/drawingml/2006/chart" xmlns:dgm="http://schemas.openxmlformats.org/drawingml/2006/diagram" xmlns:o="urn:schemas-microsoft-com:office:office" xmlns:v="urn:schemas-microsoft-com:vml" xmlns:pvml="urn:schemas-microsoft-com:office:powerpoint" xmlns:com="http://schemas.openxmlformats.org/drawingml/2006/compatibility" xmlns:p14="http://schemas.microsoft.com/office/powerpoint/2010/main" xmlns:p15="http://schemas.microsoft.com/office/powerpoint/2012/main" xmlns:ahyp="http://schemas.microsoft.com/office/drawing/2018/hyperlinkcolor" showMasterPhAnim="0" showMasterSp="0">
+<p:notes xmlns:a="http://schemas.openxmlformats.org/drawingml/2006/main" xmlns:r="http://schemas.openxmlformats.org/officeDocument/2006/relationships" xmlns:p="http://schemas.openxmlformats.org/presentationml/2006/main" showMasterSp="0" showMasterPhAnim="0">
   <p:cSld>
     <p:spTree>
       <p:nvGrpSpPr>
-        <p:cNvPr id="50" name="Shape 50"/>
+        <p:cNvPr id="1" name="Shape 95"/>
+        <p:cNvGrpSpPr/>
+        <p:nvPr/>
+      </p:nvGrpSpPr>
+      <p:grpSpPr>
+        <a:xfrm>
+          <a:off x="0" y="0"/>
+          <a:ext cx="0" cy="0"/>
+          <a:chOff x="0" y="0"/>
+          <a:chExt cx="0" cy="0"/>
+        </a:xfrm>
+      </p:grpSpPr>
+      <p:sp>
+        <p:nvSpPr>
+          <p:cNvPr id="96" name="Google Shape;96;gf84eb88aa7_0_0:notes"/>
+          <p:cNvSpPr>
+            <a:spLocks noGrp="1" noRot="1" noChangeAspect="1"/>
+          </p:cNvSpPr>
+          <p:nvPr>
+            <p:ph type="sldImg" idx="2"/>
+          </p:nvPr>
+        </p:nvSpPr>
+        <p:spPr>
+          <a:xfrm>
+            <a:off x="381000" y="685800"/>
+            <a:ext cx="6096000" cy="3429000"/>
+          </a:xfrm>
+          <a:custGeom>
+            <a:avLst/>
+            <a:gdLst/>
+            <a:ahLst/>
+            <a:cxnLst/>
+            <a:rect l="l" t="t" r="r" b="b"/>
+            <a:pathLst>
+              <a:path w="120000" h="120000" extrusionOk="0">
+                <a:moveTo>
+                  <a:pt x="0" y="0"/>
+                </a:moveTo>
+                <a:lnTo>
+                  <a:pt x="120000" y="0"/>
+                </a:lnTo>
+                <a:lnTo>
+                  <a:pt x="120000" y="120000"/>
+                </a:lnTo>
+                <a:lnTo>
+                  <a:pt x="0" y="120000"/>
+                </a:lnTo>
+                <a:close/>
+              </a:path>
+            </a:pathLst>
+          </a:custGeom>
+        </p:spPr>
+      </p:sp>
+      <p:sp>
+        <p:nvSpPr>
+          <p:cNvPr id="97" name="Google Shape;97;gf84eb88aa7_0_0:notes"/>
+          <p:cNvSpPr txBox="1">
+            <a:spLocks noGrp="1"/>
+          </p:cNvSpPr>
+          <p:nvPr>
+            <p:ph type="body" idx="1"/>
+          </p:nvPr>
+        </p:nvSpPr>
+        <p:spPr>
+          <a:xfrm>
+            <a:off x="685800" y="4343400"/>
+            <a:ext cx="5486400" cy="4114800"/>
+          </a:xfrm>
+          <a:prstGeom prst="rect">
+            <a:avLst/>
+          </a:prstGeom>
+        </p:spPr>
+        <p:txBody>
+          <a:bodyPr spcFirstLastPara="1" wrap="square" lIns="91425" tIns="91425" rIns="91425" bIns="91425" anchor="t" anchorCtr="0">
+            <a:noAutofit/>
+          </a:bodyPr>
+          <a:lstStyle/>
+          <a:p>
+            <a:pPr marL="0" lvl="0" indent="0" algn="l" rtl="0">
+              <a:spcBef>
+                <a:spcPts val="0"/>
+              </a:spcBef>
+              <a:spcAft>
+                <a:spcPts val="0"/>
+              </a:spcAft>
+              <a:buNone/>
+            </a:pPr>
+            <a:endParaRPr/>
+          </a:p>
+        </p:txBody>
+      </p:sp>
+    </p:spTree>
+  </p:cSld>
+  <p:clrMapOvr>
+    <a:masterClrMapping/>
+  </p:clrMapOvr>
+</p:notes>
+</file>
+
+<file path=ppt/notesSlides/notesSlide2.xml><?xml version="1.0" encoding="utf-8"?>
+<p:notes xmlns:a="http://schemas.openxmlformats.org/drawingml/2006/main" xmlns:r="http://schemas.openxmlformats.org/officeDocument/2006/relationships" xmlns:p="http://schemas.openxmlformats.org/presentationml/2006/main" showMasterSp="0" showMasterPhAnim="0">
+  <p:cSld>
+    <p:spTree>
+      <p:nvGrpSpPr>
+        <p:cNvPr id="1" name="Shape 50"/>
         <p:cNvGrpSpPr/>
         <p:nvPr/>
       </p:nvGrpSpPr>
@@ -715,20 +843,26 @@
       <p:sp>
         <p:nvSpPr>
           <p:cNvPr id="51" name="Google Shape;51;g109baabb656_0_0:notes"/>
-          <p:cNvSpPr/>
+          <p:cNvSpPr>
+            <a:spLocks noGrp="1" noRot="1" noChangeAspect="1"/>
+          </p:cNvSpPr>
           <p:nvPr>
-            <p:ph idx="2" type="sldImg"/>
+            <p:ph type="sldImg" idx="2"/>
           </p:nvPr>
         </p:nvSpPr>
         <p:spPr>
           <a:xfrm>
-            <a:off x="381300" y="685800"/>
+            <a:off x="381000" y="685800"/>
             <a:ext cx="6096000" cy="3429000"/>
           </a:xfrm>
           <a:custGeom>
-            <a:rect b="b" l="l" r="r" t="t"/>
+            <a:avLst/>
+            <a:gdLst/>
+            <a:ahLst/>
+            <a:cxnLst/>
+            <a:rect l="l" t="t" r="r" b="b"/>
             <a:pathLst>
-              <a:path extrusionOk="0" h="120000" w="120000">
+              <a:path w="120000" h="120000" extrusionOk="0">
                 <a:moveTo>
                   <a:pt x="0" y="0"/>
                 </a:moveTo>
@@ -750,9 +884,11 @@
       <p:sp>
         <p:nvSpPr>
           <p:cNvPr id="52" name="Google Shape;52;g109baabb656_0_0:notes"/>
-          <p:cNvSpPr txBox="1"/>
+          <p:cNvSpPr txBox="1">
+            <a:spLocks noGrp="1"/>
+          </p:cNvSpPr>
           <p:nvPr>
-            <p:ph idx="1" type="body"/>
+            <p:ph type="body" idx="1"/>
           </p:nvPr>
         </p:nvSpPr>
         <p:spPr>
@@ -765,12 +901,12 @@
           </a:prstGeom>
         </p:spPr>
         <p:txBody>
-          <a:bodyPr anchorCtr="0" anchor="t" bIns="91425" lIns="91425" spcFirstLastPara="1" rIns="91425" wrap="square" tIns="91425">
+          <a:bodyPr spcFirstLastPara="1" wrap="square" lIns="91425" tIns="91425" rIns="91425" bIns="91425" anchor="t" anchorCtr="0">
             <a:noAutofit/>
           </a:bodyPr>
           <a:lstStyle/>
           <a:p>
-            <a:pPr indent="0" lvl="0" marL="0" rtl="0" algn="l">
+            <a:pPr marL="0" lvl="0" indent="0" algn="l" rtl="0">
               <a:spcBef>
                 <a:spcPts val="0"/>
               </a:spcBef>
@@ -779,9 +915,6 @@
               </a:spcAft>
               <a:buNone/>
             </a:pPr>
-            <a:r>
-              <a:t/>
-            </a:r>
             <a:endParaRPr/>
           </a:p>
         </p:txBody>
@@ -794,8 +927,335 @@
 </p:notes>
 </file>
 
+<file path=ppt/notesSlides/notesSlide3.xml><?xml version="1.0" encoding="utf-8"?>
+<p:notes xmlns:a="http://schemas.openxmlformats.org/drawingml/2006/main" xmlns:r="http://schemas.openxmlformats.org/officeDocument/2006/relationships" xmlns:p="http://schemas.openxmlformats.org/presentationml/2006/main" showMasterSp="0" showMasterPhAnim="0">
+  <p:cSld>
+    <p:spTree>
+      <p:nvGrpSpPr>
+        <p:cNvPr id="1" name="Shape 50"/>
+        <p:cNvGrpSpPr/>
+        <p:nvPr/>
+      </p:nvGrpSpPr>
+      <p:grpSpPr>
+        <a:xfrm>
+          <a:off x="0" y="0"/>
+          <a:ext cx="0" cy="0"/>
+          <a:chOff x="0" y="0"/>
+          <a:chExt cx="0" cy="0"/>
+        </a:xfrm>
+      </p:grpSpPr>
+      <p:sp>
+        <p:nvSpPr>
+          <p:cNvPr id="51" name="Google Shape;51;g109baabb656_0_0:notes"/>
+          <p:cNvSpPr>
+            <a:spLocks noGrp="1" noRot="1" noChangeAspect="1"/>
+          </p:cNvSpPr>
+          <p:nvPr>
+            <p:ph type="sldImg" idx="2"/>
+          </p:nvPr>
+        </p:nvSpPr>
+        <p:spPr>
+          <a:xfrm>
+            <a:off x="381000" y="685800"/>
+            <a:ext cx="6096000" cy="3429000"/>
+          </a:xfrm>
+          <a:custGeom>
+            <a:avLst/>
+            <a:gdLst/>
+            <a:ahLst/>
+            <a:cxnLst/>
+            <a:rect l="l" t="t" r="r" b="b"/>
+            <a:pathLst>
+              <a:path w="120000" h="120000" extrusionOk="0">
+                <a:moveTo>
+                  <a:pt x="0" y="0"/>
+                </a:moveTo>
+                <a:lnTo>
+                  <a:pt x="120000" y="0"/>
+                </a:lnTo>
+                <a:lnTo>
+                  <a:pt x="120000" y="120000"/>
+                </a:lnTo>
+                <a:lnTo>
+                  <a:pt x="0" y="120000"/>
+                </a:lnTo>
+                <a:close/>
+              </a:path>
+            </a:pathLst>
+          </a:custGeom>
+        </p:spPr>
+      </p:sp>
+      <p:sp>
+        <p:nvSpPr>
+          <p:cNvPr id="52" name="Google Shape;52;g109baabb656_0_0:notes"/>
+          <p:cNvSpPr txBox="1">
+            <a:spLocks noGrp="1"/>
+          </p:cNvSpPr>
+          <p:nvPr>
+            <p:ph type="body" idx="1"/>
+          </p:nvPr>
+        </p:nvSpPr>
+        <p:spPr>
+          <a:xfrm>
+            <a:off x="685800" y="4343400"/>
+            <a:ext cx="5486400" cy="4114800"/>
+          </a:xfrm>
+          <a:prstGeom prst="rect">
+            <a:avLst/>
+          </a:prstGeom>
+        </p:spPr>
+        <p:txBody>
+          <a:bodyPr spcFirstLastPara="1" wrap="square" lIns="91425" tIns="91425" rIns="91425" bIns="91425" anchor="t" anchorCtr="0">
+            <a:noAutofit/>
+          </a:bodyPr>
+          <a:lstStyle/>
+          <a:p>
+            <a:pPr marL="0" lvl="0" indent="0" algn="l" rtl="0">
+              <a:spcBef>
+                <a:spcPts val="0"/>
+              </a:spcBef>
+              <a:spcAft>
+                <a:spcPts val="0"/>
+              </a:spcAft>
+              <a:buNone/>
+            </a:pPr>
+            <a:endParaRPr/>
+          </a:p>
+        </p:txBody>
+      </p:sp>
+    </p:spTree>
+    <p:extLst>
+      <p:ext uri="{BB962C8B-B14F-4D97-AF65-F5344CB8AC3E}">
+        <p14:creationId xmlns:p14="http://schemas.microsoft.com/office/powerpoint/2010/main" val="2741487279"/>
+      </p:ext>
+    </p:extLst>
+  </p:cSld>
+  <p:clrMapOvr>
+    <a:masterClrMapping/>
+  </p:clrMapOvr>
+</p:notes>
+</file>
+
+<file path=ppt/notesSlides/notesSlide4.xml><?xml version="1.0" encoding="utf-8"?>
+<p:notes xmlns:a="http://schemas.openxmlformats.org/drawingml/2006/main" xmlns:r="http://schemas.openxmlformats.org/officeDocument/2006/relationships" xmlns:p="http://schemas.openxmlformats.org/presentationml/2006/main" showMasterSp="0" showMasterPhAnim="0">
+  <p:cSld>
+    <p:spTree>
+      <p:nvGrpSpPr>
+        <p:cNvPr id="1" name="Shape 50"/>
+        <p:cNvGrpSpPr/>
+        <p:nvPr/>
+      </p:nvGrpSpPr>
+      <p:grpSpPr>
+        <a:xfrm>
+          <a:off x="0" y="0"/>
+          <a:ext cx="0" cy="0"/>
+          <a:chOff x="0" y="0"/>
+          <a:chExt cx="0" cy="0"/>
+        </a:xfrm>
+      </p:grpSpPr>
+      <p:sp>
+        <p:nvSpPr>
+          <p:cNvPr id="51" name="Google Shape;51;g109baabb656_0_0:notes"/>
+          <p:cNvSpPr>
+            <a:spLocks noGrp="1" noRot="1" noChangeAspect="1"/>
+          </p:cNvSpPr>
+          <p:nvPr>
+            <p:ph type="sldImg" idx="2"/>
+          </p:nvPr>
+        </p:nvSpPr>
+        <p:spPr>
+          <a:xfrm>
+            <a:off x="381000" y="685800"/>
+            <a:ext cx="6096000" cy="3429000"/>
+          </a:xfrm>
+          <a:custGeom>
+            <a:avLst/>
+            <a:gdLst/>
+            <a:ahLst/>
+            <a:cxnLst/>
+            <a:rect l="l" t="t" r="r" b="b"/>
+            <a:pathLst>
+              <a:path w="120000" h="120000" extrusionOk="0">
+                <a:moveTo>
+                  <a:pt x="0" y="0"/>
+                </a:moveTo>
+                <a:lnTo>
+                  <a:pt x="120000" y="0"/>
+                </a:lnTo>
+                <a:lnTo>
+                  <a:pt x="120000" y="120000"/>
+                </a:lnTo>
+                <a:lnTo>
+                  <a:pt x="0" y="120000"/>
+                </a:lnTo>
+                <a:close/>
+              </a:path>
+            </a:pathLst>
+          </a:custGeom>
+        </p:spPr>
+      </p:sp>
+      <p:sp>
+        <p:nvSpPr>
+          <p:cNvPr id="52" name="Google Shape;52;g109baabb656_0_0:notes"/>
+          <p:cNvSpPr txBox="1">
+            <a:spLocks noGrp="1"/>
+          </p:cNvSpPr>
+          <p:nvPr>
+            <p:ph type="body" idx="1"/>
+          </p:nvPr>
+        </p:nvSpPr>
+        <p:spPr>
+          <a:xfrm>
+            <a:off x="685800" y="4343400"/>
+            <a:ext cx="5486400" cy="4114800"/>
+          </a:xfrm>
+          <a:prstGeom prst="rect">
+            <a:avLst/>
+          </a:prstGeom>
+        </p:spPr>
+        <p:txBody>
+          <a:bodyPr spcFirstLastPara="1" wrap="square" lIns="91425" tIns="91425" rIns="91425" bIns="91425" anchor="t" anchorCtr="0">
+            <a:noAutofit/>
+          </a:bodyPr>
+          <a:lstStyle/>
+          <a:p>
+            <a:pPr marL="0" lvl="0" indent="0" algn="l" rtl="0">
+              <a:spcBef>
+                <a:spcPts val="0"/>
+              </a:spcBef>
+              <a:spcAft>
+                <a:spcPts val="0"/>
+              </a:spcAft>
+              <a:buNone/>
+            </a:pPr>
+            <a:endParaRPr/>
+          </a:p>
+        </p:txBody>
+      </p:sp>
+    </p:spTree>
+    <p:extLst>
+      <p:ext uri="{BB962C8B-B14F-4D97-AF65-F5344CB8AC3E}">
+        <p14:creationId xmlns:p14="http://schemas.microsoft.com/office/powerpoint/2010/main" val="665548780"/>
+      </p:ext>
+    </p:extLst>
+  </p:cSld>
+  <p:clrMapOvr>
+    <a:masterClrMapping/>
+  </p:clrMapOvr>
+</p:notes>
+</file>
+
+<file path=ppt/notesSlides/notesSlide5.xml><?xml version="1.0" encoding="utf-8"?>
+<p:notes xmlns:a="http://schemas.openxmlformats.org/drawingml/2006/main" xmlns:r="http://schemas.openxmlformats.org/officeDocument/2006/relationships" xmlns:p="http://schemas.openxmlformats.org/presentationml/2006/main" showMasterSp="0" showMasterPhAnim="0">
+  <p:cSld>
+    <p:spTree>
+      <p:nvGrpSpPr>
+        <p:cNvPr id="1" name="Shape 50"/>
+        <p:cNvGrpSpPr/>
+        <p:nvPr/>
+      </p:nvGrpSpPr>
+      <p:grpSpPr>
+        <a:xfrm>
+          <a:off x="0" y="0"/>
+          <a:ext cx="0" cy="0"/>
+          <a:chOff x="0" y="0"/>
+          <a:chExt cx="0" cy="0"/>
+        </a:xfrm>
+      </p:grpSpPr>
+      <p:sp>
+        <p:nvSpPr>
+          <p:cNvPr id="51" name="Google Shape;51;g109baabb656_0_0:notes"/>
+          <p:cNvSpPr>
+            <a:spLocks noGrp="1" noRot="1" noChangeAspect="1"/>
+          </p:cNvSpPr>
+          <p:nvPr>
+            <p:ph type="sldImg" idx="2"/>
+          </p:nvPr>
+        </p:nvSpPr>
+        <p:spPr>
+          <a:xfrm>
+            <a:off x="381000" y="685800"/>
+            <a:ext cx="6096000" cy="3429000"/>
+          </a:xfrm>
+          <a:custGeom>
+            <a:avLst/>
+            <a:gdLst/>
+            <a:ahLst/>
+            <a:cxnLst/>
+            <a:rect l="l" t="t" r="r" b="b"/>
+            <a:pathLst>
+              <a:path w="120000" h="120000" extrusionOk="0">
+                <a:moveTo>
+                  <a:pt x="0" y="0"/>
+                </a:moveTo>
+                <a:lnTo>
+                  <a:pt x="120000" y="0"/>
+                </a:lnTo>
+                <a:lnTo>
+                  <a:pt x="120000" y="120000"/>
+                </a:lnTo>
+                <a:lnTo>
+                  <a:pt x="0" y="120000"/>
+                </a:lnTo>
+                <a:close/>
+              </a:path>
+            </a:pathLst>
+          </a:custGeom>
+        </p:spPr>
+      </p:sp>
+      <p:sp>
+        <p:nvSpPr>
+          <p:cNvPr id="52" name="Google Shape;52;g109baabb656_0_0:notes"/>
+          <p:cNvSpPr txBox="1">
+            <a:spLocks noGrp="1"/>
+          </p:cNvSpPr>
+          <p:nvPr>
+            <p:ph type="body" idx="1"/>
+          </p:nvPr>
+        </p:nvSpPr>
+        <p:spPr>
+          <a:xfrm>
+            <a:off x="685800" y="4343400"/>
+            <a:ext cx="5486400" cy="4114800"/>
+          </a:xfrm>
+          <a:prstGeom prst="rect">
+            <a:avLst/>
+          </a:prstGeom>
+        </p:spPr>
+        <p:txBody>
+          <a:bodyPr spcFirstLastPara="1" wrap="square" lIns="91425" tIns="91425" rIns="91425" bIns="91425" anchor="t" anchorCtr="0">
+            <a:noAutofit/>
+          </a:bodyPr>
+          <a:lstStyle/>
+          <a:p>
+            <a:pPr marL="0" lvl="0" indent="0" algn="l" rtl="0">
+              <a:spcBef>
+                <a:spcPts val="0"/>
+              </a:spcBef>
+              <a:spcAft>
+                <a:spcPts val="0"/>
+              </a:spcAft>
+              <a:buNone/>
+            </a:pPr>
+            <a:endParaRPr/>
+          </a:p>
+        </p:txBody>
+      </p:sp>
+    </p:spTree>
+    <p:extLst>
+      <p:ext uri="{BB962C8B-B14F-4D97-AF65-F5344CB8AC3E}">
+        <p14:creationId xmlns:p14="http://schemas.microsoft.com/office/powerpoint/2010/main" val="3963051580"/>
+      </p:ext>
+    </p:extLst>
+  </p:cSld>
+  <p:clrMapOvr>
+    <a:masterClrMapping/>
+  </p:clrMapOvr>
+</p:notes>
+</file>
+
 <file path=ppt/slideLayouts/slideLayout1.xml><?xml version="1.0" encoding="utf-8"?>
-<p:sldLayout xmlns:a="http://schemas.openxmlformats.org/drawingml/2006/main" xmlns:r="http://schemas.openxmlformats.org/officeDocument/2006/relationships" xmlns:mc="http://schemas.openxmlformats.org/markup-compatibility/2006" xmlns:mv="urn:schemas-microsoft-com:mac:vml" xmlns:p="http://schemas.openxmlformats.org/presentationml/2006/main" xmlns:c="http://schemas.openxmlformats.org/drawingml/2006/chart" xmlns:dgm="http://schemas.openxmlformats.org/drawingml/2006/diagram" xmlns:o="urn:schemas-microsoft-com:office:office" xmlns:v="urn:schemas-microsoft-com:vml" xmlns:pvml="urn:schemas-microsoft-com:office:powerpoint" xmlns:com="http://schemas.openxmlformats.org/drawingml/2006/compatibility" xmlns:p14="http://schemas.microsoft.com/office/powerpoint/2010/main" xmlns:p15="http://schemas.microsoft.com/office/powerpoint/2012/main" xmlns:ahyp="http://schemas.microsoft.com/office/drawing/2018/hyperlinkcolor" matchingName="Title slide" type="title">
+<p:sldLayout xmlns:a="http://schemas.openxmlformats.org/drawingml/2006/main" xmlns:r="http://schemas.openxmlformats.org/officeDocument/2006/relationships" xmlns:p="http://schemas.openxmlformats.org/presentationml/2006/main" matchingName="Title slide" type="title">
   <p:cSld name="TITLE">
     <p:bg>
       <p:bgPr>
@@ -807,11 +1267,12 @@
             <a:fillRect/>
           </a:stretch>
         </a:blipFill>
+        <a:effectLst/>
       </p:bgPr>
     </p:bg>
     <p:spTree>
       <p:nvGrpSpPr>
-        <p:cNvPr id="9" name="Shape 9"/>
+        <p:cNvPr id="1" name="Shape 9"/>
         <p:cNvGrpSpPr/>
         <p:nvPr/>
       </p:nvGrpSpPr>
@@ -826,7 +1287,9 @@
       <p:sp>
         <p:nvSpPr>
           <p:cNvPr id="10" name="Google Shape;10;p2"/>
-          <p:cNvSpPr txBox="1"/>
+          <p:cNvSpPr txBox="1">
+            <a:spLocks noGrp="1"/>
+          </p:cNvSpPr>
           <p:nvPr>
             <p:ph type="ctrTitle"/>
           </p:nvPr>
@@ -841,7 +1304,7 @@
           </a:prstGeom>
         </p:spPr>
         <p:txBody>
-          <a:bodyPr anchorCtr="0" anchor="b" bIns="91425" lIns="91425" spcFirstLastPara="1" rIns="91425" wrap="square" tIns="91425">
+          <a:bodyPr spcFirstLastPara="1" wrap="square" lIns="91425" tIns="91425" rIns="91425" bIns="91425" anchor="b" anchorCtr="0">
             <a:normAutofit/>
           </a:bodyPr>
           <a:lstStyle>
@@ -857,7 +1320,7 @@
               </a:buClr>
               <a:buSzPts val="3300"/>
               <a:buNone/>
-              <a:defRPr b="1" sz="3300">
+              <a:defRPr sz="3300" b="1">
                 <a:solidFill>
                   <a:schemeClr val="lt1"/>
                 </a:solidFill>
@@ -875,7 +1338,7 @@
               </a:buClr>
               <a:buSzPts val="3300"/>
               <a:buNone/>
-              <a:defRPr b="1" sz="3300">
+              <a:defRPr sz="3300" b="1">
                 <a:solidFill>
                   <a:schemeClr val="lt1"/>
                 </a:solidFill>
@@ -893,7 +1356,7 @@
               </a:buClr>
               <a:buSzPts val="3300"/>
               <a:buNone/>
-              <a:defRPr b="1" sz="3300">
+              <a:defRPr sz="3300" b="1">
                 <a:solidFill>
                   <a:schemeClr val="lt1"/>
                 </a:solidFill>
@@ -911,7 +1374,7 @@
               </a:buClr>
               <a:buSzPts val="3300"/>
               <a:buNone/>
-              <a:defRPr b="1" sz="3300">
+              <a:defRPr sz="3300" b="1">
                 <a:solidFill>
                   <a:schemeClr val="lt1"/>
                 </a:solidFill>
@@ -929,7 +1392,7 @@
               </a:buClr>
               <a:buSzPts val="3300"/>
               <a:buNone/>
-              <a:defRPr b="1" sz="3300">
+              <a:defRPr sz="3300" b="1">
                 <a:solidFill>
                   <a:schemeClr val="lt1"/>
                 </a:solidFill>
@@ -947,7 +1410,7 @@
               </a:buClr>
               <a:buSzPts val="3300"/>
               <a:buNone/>
-              <a:defRPr b="1" sz="3300">
+              <a:defRPr sz="3300" b="1">
                 <a:solidFill>
                   <a:schemeClr val="lt1"/>
                 </a:solidFill>
@@ -965,7 +1428,7 @@
               </a:buClr>
               <a:buSzPts val="3300"/>
               <a:buNone/>
-              <a:defRPr b="1" sz="3300">
+              <a:defRPr sz="3300" b="1">
                 <a:solidFill>
                   <a:schemeClr val="lt1"/>
                 </a:solidFill>
@@ -983,7 +1446,7 @@
               </a:buClr>
               <a:buSzPts val="3300"/>
               <a:buNone/>
-              <a:defRPr b="1" sz="3300">
+              <a:defRPr sz="3300" b="1">
                 <a:solidFill>
                   <a:schemeClr val="lt1"/>
                 </a:solidFill>
@@ -1001,22 +1464,26 @@
               </a:buClr>
               <a:buSzPts val="3300"/>
               <a:buNone/>
-              <a:defRPr b="1" sz="3300">
+              <a:defRPr sz="3300" b="1">
                 <a:solidFill>
                   <a:schemeClr val="lt1"/>
                 </a:solidFill>
               </a:defRPr>
             </a:lvl9pPr>
           </a:lstStyle>
-          <a:p/>
+          <a:p>
+            <a:endParaRPr/>
+          </a:p>
         </p:txBody>
       </p:sp>
       <p:sp>
         <p:nvSpPr>
           <p:cNvPr id="11" name="Google Shape;11;p2"/>
-          <p:cNvSpPr txBox="1"/>
+          <p:cNvSpPr txBox="1">
+            <a:spLocks noGrp="1"/>
+          </p:cNvSpPr>
           <p:nvPr>
-            <p:ph idx="1" type="subTitle"/>
+            <p:ph type="subTitle" idx="1"/>
           </p:nvPr>
         </p:nvSpPr>
         <p:spPr>
@@ -1029,7 +1496,7 @@
           </a:prstGeom>
         </p:spPr>
         <p:txBody>
-          <a:bodyPr anchorCtr="0" anchor="t" bIns="91425" lIns="91425" spcFirstLastPara="1" rIns="91425" wrap="square" tIns="91425">
+          <a:bodyPr spcFirstLastPara="1" wrap="square" lIns="91425" tIns="91425" rIns="91425" bIns="91425" anchor="t" anchorCtr="0">
             <a:normAutofit/>
           </a:bodyPr>
           <a:lstStyle>
@@ -1223,15 +1690,19 @@
               </a:defRPr>
             </a:lvl9pPr>
           </a:lstStyle>
-          <a:p/>
+          <a:p>
+            <a:endParaRPr/>
+          </a:p>
         </p:txBody>
       </p:sp>
       <p:sp>
         <p:nvSpPr>
           <p:cNvPr id="12" name="Google Shape;12;p2"/>
-          <p:cNvSpPr txBox="1"/>
+          <p:cNvSpPr txBox="1">
+            <a:spLocks noGrp="1"/>
+          </p:cNvSpPr>
           <p:nvPr>
-            <p:ph idx="12" type="sldNum"/>
+            <p:ph type="sldNum" idx="12"/>
           </p:nvPr>
         </p:nvSpPr>
         <p:spPr>
@@ -1244,7 +1715,7 @@
           </a:prstGeom>
         </p:spPr>
         <p:txBody>
-          <a:bodyPr anchorCtr="0" anchor="ctr" bIns="91425" lIns="91425" spcFirstLastPara="1" rIns="91425" wrap="square" tIns="91425">
+          <a:bodyPr spcFirstLastPara="1" wrap="square" lIns="91425" tIns="91425" rIns="91425" bIns="91425" anchor="ctr" anchorCtr="0">
             <a:normAutofit/>
           </a:bodyPr>
           <a:lstStyle>
@@ -1286,7 +1757,7 @@
             </a:lvl9pPr>
           </a:lstStyle>
           <a:p>
-            <a:pPr indent="0" lvl="0" marL="0" rtl="0" algn="r">
+            <a:pPr marL="0" lvl="0" indent="0" algn="r" rtl="0">
               <a:spcBef>
                 <a:spcPts val="0"/>
               </a:spcBef>
@@ -1312,11 +1783,11 @@
 </file>
 
 <file path=ppt/slideLayouts/slideLayout10.xml><?xml version="1.0" encoding="utf-8"?>
-<p:sldLayout xmlns:a="http://schemas.openxmlformats.org/drawingml/2006/main" xmlns:r="http://schemas.openxmlformats.org/officeDocument/2006/relationships" xmlns:mc="http://schemas.openxmlformats.org/markup-compatibility/2006" xmlns:mv="urn:schemas-microsoft-com:mac:vml" xmlns:p="http://schemas.openxmlformats.org/presentationml/2006/main" xmlns:c="http://schemas.openxmlformats.org/drawingml/2006/chart" xmlns:dgm="http://schemas.openxmlformats.org/drawingml/2006/diagram" xmlns:o="urn:schemas-microsoft-com:office:office" xmlns:v="urn:schemas-microsoft-com:vml" xmlns:pvml="urn:schemas-microsoft-com:office:powerpoint" xmlns:com="http://schemas.openxmlformats.org/drawingml/2006/compatibility" xmlns:p14="http://schemas.microsoft.com/office/powerpoint/2010/main" xmlns:p15="http://schemas.microsoft.com/office/powerpoint/2012/main" xmlns:ahyp="http://schemas.microsoft.com/office/drawing/2018/hyperlinkcolor" matchingName="Big number">
+<p:sldLayout xmlns:a="http://schemas.openxmlformats.org/drawingml/2006/main" xmlns:r="http://schemas.openxmlformats.org/officeDocument/2006/relationships" xmlns:p="http://schemas.openxmlformats.org/presentationml/2006/main" matchingName="Big number">
   <p:cSld name="BIG_NUMBER">
     <p:spTree>
       <p:nvGrpSpPr>
-        <p:cNvPr id="44" name="Shape 44"/>
+        <p:cNvPr id="1" name="Shape 44"/>
         <p:cNvGrpSpPr/>
         <p:nvPr/>
       </p:nvGrpSpPr>
@@ -1331,9 +1802,11 @@
       <p:sp>
         <p:nvSpPr>
           <p:cNvPr id="45" name="Google Shape;45;p11"/>
-          <p:cNvSpPr txBox="1"/>
+          <p:cNvSpPr txBox="1">
+            <a:spLocks noGrp="1"/>
+          </p:cNvSpPr>
           <p:nvPr>
-            <p:ph hasCustomPrompt="1" type="title"/>
+            <p:ph type="title" hasCustomPrompt="1"/>
           </p:nvPr>
         </p:nvSpPr>
         <p:spPr>
@@ -1346,7 +1819,7 @@
           </a:prstGeom>
         </p:spPr>
         <p:txBody>
-          <a:bodyPr anchorCtr="0" anchor="b" bIns="91425" lIns="91425" spcFirstLastPara="1" rIns="91425" wrap="square" tIns="91425">
+          <a:bodyPr spcFirstLastPara="1" wrap="square" lIns="91425" tIns="91425" rIns="91425" bIns="91425" anchor="b" anchorCtr="0">
             <a:normAutofit/>
           </a:bodyPr>
           <a:lstStyle>
@@ -1460,9 +1933,11 @@
       <p:sp>
         <p:nvSpPr>
           <p:cNvPr id="46" name="Google Shape;46;p11"/>
-          <p:cNvSpPr txBox="1"/>
+          <p:cNvSpPr txBox="1">
+            <a:spLocks noGrp="1"/>
+          </p:cNvSpPr>
           <p:nvPr>
-            <p:ph idx="1" type="body"/>
+            <p:ph type="body" idx="1"/>
           </p:nvPr>
         </p:nvSpPr>
         <p:spPr>
@@ -1475,11 +1950,11 @@
           </a:prstGeom>
         </p:spPr>
         <p:txBody>
-          <a:bodyPr anchorCtr="0" anchor="t" bIns="91425" lIns="91425" spcFirstLastPara="1" rIns="91425" wrap="square" tIns="91425">
+          <a:bodyPr spcFirstLastPara="1" wrap="square" lIns="91425" tIns="91425" rIns="91425" bIns="91425" anchor="t" anchorCtr="0">
             <a:normAutofit/>
           </a:bodyPr>
           <a:lstStyle>
-            <a:lvl1pPr indent="-342900" lvl="0" marL="457200" algn="ctr">
+            <a:lvl1pPr marL="457200" lvl="0" indent="-342900" algn="ctr">
               <a:spcBef>
                 <a:spcPts val="0"/>
               </a:spcBef>
@@ -1490,7 +1965,7 @@
               <a:buChar char="●"/>
               <a:defRPr/>
             </a:lvl1pPr>
-            <a:lvl2pPr indent="-317500" lvl="1" marL="914400" algn="ctr">
+            <a:lvl2pPr marL="914400" lvl="1" indent="-317500" algn="ctr">
               <a:spcBef>
                 <a:spcPts val="0"/>
               </a:spcBef>
@@ -1501,7 +1976,7 @@
               <a:buChar char="○"/>
               <a:defRPr/>
             </a:lvl2pPr>
-            <a:lvl3pPr indent="-317500" lvl="2" marL="1371600" algn="ctr">
+            <a:lvl3pPr marL="1371600" lvl="2" indent="-317500" algn="ctr">
               <a:spcBef>
                 <a:spcPts val="0"/>
               </a:spcBef>
@@ -1512,7 +1987,7 @@
               <a:buChar char="■"/>
               <a:defRPr/>
             </a:lvl3pPr>
-            <a:lvl4pPr indent="-317500" lvl="3" marL="1828800" algn="ctr">
+            <a:lvl4pPr marL="1828800" lvl="3" indent="-317500" algn="ctr">
               <a:spcBef>
                 <a:spcPts val="0"/>
               </a:spcBef>
@@ -1523,7 +1998,7 @@
               <a:buChar char="●"/>
               <a:defRPr/>
             </a:lvl4pPr>
-            <a:lvl5pPr indent="-317500" lvl="4" marL="2286000" algn="ctr">
+            <a:lvl5pPr marL="2286000" lvl="4" indent="-317500" algn="ctr">
               <a:spcBef>
                 <a:spcPts val="0"/>
               </a:spcBef>
@@ -1534,7 +2009,7 @@
               <a:buChar char="○"/>
               <a:defRPr/>
             </a:lvl5pPr>
-            <a:lvl6pPr indent="-317500" lvl="5" marL="2743200" algn="ctr">
+            <a:lvl6pPr marL="2743200" lvl="5" indent="-317500" algn="ctr">
               <a:spcBef>
                 <a:spcPts val="0"/>
               </a:spcBef>
@@ -1545,7 +2020,7 @@
               <a:buChar char="■"/>
               <a:defRPr/>
             </a:lvl6pPr>
-            <a:lvl7pPr indent="-317500" lvl="6" marL="3200400" algn="ctr">
+            <a:lvl7pPr marL="3200400" lvl="6" indent="-317500" algn="ctr">
               <a:spcBef>
                 <a:spcPts val="0"/>
               </a:spcBef>
@@ -1556,7 +2031,7 @@
               <a:buChar char="●"/>
               <a:defRPr/>
             </a:lvl7pPr>
-            <a:lvl8pPr indent="-317500" lvl="7" marL="3657600" algn="ctr">
+            <a:lvl8pPr marL="3657600" lvl="7" indent="-317500" algn="ctr">
               <a:spcBef>
                 <a:spcPts val="0"/>
               </a:spcBef>
@@ -1567,7 +2042,7 @@
               <a:buChar char="○"/>
               <a:defRPr/>
             </a:lvl8pPr>
-            <a:lvl9pPr indent="-317500" lvl="8" marL="4114800" algn="ctr">
+            <a:lvl9pPr marL="4114800" lvl="8" indent="-317500" algn="ctr">
               <a:spcBef>
                 <a:spcPts val="0"/>
               </a:spcBef>
@@ -1579,15 +2054,19 @@
               <a:defRPr/>
             </a:lvl9pPr>
           </a:lstStyle>
-          <a:p/>
+          <a:p>
+            <a:endParaRPr/>
+          </a:p>
         </p:txBody>
       </p:sp>
       <p:sp>
         <p:nvSpPr>
           <p:cNvPr id="47" name="Google Shape;47;p11"/>
-          <p:cNvSpPr txBox="1"/>
+          <p:cNvSpPr txBox="1">
+            <a:spLocks noGrp="1"/>
+          </p:cNvSpPr>
           <p:nvPr>
-            <p:ph idx="12" type="sldNum"/>
+            <p:ph type="sldNum" idx="12"/>
           </p:nvPr>
         </p:nvSpPr>
         <p:spPr>
@@ -1600,7 +2079,7 @@
           </a:prstGeom>
         </p:spPr>
         <p:txBody>
-          <a:bodyPr anchorCtr="0" anchor="ctr" bIns="91425" lIns="91425" spcFirstLastPara="1" rIns="91425" wrap="square" tIns="91425">
+          <a:bodyPr spcFirstLastPara="1" wrap="square" lIns="91425" tIns="91425" rIns="91425" bIns="91425" anchor="ctr" anchorCtr="0">
             <a:normAutofit/>
           </a:bodyPr>
           <a:lstStyle>
@@ -1642,7 +2121,7 @@
             </a:lvl9pPr>
           </a:lstStyle>
           <a:p>
-            <a:pPr indent="0" lvl="0" marL="0" rtl="0" algn="r">
+            <a:pPr marL="0" lvl="0" indent="0" algn="r" rtl="0">
               <a:spcBef>
                 <a:spcPts val="0"/>
               </a:spcBef>
@@ -1668,11 +2147,11 @@
 </file>
 
 <file path=ppt/slideLayouts/slideLayout11.xml><?xml version="1.0" encoding="utf-8"?>
-<p:sldLayout xmlns:a="http://schemas.openxmlformats.org/drawingml/2006/main" xmlns:r="http://schemas.openxmlformats.org/officeDocument/2006/relationships" xmlns:mc="http://schemas.openxmlformats.org/markup-compatibility/2006" xmlns:mv="urn:schemas-microsoft-com:mac:vml" xmlns:p="http://schemas.openxmlformats.org/presentationml/2006/main" xmlns:c="http://schemas.openxmlformats.org/drawingml/2006/chart" xmlns:dgm="http://schemas.openxmlformats.org/drawingml/2006/diagram" xmlns:o="urn:schemas-microsoft-com:office:office" xmlns:v="urn:schemas-microsoft-com:vml" xmlns:pvml="urn:schemas-microsoft-com:office:powerpoint" xmlns:com="http://schemas.openxmlformats.org/drawingml/2006/compatibility" xmlns:p14="http://schemas.microsoft.com/office/powerpoint/2010/main" xmlns:p15="http://schemas.microsoft.com/office/powerpoint/2012/main" xmlns:ahyp="http://schemas.microsoft.com/office/drawing/2018/hyperlinkcolor" matchingName="Blank" type="blank">
+<p:sldLayout xmlns:a="http://schemas.openxmlformats.org/drawingml/2006/main" xmlns:r="http://schemas.openxmlformats.org/officeDocument/2006/relationships" xmlns:p="http://schemas.openxmlformats.org/presentationml/2006/main" matchingName="Blank" type="blank">
   <p:cSld name="BLANK">
     <p:spTree>
       <p:nvGrpSpPr>
-        <p:cNvPr id="48" name="Shape 48"/>
+        <p:cNvPr id="1" name="Shape 48"/>
         <p:cNvGrpSpPr/>
         <p:nvPr/>
       </p:nvGrpSpPr>
@@ -1687,9 +2166,11 @@
       <p:sp>
         <p:nvSpPr>
           <p:cNvPr id="49" name="Google Shape;49;p12"/>
-          <p:cNvSpPr txBox="1"/>
+          <p:cNvSpPr txBox="1">
+            <a:spLocks noGrp="1"/>
+          </p:cNvSpPr>
           <p:nvPr>
-            <p:ph idx="12" type="sldNum"/>
+            <p:ph type="sldNum" idx="12"/>
           </p:nvPr>
         </p:nvSpPr>
         <p:spPr>
@@ -1702,7 +2183,7 @@
           </a:prstGeom>
         </p:spPr>
         <p:txBody>
-          <a:bodyPr anchorCtr="0" anchor="ctr" bIns="91425" lIns="91425" spcFirstLastPara="1" rIns="91425" wrap="square" tIns="91425">
+          <a:bodyPr spcFirstLastPara="1" wrap="square" lIns="91425" tIns="91425" rIns="91425" bIns="91425" anchor="ctr" anchorCtr="0">
             <a:normAutofit/>
           </a:bodyPr>
           <a:lstStyle>
@@ -1744,7 +2225,7 @@
             </a:lvl9pPr>
           </a:lstStyle>
           <a:p>
-            <a:pPr indent="0" lvl="0" marL="0" rtl="0" algn="r">
+            <a:pPr marL="0" lvl="0" indent="0" algn="r" rtl="0">
               <a:spcBef>
                 <a:spcPts val="0"/>
               </a:spcBef>
@@ -1770,11 +2251,11 @@
 </file>
 
 <file path=ppt/slideLayouts/slideLayout2.xml><?xml version="1.0" encoding="utf-8"?>
-<p:sldLayout xmlns:a="http://schemas.openxmlformats.org/drawingml/2006/main" xmlns:r="http://schemas.openxmlformats.org/officeDocument/2006/relationships" xmlns:mc="http://schemas.openxmlformats.org/markup-compatibility/2006" xmlns:mv="urn:schemas-microsoft-com:mac:vml" xmlns:p="http://schemas.openxmlformats.org/presentationml/2006/main" xmlns:c="http://schemas.openxmlformats.org/drawingml/2006/chart" xmlns:dgm="http://schemas.openxmlformats.org/drawingml/2006/diagram" xmlns:o="urn:schemas-microsoft-com:office:office" xmlns:v="urn:schemas-microsoft-com:vml" xmlns:pvml="urn:schemas-microsoft-com:office:powerpoint" xmlns:com="http://schemas.openxmlformats.org/drawingml/2006/compatibility" xmlns:p14="http://schemas.microsoft.com/office/powerpoint/2010/main" xmlns:p15="http://schemas.microsoft.com/office/powerpoint/2012/main" xmlns:ahyp="http://schemas.microsoft.com/office/drawing/2018/hyperlinkcolor" matchingName="Section header" type="secHead">
+<p:sldLayout xmlns:a="http://schemas.openxmlformats.org/drawingml/2006/main" xmlns:r="http://schemas.openxmlformats.org/officeDocument/2006/relationships" xmlns:p="http://schemas.openxmlformats.org/presentationml/2006/main" matchingName="Section header" type="secHead">
   <p:cSld name="SECTION_HEADER">
     <p:spTree>
       <p:nvGrpSpPr>
-        <p:cNvPr id="13" name="Shape 13"/>
+        <p:cNvPr id="1" name="Shape 13"/>
         <p:cNvGrpSpPr/>
         <p:nvPr/>
       </p:nvGrpSpPr>
@@ -1789,7 +2270,9 @@
       <p:sp>
         <p:nvSpPr>
           <p:cNvPr id="14" name="Google Shape;14;p3"/>
-          <p:cNvSpPr txBox="1"/>
+          <p:cNvSpPr txBox="1">
+            <a:spLocks noGrp="1"/>
+          </p:cNvSpPr>
           <p:nvPr>
             <p:ph type="title"/>
           </p:nvPr>
@@ -1804,7 +2287,7 @@
           </a:prstGeom>
         </p:spPr>
         <p:txBody>
-          <a:bodyPr anchorCtr="0" anchor="ctr" bIns="91425" lIns="91425" spcFirstLastPara="1" rIns="91425" wrap="square" tIns="91425">
+          <a:bodyPr spcFirstLastPara="1" wrap="square" lIns="91425" tIns="91425" rIns="91425" bIns="91425" anchor="ctr" anchorCtr="0">
             <a:normAutofit/>
           </a:bodyPr>
           <a:lstStyle>
@@ -1908,15 +2391,19 @@
               <a:defRPr sz="3600"/>
             </a:lvl9pPr>
           </a:lstStyle>
-          <a:p/>
+          <a:p>
+            <a:endParaRPr/>
+          </a:p>
         </p:txBody>
       </p:sp>
       <p:sp>
         <p:nvSpPr>
           <p:cNvPr id="15" name="Google Shape;15;p3"/>
-          <p:cNvSpPr txBox="1"/>
+          <p:cNvSpPr txBox="1">
+            <a:spLocks noGrp="1"/>
+          </p:cNvSpPr>
           <p:nvPr>
-            <p:ph idx="12" type="sldNum"/>
+            <p:ph type="sldNum" idx="12"/>
           </p:nvPr>
         </p:nvSpPr>
         <p:spPr>
@@ -1929,7 +2416,7 @@
           </a:prstGeom>
         </p:spPr>
         <p:txBody>
-          <a:bodyPr anchorCtr="0" anchor="ctr" bIns="91425" lIns="91425" spcFirstLastPara="1" rIns="91425" wrap="square" tIns="91425">
+          <a:bodyPr spcFirstLastPara="1" wrap="square" lIns="91425" tIns="91425" rIns="91425" bIns="91425" anchor="ctr" anchorCtr="0">
             <a:normAutofit/>
           </a:bodyPr>
           <a:lstStyle>
@@ -1971,7 +2458,7 @@
             </a:lvl9pPr>
           </a:lstStyle>
           <a:p>
-            <a:pPr indent="0" lvl="0" marL="0" rtl="0" algn="r">
+            <a:pPr marL="0" lvl="0" indent="0" algn="r" rtl="0">
               <a:spcBef>
                 <a:spcPts val="0"/>
               </a:spcBef>
@@ -1997,7 +2484,7 @@
 </file>
 
 <file path=ppt/slideLayouts/slideLayout3.xml><?xml version="1.0" encoding="utf-8"?>
-<p:sldLayout xmlns:a="http://schemas.openxmlformats.org/drawingml/2006/main" xmlns:r="http://schemas.openxmlformats.org/officeDocument/2006/relationships" xmlns:mc="http://schemas.openxmlformats.org/markup-compatibility/2006" xmlns:mv="urn:schemas-microsoft-com:mac:vml" xmlns:p="http://schemas.openxmlformats.org/presentationml/2006/main" xmlns:c="http://schemas.openxmlformats.org/drawingml/2006/chart" xmlns:dgm="http://schemas.openxmlformats.org/drawingml/2006/diagram" xmlns:o="urn:schemas-microsoft-com:office:office" xmlns:v="urn:schemas-microsoft-com:vml" xmlns:pvml="urn:schemas-microsoft-com:office:powerpoint" xmlns:com="http://schemas.openxmlformats.org/drawingml/2006/compatibility" xmlns:p14="http://schemas.microsoft.com/office/powerpoint/2010/main" xmlns:p15="http://schemas.microsoft.com/office/powerpoint/2012/main" xmlns:ahyp="http://schemas.microsoft.com/office/drawing/2018/hyperlinkcolor" matchingName="Title and body" type="tx">
+<p:sldLayout xmlns:a="http://schemas.openxmlformats.org/drawingml/2006/main" xmlns:r="http://schemas.openxmlformats.org/officeDocument/2006/relationships" xmlns:p="http://schemas.openxmlformats.org/presentationml/2006/main" matchingName="Title and body" type="tx">
   <p:cSld name="TITLE_AND_BODY">
     <p:bg>
       <p:bgPr>
@@ -2009,11 +2496,12 @@
             <a:fillRect/>
           </a:stretch>
         </a:blipFill>
+        <a:effectLst/>
       </p:bgPr>
     </p:bg>
     <p:spTree>
       <p:nvGrpSpPr>
-        <p:cNvPr id="16" name="Shape 16"/>
+        <p:cNvPr id="1" name="Shape 16"/>
         <p:cNvGrpSpPr/>
         <p:nvPr/>
       </p:nvGrpSpPr>
@@ -2028,7 +2516,9 @@
       <p:sp>
         <p:nvSpPr>
           <p:cNvPr id="17" name="Google Shape;17;p4"/>
-          <p:cNvSpPr txBox="1"/>
+          <p:cNvSpPr txBox="1">
+            <a:spLocks noGrp="1"/>
+          </p:cNvSpPr>
           <p:nvPr>
             <p:ph type="title"/>
           </p:nvPr>
@@ -2043,7 +2533,7 @@
           </a:prstGeom>
         </p:spPr>
         <p:txBody>
-          <a:bodyPr anchorCtr="0" anchor="t" bIns="91425" lIns="91425" spcFirstLastPara="1" rIns="91425" wrap="square" tIns="91425">
+          <a:bodyPr spcFirstLastPara="1" wrap="square" lIns="91425" tIns="91425" rIns="91425" bIns="91425" anchor="t" anchorCtr="0">
             <a:normAutofit/>
           </a:bodyPr>
           <a:lstStyle>
@@ -2210,15 +2700,19 @@
               </a:defRPr>
             </a:lvl9pPr>
           </a:lstStyle>
-          <a:p/>
+          <a:p>
+            <a:endParaRPr/>
+          </a:p>
         </p:txBody>
       </p:sp>
       <p:sp>
         <p:nvSpPr>
           <p:cNvPr id="18" name="Google Shape;18;p4"/>
-          <p:cNvSpPr txBox="1"/>
+          <p:cNvSpPr txBox="1">
+            <a:spLocks noGrp="1"/>
+          </p:cNvSpPr>
           <p:nvPr>
-            <p:ph idx="1" type="body"/>
+            <p:ph type="body" idx="1"/>
           </p:nvPr>
         </p:nvSpPr>
         <p:spPr>
@@ -2231,11 +2725,11 @@
           </a:prstGeom>
         </p:spPr>
         <p:txBody>
-          <a:bodyPr anchorCtr="0" anchor="t" bIns="91425" lIns="91425" spcFirstLastPara="1" rIns="91425" wrap="square" tIns="91425">
+          <a:bodyPr spcFirstLastPara="1" wrap="square" lIns="91425" tIns="91425" rIns="91425" bIns="91425" anchor="t" anchorCtr="0">
             <a:normAutofit/>
           </a:bodyPr>
           <a:lstStyle>
-            <a:lvl1pPr indent="-342900" lvl="0" marL="457200">
+            <a:lvl1pPr marL="457200" lvl="0" indent="-342900">
               <a:spcBef>
                 <a:spcPts val="0"/>
               </a:spcBef>
@@ -2246,7 +2740,7 @@
               <a:buChar char="●"/>
               <a:defRPr/>
             </a:lvl1pPr>
-            <a:lvl2pPr indent="-317500" lvl="1" marL="914400">
+            <a:lvl2pPr marL="914400" lvl="1" indent="-317500">
               <a:spcBef>
                 <a:spcPts val="0"/>
               </a:spcBef>
@@ -2257,7 +2751,7 @@
               <a:buChar char="○"/>
               <a:defRPr/>
             </a:lvl2pPr>
-            <a:lvl3pPr indent="-317500" lvl="2" marL="1371600">
+            <a:lvl3pPr marL="1371600" lvl="2" indent="-317500">
               <a:spcBef>
                 <a:spcPts val="0"/>
               </a:spcBef>
@@ -2268,7 +2762,7 @@
               <a:buChar char="■"/>
               <a:defRPr/>
             </a:lvl3pPr>
-            <a:lvl4pPr indent="-317500" lvl="3" marL="1828800">
+            <a:lvl4pPr marL="1828800" lvl="3" indent="-317500">
               <a:spcBef>
                 <a:spcPts val="0"/>
               </a:spcBef>
@@ -2279,7 +2773,7 @@
               <a:buChar char="●"/>
               <a:defRPr/>
             </a:lvl4pPr>
-            <a:lvl5pPr indent="-317500" lvl="4" marL="2286000">
+            <a:lvl5pPr marL="2286000" lvl="4" indent="-317500">
               <a:spcBef>
                 <a:spcPts val="0"/>
               </a:spcBef>
@@ -2290,7 +2784,7 @@
               <a:buChar char="○"/>
               <a:defRPr/>
             </a:lvl5pPr>
-            <a:lvl6pPr indent="-317500" lvl="5" marL="2743200">
+            <a:lvl6pPr marL="2743200" lvl="5" indent="-317500">
               <a:spcBef>
                 <a:spcPts val="0"/>
               </a:spcBef>
@@ -2301,7 +2795,7 @@
               <a:buChar char="■"/>
               <a:defRPr/>
             </a:lvl6pPr>
-            <a:lvl7pPr indent="-317500" lvl="6" marL="3200400">
+            <a:lvl7pPr marL="3200400" lvl="6" indent="-317500">
               <a:spcBef>
                 <a:spcPts val="0"/>
               </a:spcBef>
@@ -2312,7 +2806,7 @@
               <a:buChar char="●"/>
               <a:defRPr/>
             </a:lvl7pPr>
-            <a:lvl8pPr indent="-317500" lvl="7" marL="3657600">
+            <a:lvl8pPr marL="3657600" lvl="7" indent="-317500">
               <a:spcBef>
                 <a:spcPts val="0"/>
               </a:spcBef>
@@ -2323,7 +2817,7 @@
               <a:buChar char="○"/>
               <a:defRPr/>
             </a:lvl8pPr>
-            <a:lvl9pPr indent="-317500" lvl="8" marL="4114800">
+            <a:lvl9pPr marL="4114800" lvl="8" indent="-317500">
               <a:spcBef>
                 <a:spcPts val="0"/>
               </a:spcBef>
@@ -2335,15 +2829,19 @@
               <a:defRPr/>
             </a:lvl9pPr>
           </a:lstStyle>
-          <a:p/>
+          <a:p>
+            <a:endParaRPr/>
+          </a:p>
         </p:txBody>
       </p:sp>
       <p:sp>
         <p:nvSpPr>
           <p:cNvPr id="19" name="Google Shape;19;p4"/>
-          <p:cNvSpPr txBox="1"/>
+          <p:cNvSpPr txBox="1">
+            <a:spLocks noGrp="1"/>
+          </p:cNvSpPr>
           <p:nvPr>
-            <p:ph idx="12" type="sldNum"/>
+            <p:ph type="sldNum" idx="12"/>
           </p:nvPr>
         </p:nvSpPr>
         <p:spPr>
@@ -2356,7 +2854,7 @@
           </a:prstGeom>
         </p:spPr>
         <p:txBody>
-          <a:bodyPr anchorCtr="0" anchor="ctr" bIns="91425" lIns="91425" spcFirstLastPara="1" rIns="91425" wrap="square" tIns="91425">
+          <a:bodyPr spcFirstLastPara="1" wrap="square" lIns="91425" tIns="91425" rIns="91425" bIns="91425" anchor="ctr" anchorCtr="0">
             <a:normAutofit/>
           </a:bodyPr>
           <a:lstStyle>
@@ -2398,7 +2896,7 @@
             </a:lvl9pPr>
           </a:lstStyle>
           <a:p>
-            <a:pPr indent="0" lvl="0" marL="0" rtl="0" algn="r">
+            <a:pPr marL="0" lvl="0" indent="0" algn="r" rtl="0">
               <a:spcBef>
                 <a:spcPts val="0"/>
               </a:spcBef>
@@ -2424,11 +2922,11 @@
 </file>
 
 <file path=ppt/slideLayouts/slideLayout4.xml><?xml version="1.0" encoding="utf-8"?>
-<p:sldLayout xmlns:a="http://schemas.openxmlformats.org/drawingml/2006/main" xmlns:r="http://schemas.openxmlformats.org/officeDocument/2006/relationships" xmlns:mc="http://schemas.openxmlformats.org/markup-compatibility/2006" xmlns:mv="urn:schemas-microsoft-com:mac:vml" xmlns:p="http://schemas.openxmlformats.org/presentationml/2006/main" xmlns:c="http://schemas.openxmlformats.org/drawingml/2006/chart" xmlns:dgm="http://schemas.openxmlformats.org/drawingml/2006/diagram" xmlns:o="urn:schemas-microsoft-com:office:office" xmlns:v="urn:schemas-microsoft-com:vml" xmlns:pvml="urn:schemas-microsoft-com:office:powerpoint" xmlns:com="http://schemas.openxmlformats.org/drawingml/2006/compatibility" xmlns:p14="http://schemas.microsoft.com/office/powerpoint/2010/main" xmlns:p15="http://schemas.microsoft.com/office/powerpoint/2012/main" xmlns:ahyp="http://schemas.microsoft.com/office/drawing/2018/hyperlinkcolor" matchingName="Title and two columns" type="twoColTx">
+<p:sldLayout xmlns:a="http://schemas.openxmlformats.org/drawingml/2006/main" xmlns:r="http://schemas.openxmlformats.org/officeDocument/2006/relationships" xmlns:p="http://schemas.openxmlformats.org/presentationml/2006/main" matchingName="Title and two columns" type="twoColTx">
   <p:cSld name="TITLE_AND_TWO_COLUMNS">
     <p:spTree>
       <p:nvGrpSpPr>
-        <p:cNvPr id="20" name="Shape 20"/>
+        <p:cNvPr id="1" name="Shape 20"/>
         <p:cNvGrpSpPr/>
         <p:nvPr/>
       </p:nvGrpSpPr>
@@ -2443,7 +2941,9 @@
       <p:sp>
         <p:nvSpPr>
           <p:cNvPr id="21" name="Google Shape;21;p5"/>
-          <p:cNvSpPr txBox="1"/>
+          <p:cNvSpPr txBox="1">
+            <a:spLocks noGrp="1"/>
+          </p:cNvSpPr>
           <p:nvPr>
             <p:ph type="title"/>
           </p:nvPr>
@@ -2458,7 +2958,7 @@
           </a:prstGeom>
         </p:spPr>
         <p:txBody>
-          <a:bodyPr anchorCtr="0" anchor="t" bIns="91425" lIns="91425" spcFirstLastPara="1" rIns="91425" wrap="square" tIns="91425">
+          <a:bodyPr spcFirstLastPara="1" wrap="square" lIns="91425" tIns="91425" rIns="91425" bIns="91425" anchor="t" anchorCtr="0">
             <a:normAutofit/>
           </a:bodyPr>
           <a:lstStyle>
@@ -2562,15 +3062,19 @@
               <a:defRPr/>
             </a:lvl9pPr>
           </a:lstStyle>
-          <a:p/>
+          <a:p>
+            <a:endParaRPr/>
+          </a:p>
         </p:txBody>
       </p:sp>
       <p:sp>
         <p:nvSpPr>
           <p:cNvPr id="22" name="Google Shape;22;p5"/>
-          <p:cNvSpPr txBox="1"/>
+          <p:cNvSpPr txBox="1">
+            <a:spLocks noGrp="1"/>
+          </p:cNvSpPr>
           <p:nvPr>
-            <p:ph idx="1" type="body"/>
+            <p:ph type="body" idx="1"/>
           </p:nvPr>
         </p:nvSpPr>
         <p:spPr>
@@ -2583,11 +3087,11 @@
           </a:prstGeom>
         </p:spPr>
         <p:txBody>
-          <a:bodyPr anchorCtr="0" anchor="t" bIns="91425" lIns="91425" spcFirstLastPara="1" rIns="91425" wrap="square" tIns="91425">
+          <a:bodyPr spcFirstLastPara="1" wrap="square" lIns="91425" tIns="91425" rIns="91425" bIns="91425" anchor="t" anchorCtr="0">
             <a:normAutofit/>
           </a:bodyPr>
           <a:lstStyle>
-            <a:lvl1pPr indent="-317500" lvl="0" marL="457200">
+            <a:lvl1pPr marL="457200" lvl="0" indent="-317500">
               <a:spcBef>
                 <a:spcPts val="0"/>
               </a:spcBef>
@@ -2598,7 +3102,7 @@
               <a:buChar char="●"/>
               <a:defRPr sz="1400"/>
             </a:lvl1pPr>
-            <a:lvl2pPr indent="-304800" lvl="1" marL="914400">
+            <a:lvl2pPr marL="914400" lvl="1" indent="-304800">
               <a:spcBef>
                 <a:spcPts val="0"/>
               </a:spcBef>
@@ -2609,7 +3113,7 @@
               <a:buChar char="○"/>
               <a:defRPr sz="1200"/>
             </a:lvl2pPr>
-            <a:lvl3pPr indent="-304800" lvl="2" marL="1371600">
+            <a:lvl3pPr marL="1371600" lvl="2" indent="-304800">
               <a:spcBef>
                 <a:spcPts val="0"/>
               </a:spcBef>
@@ -2620,7 +3124,7 @@
               <a:buChar char="■"/>
               <a:defRPr sz="1200"/>
             </a:lvl3pPr>
-            <a:lvl4pPr indent="-304800" lvl="3" marL="1828800">
+            <a:lvl4pPr marL="1828800" lvl="3" indent="-304800">
               <a:spcBef>
                 <a:spcPts val="0"/>
               </a:spcBef>
@@ -2631,7 +3135,7 @@
               <a:buChar char="●"/>
               <a:defRPr sz="1200"/>
             </a:lvl4pPr>
-            <a:lvl5pPr indent="-304800" lvl="4" marL="2286000">
+            <a:lvl5pPr marL="2286000" lvl="4" indent="-304800">
               <a:spcBef>
                 <a:spcPts val="0"/>
               </a:spcBef>
@@ -2642,7 +3146,7 @@
               <a:buChar char="○"/>
               <a:defRPr sz="1200"/>
             </a:lvl5pPr>
-            <a:lvl6pPr indent="-304800" lvl="5" marL="2743200">
+            <a:lvl6pPr marL="2743200" lvl="5" indent="-304800">
               <a:spcBef>
                 <a:spcPts val="0"/>
               </a:spcBef>
@@ -2653,7 +3157,7 @@
               <a:buChar char="■"/>
               <a:defRPr sz="1200"/>
             </a:lvl6pPr>
-            <a:lvl7pPr indent="-304800" lvl="6" marL="3200400">
+            <a:lvl7pPr marL="3200400" lvl="6" indent="-304800">
               <a:spcBef>
                 <a:spcPts val="0"/>
               </a:spcBef>
@@ -2664,7 +3168,7 @@
               <a:buChar char="●"/>
               <a:defRPr sz="1200"/>
             </a:lvl7pPr>
-            <a:lvl8pPr indent="-304800" lvl="7" marL="3657600">
+            <a:lvl8pPr marL="3657600" lvl="7" indent="-304800">
               <a:spcBef>
                 <a:spcPts val="0"/>
               </a:spcBef>
@@ -2675,7 +3179,7 @@
               <a:buChar char="○"/>
               <a:defRPr sz="1200"/>
             </a:lvl8pPr>
-            <a:lvl9pPr indent="-304800" lvl="8" marL="4114800">
+            <a:lvl9pPr marL="4114800" lvl="8" indent="-304800">
               <a:spcBef>
                 <a:spcPts val="0"/>
               </a:spcBef>
@@ -2687,15 +3191,19 @@
               <a:defRPr sz="1200"/>
             </a:lvl9pPr>
           </a:lstStyle>
-          <a:p/>
+          <a:p>
+            <a:endParaRPr/>
+          </a:p>
         </p:txBody>
       </p:sp>
       <p:sp>
         <p:nvSpPr>
           <p:cNvPr id="23" name="Google Shape;23;p5"/>
-          <p:cNvSpPr txBox="1"/>
+          <p:cNvSpPr txBox="1">
+            <a:spLocks noGrp="1"/>
+          </p:cNvSpPr>
           <p:nvPr>
-            <p:ph idx="2" type="body"/>
+            <p:ph type="body" idx="2"/>
           </p:nvPr>
         </p:nvSpPr>
         <p:spPr>
@@ -2708,11 +3216,11 @@
           </a:prstGeom>
         </p:spPr>
         <p:txBody>
-          <a:bodyPr anchorCtr="0" anchor="t" bIns="91425" lIns="91425" spcFirstLastPara="1" rIns="91425" wrap="square" tIns="91425">
+          <a:bodyPr spcFirstLastPara="1" wrap="square" lIns="91425" tIns="91425" rIns="91425" bIns="91425" anchor="t" anchorCtr="0">
             <a:normAutofit/>
           </a:bodyPr>
           <a:lstStyle>
-            <a:lvl1pPr indent="-317500" lvl="0" marL="457200">
+            <a:lvl1pPr marL="457200" lvl="0" indent="-317500">
               <a:spcBef>
                 <a:spcPts val="0"/>
               </a:spcBef>
@@ -2723,7 +3231,7 @@
               <a:buChar char="●"/>
               <a:defRPr sz="1400"/>
             </a:lvl1pPr>
-            <a:lvl2pPr indent="-304800" lvl="1" marL="914400">
+            <a:lvl2pPr marL="914400" lvl="1" indent="-304800">
               <a:spcBef>
                 <a:spcPts val="0"/>
               </a:spcBef>
@@ -2734,7 +3242,7 @@
               <a:buChar char="○"/>
               <a:defRPr sz="1200"/>
             </a:lvl2pPr>
-            <a:lvl3pPr indent="-304800" lvl="2" marL="1371600">
+            <a:lvl3pPr marL="1371600" lvl="2" indent="-304800">
               <a:spcBef>
                 <a:spcPts val="0"/>
               </a:spcBef>
@@ -2745,7 +3253,7 @@
               <a:buChar char="■"/>
               <a:defRPr sz="1200"/>
             </a:lvl3pPr>
-            <a:lvl4pPr indent="-304800" lvl="3" marL="1828800">
+            <a:lvl4pPr marL="1828800" lvl="3" indent="-304800">
               <a:spcBef>
                 <a:spcPts val="0"/>
               </a:spcBef>
@@ -2756,7 +3264,7 @@
               <a:buChar char="●"/>
               <a:defRPr sz="1200"/>
             </a:lvl4pPr>
-            <a:lvl5pPr indent="-304800" lvl="4" marL="2286000">
+            <a:lvl5pPr marL="2286000" lvl="4" indent="-304800">
               <a:spcBef>
                 <a:spcPts val="0"/>
               </a:spcBef>
@@ -2767,7 +3275,7 @@
               <a:buChar char="○"/>
               <a:defRPr sz="1200"/>
             </a:lvl5pPr>
-            <a:lvl6pPr indent="-304800" lvl="5" marL="2743200">
+            <a:lvl6pPr marL="2743200" lvl="5" indent="-304800">
               <a:spcBef>
                 <a:spcPts val="0"/>
               </a:spcBef>
@@ -2778,7 +3286,7 @@
               <a:buChar char="■"/>
               <a:defRPr sz="1200"/>
             </a:lvl6pPr>
-            <a:lvl7pPr indent="-304800" lvl="6" marL="3200400">
+            <a:lvl7pPr marL="3200400" lvl="6" indent="-304800">
               <a:spcBef>
                 <a:spcPts val="0"/>
               </a:spcBef>
@@ -2789,7 +3297,7 @@
               <a:buChar char="●"/>
               <a:defRPr sz="1200"/>
             </a:lvl7pPr>
-            <a:lvl8pPr indent="-304800" lvl="7" marL="3657600">
+            <a:lvl8pPr marL="3657600" lvl="7" indent="-304800">
               <a:spcBef>
                 <a:spcPts val="0"/>
               </a:spcBef>
@@ -2800,7 +3308,7 @@
               <a:buChar char="○"/>
               <a:defRPr sz="1200"/>
             </a:lvl8pPr>
-            <a:lvl9pPr indent="-304800" lvl="8" marL="4114800">
+            <a:lvl9pPr marL="4114800" lvl="8" indent="-304800">
               <a:spcBef>
                 <a:spcPts val="0"/>
               </a:spcBef>
@@ -2812,15 +3320,19 @@
               <a:defRPr sz="1200"/>
             </a:lvl9pPr>
           </a:lstStyle>
-          <a:p/>
+          <a:p>
+            <a:endParaRPr/>
+          </a:p>
         </p:txBody>
       </p:sp>
       <p:sp>
         <p:nvSpPr>
           <p:cNvPr id="24" name="Google Shape;24;p5"/>
-          <p:cNvSpPr txBox="1"/>
+          <p:cNvSpPr txBox="1">
+            <a:spLocks noGrp="1"/>
+          </p:cNvSpPr>
           <p:nvPr>
-            <p:ph idx="12" type="sldNum"/>
+            <p:ph type="sldNum" idx="12"/>
           </p:nvPr>
         </p:nvSpPr>
         <p:spPr>
@@ -2833,7 +3345,7 @@
           </a:prstGeom>
         </p:spPr>
         <p:txBody>
-          <a:bodyPr anchorCtr="0" anchor="ctr" bIns="91425" lIns="91425" spcFirstLastPara="1" rIns="91425" wrap="square" tIns="91425">
+          <a:bodyPr spcFirstLastPara="1" wrap="square" lIns="91425" tIns="91425" rIns="91425" bIns="91425" anchor="ctr" anchorCtr="0">
             <a:normAutofit/>
           </a:bodyPr>
           <a:lstStyle>
@@ -2875,7 +3387,7 @@
             </a:lvl9pPr>
           </a:lstStyle>
           <a:p>
-            <a:pPr indent="0" lvl="0" marL="0" rtl="0" algn="r">
+            <a:pPr marL="0" lvl="0" indent="0" algn="r" rtl="0">
               <a:spcBef>
                 <a:spcPts val="0"/>
               </a:spcBef>
@@ -2901,11 +3413,11 @@
 </file>
 
 <file path=ppt/slideLayouts/slideLayout5.xml><?xml version="1.0" encoding="utf-8"?>
-<p:sldLayout xmlns:a="http://schemas.openxmlformats.org/drawingml/2006/main" xmlns:r="http://schemas.openxmlformats.org/officeDocument/2006/relationships" xmlns:mc="http://schemas.openxmlformats.org/markup-compatibility/2006" xmlns:mv="urn:schemas-microsoft-com:mac:vml" xmlns:p="http://schemas.openxmlformats.org/presentationml/2006/main" xmlns:c="http://schemas.openxmlformats.org/drawingml/2006/chart" xmlns:dgm="http://schemas.openxmlformats.org/drawingml/2006/diagram" xmlns:o="urn:schemas-microsoft-com:office:office" xmlns:v="urn:schemas-microsoft-com:vml" xmlns:pvml="urn:schemas-microsoft-com:office:powerpoint" xmlns:com="http://schemas.openxmlformats.org/drawingml/2006/compatibility" xmlns:p14="http://schemas.microsoft.com/office/powerpoint/2010/main" xmlns:p15="http://schemas.microsoft.com/office/powerpoint/2012/main" xmlns:ahyp="http://schemas.microsoft.com/office/drawing/2018/hyperlinkcolor" matchingName="Title only" type="titleOnly">
+<p:sldLayout xmlns:a="http://schemas.openxmlformats.org/drawingml/2006/main" xmlns:r="http://schemas.openxmlformats.org/officeDocument/2006/relationships" xmlns:p="http://schemas.openxmlformats.org/presentationml/2006/main" matchingName="Title only" type="titleOnly">
   <p:cSld name="TITLE_ONLY">
     <p:spTree>
       <p:nvGrpSpPr>
-        <p:cNvPr id="25" name="Shape 25"/>
+        <p:cNvPr id="1" name="Shape 25"/>
         <p:cNvGrpSpPr/>
         <p:nvPr/>
       </p:nvGrpSpPr>
@@ -2920,7 +3432,9 @@
       <p:sp>
         <p:nvSpPr>
           <p:cNvPr id="26" name="Google Shape;26;p6"/>
-          <p:cNvSpPr txBox="1"/>
+          <p:cNvSpPr txBox="1">
+            <a:spLocks noGrp="1"/>
+          </p:cNvSpPr>
           <p:nvPr>
             <p:ph type="title"/>
           </p:nvPr>
@@ -2935,7 +3449,7 @@
           </a:prstGeom>
         </p:spPr>
         <p:txBody>
-          <a:bodyPr anchorCtr="0" anchor="t" bIns="91425" lIns="91425" spcFirstLastPara="1" rIns="91425" wrap="square" tIns="91425">
+          <a:bodyPr spcFirstLastPara="1" wrap="square" lIns="91425" tIns="91425" rIns="91425" bIns="91425" anchor="t" anchorCtr="0">
             <a:normAutofit/>
           </a:bodyPr>
           <a:lstStyle>
@@ -3039,15 +3553,19 @@
               <a:defRPr/>
             </a:lvl9pPr>
           </a:lstStyle>
-          <a:p/>
+          <a:p>
+            <a:endParaRPr/>
+          </a:p>
         </p:txBody>
       </p:sp>
       <p:sp>
         <p:nvSpPr>
           <p:cNvPr id="27" name="Google Shape;27;p6"/>
-          <p:cNvSpPr txBox="1"/>
+          <p:cNvSpPr txBox="1">
+            <a:spLocks noGrp="1"/>
+          </p:cNvSpPr>
           <p:nvPr>
-            <p:ph idx="12" type="sldNum"/>
+            <p:ph type="sldNum" idx="12"/>
           </p:nvPr>
         </p:nvSpPr>
         <p:spPr>
@@ -3060,7 +3578,7 @@
           </a:prstGeom>
         </p:spPr>
         <p:txBody>
-          <a:bodyPr anchorCtr="0" anchor="ctr" bIns="91425" lIns="91425" spcFirstLastPara="1" rIns="91425" wrap="square" tIns="91425">
+          <a:bodyPr spcFirstLastPara="1" wrap="square" lIns="91425" tIns="91425" rIns="91425" bIns="91425" anchor="ctr" anchorCtr="0">
             <a:normAutofit/>
           </a:bodyPr>
           <a:lstStyle>
@@ -3102,7 +3620,7 @@
             </a:lvl9pPr>
           </a:lstStyle>
           <a:p>
-            <a:pPr indent="0" lvl="0" marL="0" rtl="0" algn="r">
+            <a:pPr marL="0" lvl="0" indent="0" algn="r" rtl="0">
               <a:spcBef>
                 <a:spcPts val="0"/>
               </a:spcBef>
@@ -3128,11 +3646,11 @@
 </file>
 
 <file path=ppt/slideLayouts/slideLayout6.xml><?xml version="1.0" encoding="utf-8"?>
-<p:sldLayout xmlns:a="http://schemas.openxmlformats.org/drawingml/2006/main" xmlns:r="http://schemas.openxmlformats.org/officeDocument/2006/relationships" xmlns:mc="http://schemas.openxmlformats.org/markup-compatibility/2006" xmlns:mv="urn:schemas-microsoft-com:mac:vml" xmlns:p="http://schemas.openxmlformats.org/presentationml/2006/main" xmlns:c="http://schemas.openxmlformats.org/drawingml/2006/chart" xmlns:dgm="http://schemas.openxmlformats.org/drawingml/2006/diagram" xmlns:o="urn:schemas-microsoft-com:office:office" xmlns:v="urn:schemas-microsoft-com:vml" xmlns:pvml="urn:schemas-microsoft-com:office:powerpoint" xmlns:com="http://schemas.openxmlformats.org/drawingml/2006/compatibility" xmlns:p14="http://schemas.microsoft.com/office/powerpoint/2010/main" xmlns:p15="http://schemas.microsoft.com/office/powerpoint/2012/main" xmlns:ahyp="http://schemas.microsoft.com/office/drawing/2018/hyperlinkcolor" matchingName="One column text">
+<p:sldLayout xmlns:a="http://schemas.openxmlformats.org/drawingml/2006/main" xmlns:r="http://schemas.openxmlformats.org/officeDocument/2006/relationships" xmlns:p="http://schemas.openxmlformats.org/presentationml/2006/main" matchingName="One column text">
   <p:cSld name="ONE_COLUMN_TEXT">
     <p:spTree>
       <p:nvGrpSpPr>
-        <p:cNvPr id="28" name="Shape 28"/>
+        <p:cNvPr id="1" name="Shape 28"/>
         <p:cNvGrpSpPr/>
         <p:nvPr/>
       </p:nvGrpSpPr>
@@ -3147,7 +3665,9 @@
       <p:sp>
         <p:nvSpPr>
           <p:cNvPr id="29" name="Google Shape;29;p7"/>
-          <p:cNvSpPr txBox="1"/>
+          <p:cNvSpPr txBox="1">
+            <a:spLocks noGrp="1"/>
+          </p:cNvSpPr>
           <p:nvPr>
             <p:ph type="title"/>
           </p:nvPr>
@@ -3162,7 +3682,7 @@
           </a:prstGeom>
         </p:spPr>
         <p:txBody>
-          <a:bodyPr anchorCtr="0" anchor="b" bIns="91425" lIns="91425" spcFirstLastPara="1" rIns="91425" wrap="square" tIns="91425">
+          <a:bodyPr spcFirstLastPara="1" wrap="square" lIns="91425" tIns="91425" rIns="91425" bIns="91425" anchor="b" anchorCtr="0">
             <a:normAutofit/>
           </a:bodyPr>
           <a:lstStyle>
@@ -3266,15 +3786,19 @@
               <a:defRPr sz="2400"/>
             </a:lvl9pPr>
           </a:lstStyle>
-          <a:p/>
+          <a:p>
+            <a:endParaRPr/>
+          </a:p>
         </p:txBody>
       </p:sp>
       <p:sp>
         <p:nvSpPr>
           <p:cNvPr id="30" name="Google Shape;30;p7"/>
-          <p:cNvSpPr txBox="1"/>
+          <p:cNvSpPr txBox="1">
+            <a:spLocks noGrp="1"/>
+          </p:cNvSpPr>
           <p:nvPr>
-            <p:ph idx="1" type="body"/>
+            <p:ph type="body" idx="1"/>
           </p:nvPr>
         </p:nvSpPr>
         <p:spPr>
@@ -3287,11 +3811,11 @@
           </a:prstGeom>
         </p:spPr>
         <p:txBody>
-          <a:bodyPr anchorCtr="0" anchor="t" bIns="91425" lIns="91425" spcFirstLastPara="1" rIns="91425" wrap="square" tIns="91425">
+          <a:bodyPr spcFirstLastPara="1" wrap="square" lIns="91425" tIns="91425" rIns="91425" bIns="91425" anchor="t" anchorCtr="0">
             <a:normAutofit/>
           </a:bodyPr>
           <a:lstStyle>
-            <a:lvl1pPr indent="-304800" lvl="0" marL="457200">
+            <a:lvl1pPr marL="457200" lvl="0" indent="-304800">
               <a:spcBef>
                 <a:spcPts val="0"/>
               </a:spcBef>
@@ -3302,7 +3826,7 @@
               <a:buChar char="●"/>
               <a:defRPr sz="1200"/>
             </a:lvl1pPr>
-            <a:lvl2pPr indent="-304800" lvl="1" marL="914400">
+            <a:lvl2pPr marL="914400" lvl="1" indent="-304800">
               <a:spcBef>
                 <a:spcPts val="0"/>
               </a:spcBef>
@@ -3313,7 +3837,7 @@
               <a:buChar char="○"/>
               <a:defRPr sz="1200"/>
             </a:lvl2pPr>
-            <a:lvl3pPr indent="-304800" lvl="2" marL="1371600">
+            <a:lvl3pPr marL="1371600" lvl="2" indent="-304800">
               <a:spcBef>
                 <a:spcPts val="0"/>
               </a:spcBef>
@@ -3324,7 +3848,7 @@
               <a:buChar char="■"/>
               <a:defRPr sz="1200"/>
             </a:lvl3pPr>
-            <a:lvl4pPr indent="-304800" lvl="3" marL="1828800">
+            <a:lvl4pPr marL="1828800" lvl="3" indent="-304800">
               <a:spcBef>
                 <a:spcPts val="0"/>
               </a:spcBef>
@@ -3335,7 +3859,7 @@
               <a:buChar char="●"/>
               <a:defRPr sz="1200"/>
             </a:lvl4pPr>
-            <a:lvl5pPr indent="-304800" lvl="4" marL="2286000">
+            <a:lvl5pPr marL="2286000" lvl="4" indent="-304800">
               <a:spcBef>
                 <a:spcPts val="0"/>
               </a:spcBef>
@@ -3346,7 +3870,7 @@
               <a:buChar char="○"/>
               <a:defRPr sz="1200"/>
             </a:lvl5pPr>
-            <a:lvl6pPr indent="-304800" lvl="5" marL="2743200">
+            <a:lvl6pPr marL="2743200" lvl="5" indent="-304800">
               <a:spcBef>
                 <a:spcPts val="0"/>
               </a:spcBef>
@@ -3357,7 +3881,7 @@
               <a:buChar char="■"/>
               <a:defRPr sz="1200"/>
             </a:lvl6pPr>
-            <a:lvl7pPr indent="-304800" lvl="6" marL="3200400">
+            <a:lvl7pPr marL="3200400" lvl="6" indent="-304800">
               <a:spcBef>
                 <a:spcPts val="0"/>
               </a:spcBef>
@@ -3368,7 +3892,7 @@
               <a:buChar char="●"/>
               <a:defRPr sz="1200"/>
             </a:lvl7pPr>
-            <a:lvl8pPr indent="-304800" lvl="7" marL="3657600">
+            <a:lvl8pPr marL="3657600" lvl="7" indent="-304800">
               <a:spcBef>
                 <a:spcPts val="0"/>
               </a:spcBef>
@@ -3379,7 +3903,7 @@
               <a:buChar char="○"/>
               <a:defRPr sz="1200"/>
             </a:lvl8pPr>
-            <a:lvl9pPr indent="-304800" lvl="8" marL="4114800">
+            <a:lvl9pPr marL="4114800" lvl="8" indent="-304800">
               <a:spcBef>
                 <a:spcPts val="0"/>
               </a:spcBef>
@@ -3391,15 +3915,19 @@
               <a:defRPr sz="1200"/>
             </a:lvl9pPr>
           </a:lstStyle>
-          <a:p/>
+          <a:p>
+            <a:endParaRPr/>
+          </a:p>
         </p:txBody>
       </p:sp>
       <p:sp>
         <p:nvSpPr>
           <p:cNvPr id="31" name="Google Shape;31;p7"/>
-          <p:cNvSpPr txBox="1"/>
+          <p:cNvSpPr txBox="1">
+            <a:spLocks noGrp="1"/>
+          </p:cNvSpPr>
           <p:nvPr>
-            <p:ph idx="12" type="sldNum"/>
+            <p:ph type="sldNum" idx="12"/>
           </p:nvPr>
         </p:nvSpPr>
         <p:spPr>
@@ -3412,7 +3940,7 @@
           </a:prstGeom>
         </p:spPr>
         <p:txBody>
-          <a:bodyPr anchorCtr="0" anchor="ctr" bIns="91425" lIns="91425" spcFirstLastPara="1" rIns="91425" wrap="square" tIns="91425">
+          <a:bodyPr spcFirstLastPara="1" wrap="square" lIns="91425" tIns="91425" rIns="91425" bIns="91425" anchor="ctr" anchorCtr="0">
             <a:normAutofit/>
           </a:bodyPr>
           <a:lstStyle>
@@ -3454,7 +3982,7 @@
             </a:lvl9pPr>
           </a:lstStyle>
           <a:p>
-            <a:pPr indent="0" lvl="0" marL="0" rtl="0" algn="r">
+            <a:pPr marL="0" lvl="0" indent="0" algn="r" rtl="0">
               <a:spcBef>
                 <a:spcPts val="0"/>
               </a:spcBef>
@@ -3480,11 +4008,11 @@
 </file>
 
 <file path=ppt/slideLayouts/slideLayout7.xml><?xml version="1.0" encoding="utf-8"?>
-<p:sldLayout xmlns:a="http://schemas.openxmlformats.org/drawingml/2006/main" xmlns:r="http://schemas.openxmlformats.org/officeDocument/2006/relationships" xmlns:mc="http://schemas.openxmlformats.org/markup-compatibility/2006" xmlns:mv="urn:schemas-microsoft-com:mac:vml" xmlns:p="http://schemas.openxmlformats.org/presentationml/2006/main" xmlns:c="http://schemas.openxmlformats.org/drawingml/2006/chart" xmlns:dgm="http://schemas.openxmlformats.org/drawingml/2006/diagram" xmlns:o="urn:schemas-microsoft-com:office:office" xmlns:v="urn:schemas-microsoft-com:vml" xmlns:pvml="urn:schemas-microsoft-com:office:powerpoint" xmlns:com="http://schemas.openxmlformats.org/drawingml/2006/compatibility" xmlns:p14="http://schemas.microsoft.com/office/powerpoint/2010/main" xmlns:p15="http://schemas.microsoft.com/office/powerpoint/2012/main" xmlns:ahyp="http://schemas.microsoft.com/office/drawing/2018/hyperlinkcolor" matchingName="Main point">
+<p:sldLayout xmlns:a="http://schemas.openxmlformats.org/drawingml/2006/main" xmlns:r="http://schemas.openxmlformats.org/officeDocument/2006/relationships" xmlns:p="http://schemas.openxmlformats.org/presentationml/2006/main" matchingName="Main point">
   <p:cSld name="MAIN_POINT">
     <p:spTree>
       <p:nvGrpSpPr>
-        <p:cNvPr id="32" name="Shape 32"/>
+        <p:cNvPr id="1" name="Shape 32"/>
         <p:cNvGrpSpPr/>
         <p:nvPr/>
       </p:nvGrpSpPr>
@@ -3499,7 +4027,9 @@
       <p:sp>
         <p:nvSpPr>
           <p:cNvPr id="33" name="Google Shape;33;p8"/>
-          <p:cNvSpPr txBox="1"/>
+          <p:cNvSpPr txBox="1">
+            <a:spLocks noGrp="1"/>
+          </p:cNvSpPr>
           <p:nvPr>
             <p:ph type="title"/>
           </p:nvPr>
@@ -3514,7 +4044,7 @@
           </a:prstGeom>
         </p:spPr>
         <p:txBody>
-          <a:bodyPr anchorCtr="0" anchor="ctr" bIns="91425" lIns="91425" spcFirstLastPara="1" rIns="91425" wrap="square" tIns="91425">
+          <a:bodyPr spcFirstLastPara="1" wrap="square" lIns="91425" tIns="91425" rIns="91425" bIns="91425" anchor="ctr" anchorCtr="0">
             <a:normAutofit/>
           </a:bodyPr>
           <a:lstStyle>
@@ -3618,15 +4148,19 @@
               <a:defRPr sz="4800"/>
             </a:lvl9pPr>
           </a:lstStyle>
-          <a:p/>
+          <a:p>
+            <a:endParaRPr/>
+          </a:p>
         </p:txBody>
       </p:sp>
       <p:sp>
         <p:nvSpPr>
           <p:cNvPr id="34" name="Google Shape;34;p8"/>
-          <p:cNvSpPr txBox="1"/>
+          <p:cNvSpPr txBox="1">
+            <a:spLocks noGrp="1"/>
+          </p:cNvSpPr>
           <p:nvPr>
-            <p:ph idx="12" type="sldNum"/>
+            <p:ph type="sldNum" idx="12"/>
           </p:nvPr>
         </p:nvSpPr>
         <p:spPr>
@@ -3639,7 +4173,7 @@
           </a:prstGeom>
         </p:spPr>
         <p:txBody>
-          <a:bodyPr anchorCtr="0" anchor="ctr" bIns="91425" lIns="91425" spcFirstLastPara="1" rIns="91425" wrap="square" tIns="91425">
+          <a:bodyPr spcFirstLastPara="1" wrap="square" lIns="91425" tIns="91425" rIns="91425" bIns="91425" anchor="ctr" anchorCtr="0">
             <a:normAutofit/>
           </a:bodyPr>
           <a:lstStyle>
@@ -3681,7 +4215,7 @@
             </a:lvl9pPr>
           </a:lstStyle>
           <a:p>
-            <a:pPr indent="0" lvl="0" marL="0" rtl="0" algn="r">
+            <a:pPr marL="0" lvl="0" indent="0" algn="r" rtl="0">
               <a:spcBef>
                 <a:spcPts val="0"/>
               </a:spcBef>
@@ -3707,11 +4241,11 @@
 </file>
 
 <file path=ppt/slideLayouts/slideLayout8.xml><?xml version="1.0" encoding="utf-8"?>
-<p:sldLayout xmlns:a="http://schemas.openxmlformats.org/drawingml/2006/main" xmlns:r="http://schemas.openxmlformats.org/officeDocument/2006/relationships" xmlns:mc="http://schemas.openxmlformats.org/markup-compatibility/2006" xmlns:mv="urn:schemas-microsoft-com:mac:vml" xmlns:p="http://schemas.openxmlformats.org/presentationml/2006/main" xmlns:c="http://schemas.openxmlformats.org/drawingml/2006/chart" xmlns:dgm="http://schemas.openxmlformats.org/drawingml/2006/diagram" xmlns:o="urn:schemas-microsoft-com:office:office" xmlns:v="urn:schemas-microsoft-com:vml" xmlns:pvml="urn:schemas-microsoft-com:office:powerpoint" xmlns:com="http://schemas.openxmlformats.org/drawingml/2006/compatibility" xmlns:p14="http://schemas.microsoft.com/office/powerpoint/2010/main" xmlns:p15="http://schemas.microsoft.com/office/powerpoint/2012/main" xmlns:ahyp="http://schemas.microsoft.com/office/drawing/2018/hyperlinkcolor" matchingName="Section title and description">
+<p:sldLayout xmlns:a="http://schemas.openxmlformats.org/drawingml/2006/main" xmlns:r="http://schemas.openxmlformats.org/officeDocument/2006/relationships" xmlns:p="http://schemas.openxmlformats.org/presentationml/2006/main" matchingName="Section title and description">
   <p:cSld name="SECTION_TITLE_AND_DESCRIPTION">
     <p:spTree>
       <p:nvGrpSpPr>
-        <p:cNvPr id="35" name="Shape 35"/>
+        <p:cNvPr id="1" name="Shape 35"/>
         <p:cNvGrpSpPr/>
         <p:nvPr/>
       </p:nvGrpSpPr>
@@ -3745,12 +4279,12 @@
           </a:ln>
         </p:spPr>
         <p:txBody>
-          <a:bodyPr anchorCtr="0" anchor="ctr" bIns="91425" lIns="91425" spcFirstLastPara="1" rIns="91425" wrap="square" tIns="91425">
+          <a:bodyPr spcFirstLastPara="1" wrap="square" lIns="91425" tIns="91425" rIns="91425" bIns="91425" anchor="ctr" anchorCtr="0">
             <a:noAutofit/>
           </a:bodyPr>
           <a:lstStyle/>
           <a:p>
-            <a:pPr indent="0" lvl="0" marL="0" rtl="0" algn="l">
+            <a:pPr marL="0" lvl="0" indent="0" algn="l" rtl="0">
               <a:spcBef>
                 <a:spcPts val="0"/>
               </a:spcBef>
@@ -3759,9 +4293,6 @@
               </a:spcAft>
               <a:buNone/>
             </a:pPr>
-            <a:r>
-              <a:t/>
-            </a:r>
             <a:endParaRPr/>
           </a:p>
         </p:txBody>
@@ -3769,7 +4300,9 @@
       <p:sp>
         <p:nvSpPr>
           <p:cNvPr id="37" name="Google Shape;37;p9"/>
-          <p:cNvSpPr txBox="1"/>
+          <p:cNvSpPr txBox="1">
+            <a:spLocks noGrp="1"/>
+          </p:cNvSpPr>
           <p:nvPr>
             <p:ph type="title"/>
           </p:nvPr>
@@ -3784,7 +4317,7 @@
           </a:prstGeom>
         </p:spPr>
         <p:txBody>
-          <a:bodyPr anchorCtr="0" anchor="b" bIns="91425" lIns="91425" spcFirstLastPara="1" rIns="91425" wrap="square" tIns="91425">
+          <a:bodyPr spcFirstLastPara="1" wrap="square" lIns="91425" tIns="91425" rIns="91425" bIns="91425" anchor="b" anchorCtr="0">
             <a:normAutofit/>
           </a:bodyPr>
           <a:lstStyle>
@@ -3888,15 +4421,19 @@
               <a:defRPr sz="4200"/>
             </a:lvl9pPr>
           </a:lstStyle>
-          <a:p/>
+          <a:p>
+            <a:endParaRPr/>
+          </a:p>
         </p:txBody>
       </p:sp>
       <p:sp>
         <p:nvSpPr>
           <p:cNvPr id="38" name="Google Shape;38;p9"/>
-          <p:cNvSpPr txBox="1"/>
+          <p:cNvSpPr txBox="1">
+            <a:spLocks noGrp="1"/>
+          </p:cNvSpPr>
           <p:nvPr>
-            <p:ph idx="1" type="subTitle"/>
+            <p:ph type="subTitle" idx="1"/>
           </p:nvPr>
         </p:nvSpPr>
         <p:spPr>
@@ -3909,7 +4446,7 @@
           </a:prstGeom>
         </p:spPr>
         <p:txBody>
-          <a:bodyPr anchorCtr="0" anchor="t" bIns="91425" lIns="91425" spcFirstLastPara="1" rIns="91425" wrap="square" tIns="91425">
+          <a:bodyPr spcFirstLastPara="1" wrap="square" lIns="91425" tIns="91425" rIns="91425" bIns="91425" anchor="t" anchorCtr="0">
             <a:normAutofit/>
           </a:bodyPr>
           <a:lstStyle>
@@ -4040,15 +4577,19 @@
               <a:defRPr sz="2100"/>
             </a:lvl9pPr>
           </a:lstStyle>
-          <a:p/>
+          <a:p>
+            <a:endParaRPr/>
+          </a:p>
         </p:txBody>
       </p:sp>
       <p:sp>
         <p:nvSpPr>
           <p:cNvPr id="39" name="Google Shape;39;p9"/>
-          <p:cNvSpPr txBox="1"/>
+          <p:cNvSpPr txBox="1">
+            <a:spLocks noGrp="1"/>
+          </p:cNvSpPr>
           <p:nvPr>
-            <p:ph idx="2" type="body"/>
+            <p:ph type="body" idx="2"/>
           </p:nvPr>
         </p:nvSpPr>
         <p:spPr>
@@ -4061,11 +4602,11 @@
           </a:prstGeom>
         </p:spPr>
         <p:txBody>
-          <a:bodyPr anchorCtr="0" anchor="ctr" bIns="91425" lIns="91425" spcFirstLastPara="1" rIns="91425" wrap="square" tIns="91425">
+          <a:bodyPr spcFirstLastPara="1" wrap="square" lIns="91425" tIns="91425" rIns="91425" bIns="91425" anchor="ctr" anchorCtr="0">
             <a:normAutofit/>
           </a:bodyPr>
           <a:lstStyle>
-            <a:lvl1pPr indent="-342900" lvl="0" marL="457200">
+            <a:lvl1pPr marL="457200" lvl="0" indent="-342900">
               <a:spcBef>
                 <a:spcPts val="0"/>
               </a:spcBef>
@@ -4076,7 +4617,7 @@
               <a:buChar char="●"/>
               <a:defRPr/>
             </a:lvl1pPr>
-            <a:lvl2pPr indent="-317500" lvl="1" marL="914400">
+            <a:lvl2pPr marL="914400" lvl="1" indent="-317500">
               <a:spcBef>
                 <a:spcPts val="0"/>
               </a:spcBef>
@@ -4087,7 +4628,7 @@
               <a:buChar char="○"/>
               <a:defRPr/>
             </a:lvl2pPr>
-            <a:lvl3pPr indent="-317500" lvl="2" marL="1371600">
+            <a:lvl3pPr marL="1371600" lvl="2" indent="-317500">
               <a:spcBef>
                 <a:spcPts val="0"/>
               </a:spcBef>
@@ -4098,7 +4639,7 @@
               <a:buChar char="■"/>
               <a:defRPr/>
             </a:lvl3pPr>
-            <a:lvl4pPr indent="-317500" lvl="3" marL="1828800">
+            <a:lvl4pPr marL="1828800" lvl="3" indent="-317500">
               <a:spcBef>
                 <a:spcPts val="0"/>
               </a:spcBef>
@@ -4109,7 +4650,7 @@
               <a:buChar char="●"/>
               <a:defRPr/>
             </a:lvl4pPr>
-            <a:lvl5pPr indent="-317500" lvl="4" marL="2286000">
+            <a:lvl5pPr marL="2286000" lvl="4" indent="-317500">
               <a:spcBef>
                 <a:spcPts val="0"/>
               </a:spcBef>
@@ -4120,7 +4661,7 @@
               <a:buChar char="○"/>
               <a:defRPr/>
             </a:lvl5pPr>
-            <a:lvl6pPr indent="-317500" lvl="5" marL="2743200">
+            <a:lvl6pPr marL="2743200" lvl="5" indent="-317500">
               <a:spcBef>
                 <a:spcPts val="0"/>
               </a:spcBef>
@@ -4131,7 +4672,7 @@
               <a:buChar char="■"/>
               <a:defRPr/>
             </a:lvl6pPr>
-            <a:lvl7pPr indent="-317500" lvl="6" marL="3200400">
+            <a:lvl7pPr marL="3200400" lvl="6" indent="-317500">
               <a:spcBef>
                 <a:spcPts val="0"/>
               </a:spcBef>
@@ -4142,7 +4683,7 @@
               <a:buChar char="●"/>
               <a:defRPr/>
             </a:lvl7pPr>
-            <a:lvl8pPr indent="-317500" lvl="7" marL="3657600">
+            <a:lvl8pPr marL="3657600" lvl="7" indent="-317500">
               <a:spcBef>
                 <a:spcPts val="0"/>
               </a:spcBef>
@@ -4153,7 +4694,7 @@
               <a:buChar char="○"/>
               <a:defRPr/>
             </a:lvl8pPr>
-            <a:lvl9pPr indent="-317500" lvl="8" marL="4114800">
+            <a:lvl9pPr marL="4114800" lvl="8" indent="-317500">
               <a:spcBef>
                 <a:spcPts val="0"/>
               </a:spcBef>
@@ -4165,15 +4706,19 @@
               <a:defRPr/>
             </a:lvl9pPr>
           </a:lstStyle>
-          <a:p/>
+          <a:p>
+            <a:endParaRPr/>
+          </a:p>
         </p:txBody>
       </p:sp>
       <p:sp>
         <p:nvSpPr>
           <p:cNvPr id="40" name="Google Shape;40;p9"/>
-          <p:cNvSpPr txBox="1"/>
+          <p:cNvSpPr txBox="1">
+            <a:spLocks noGrp="1"/>
+          </p:cNvSpPr>
           <p:nvPr>
-            <p:ph idx="12" type="sldNum"/>
+            <p:ph type="sldNum" idx="12"/>
           </p:nvPr>
         </p:nvSpPr>
         <p:spPr>
@@ -4186,7 +4731,7 @@
           </a:prstGeom>
         </p:spPr>
         <p:txBody>
-          <a:bodyPr anchorCtr="0" anchor="ctr" bIns="91425" lIns="91425" spcFirstLastPara="1" rIns="91425" wrap="square" tIns="91425">
+          <a:bodyPr spcFirstLastPara="1" wrap="square" lIns="91425" tIns="91425" rIns="91425" bIns="91425" anchor="ctr" anchorCtr="0">
             <a:normAutofit/>
           </a:bodyPr>
           <a:lstStyle>
@@ -4228,7 +4773,7 @@
             </a:lvl9pPr>
           </a:lstStyle>
           <a:p>
-            <a:pPr indent="0" lvl="0" marL="0" rtl="0" algn="r">
+            <a:pPr marL="0" lvl="0" indent="0" algn="r" rtl="0">
               <a:spcBef>
                 <a:spcPts val="0"/>
               </a:spcBef>
@@ -4254,11 +4799,11 @@
 </file>
 
 <file path=ppt/slideLayouts/slideLayout9.xml><?xml version="1.0" encoding="utf-8"?>
-<p:sldLayout xmlns:a="http://schemas.openxmlformats.org/drawingml/2006/main" xmlns:r="http://schemas.openxmlformats.org/officeDocument/2006/relationships" xmlns:mc="http://schemas.openxmlformats.org/markup-compatibility/2006" xmlns:mv="urn:schemas-microsoft-com:mac:vml" xmlns:p="http://schemas.openxmlformats.org/presentationml/2006/main" xmlns:c="http://schemas.openxmlformats.org/drawingml/2006/chart" xmlns:dgm="http://schemas.openxmlformats.org/drawingml/2006/diagram" xmlns:o="urn:schemas-microsoft-com:office:office" xmlns:v="urn:schemas-microsoft-com:vml" xmlns:pvml="urn:schemas-microsoft-com:office:powerpoint" xmlns:com="http://schemas.openxmlformats.org/drawingml/2006/compatibility" xmlns:p14="http://schemas.microsoft.com/office/powerpoint/2010/main" xmlns:p15="http://schemas.microsoft.com/office/powerpoint/2012/main" xmlns:ahyp="http://schemas.microsoft.com/office/drawing/2018/hyperlinkcolor" matchingName="Caption">
+<p:sldLayout xmlns:a="http://schemas.openxmlformats.org/drawingml/2006/main" xmlns:r="http://schemas.openxmlformats.org/officeDocument/2006/relationships" xmlns:p="http://schemas.openxmlformats.org/presentationml/2006/main" matchingName="Caption">
   <p:cSld name="CAPTION_ONLY">
     <p:spTree>
       <p:nvGrpSpPr>
-        <p:cNvPr id="41" name="Shape 41"/>
+        <p:cNvPr id="1" name="Shape 41"/>
         <p:cNvGrpSpPr/>
         <p:nvPr/>
       </p:nvGrpSpPr>
@@ -4273,9 +4818,11 @@
       <p:sp>
         <p:nvSpPr>
           <p:cNvPr id="42" name="Google Shape;42;p10"/>
-          <p:cNvSpPr txBox="1"/>
+          <p:cNvSpPr txBox="1">
+            <a:spLocks noGrp="1"/>
+          </p:cNvSpPr>
           <p:nvPr>
-            <p:ph idx="1" type="body"/>
+            <p:ph type="body" idx="1"/>
           </p:nvPr>
         </p:nvSpPr>
         <p:spPr>
@@ -4288,11 +4835,11 @@
           </a:prstGeom>
         </p:spPr>
         <p:txBody>
-          <a:bodyPr anchorCtr="0" anchor="ctr" bIns="91425" lIns="91425" spcFirstLastPara="1" rIns="91425" wrap="square" tIns="91425">
+          <a:bodyPr spcFirstLastPara="1" wrap="square" lIns="91425" tIns="91425" rIns="91425" bIns="91425" anchor="ctr" anchorCtr="0">
             <a:normAutofit/>
           </a:bodyPr>
           <a:lstStyle>
-            <a:lvl1pPr indent="-228600" lvl="0" marL="457200">
+            <a:lvl1pPr marL="457200" lvl="0" indent="-228600">
               <a:lnSpc>
                 <a:spcPct val="100000"/>
               </a:lnSpc>
@@ -4307,15 +4854,19 @@
               <a:defRPr/>
             </a:lvl1pPr>
           </a:lstStyle>
-          <a:p/>
+          <a:p>
+            <a:endParaRPr/>
+          </a:p>
         </p:txBody>
       </p:sp>
       <p:sp>
         <p:nvSpPr>
           <p:cNvPr id="43" name="Google Shape;43;p10"/>
-          <p:cNvSpPr txBox="1"/>
+          <p:cNvSpPr txBox="1">
+            <a:spLocks noGrp="1"/>
+          </p:cNvSpPr>
           <p:nvPr>
-            <p:ph idx="12" type="sldNum"/>
+            <p:ph type="sldNum" idx="12"/>
           </p:nvPr>
         </p:nvSpPr>
         <p:spPr>
@@ -4328,7 +4879,7 @@
           </a:prstGeom>
         </p:spPr>
         <p:txBody>
-          <a:bodyPr anchorCtr="0" anchor="ctr" bIns="91425" lIns="91425" spcFirstLastPara="1" rIns="91425" wrap="square" tIns="91425">
+          <a:bodyPr spcFirstLastPara="1" wrap="square" lIns="91425" tIns="91425" rIns="91425" bIns="91425" anchor="ctr" anchorCtr="0">
             <a:normAutofit/>
           </a:bodyPr>
           <a:lstStyle>
@@ -4370,7 +4921,7 @@
             </a:lvl9pPr>
           </a:lstStyle>
           <a:p>
-            <a:pPr indent="0" lvl="0" marL="0" rtl="0" algn="r">
+            <a:pPr marL="0" lvl="0" indent="0" algn="r" rtl="0">
               <a:spcBef>
                 <a:spcPts val="0"/>
               </a:spcBef>
@@ -4396,23 +4947,24 @@
 </file>
 
 <file path=ppt/slideMasters/slideMaster1.xml><?xml version="1.0" encoding="utf-8"?>
-<p:sldMaster xmlns:a="http://schemas.openxmlformats.org/drawingml/2006/main" xmlns:r="http://schemas.openxmlformats.org/officeDocument/2006/relationships" xmlns:mc="http://schemas.openxmlformats.org/markup-compatibility/2006" xmlns:mv="urn:schemas-microsoft-com:mac:vml" xmlns:p="http://schemas.openxmlformats.org/presentationml/2006/main" xmlns:c="http://schemas.openxmlformats.org/drawingml/2006/chart" xmlns:dgm="http://schemas.openxmlformats.org/drawingml/2006/diagram" xmlns:o="urn:schemas-microsoft-com:office:office" xmlns:v="urn:schemas-microsoft-com:vml" xmlns:pvml="urn:schemas-microsoft-com:office:powerpoint" xmlns:com="http://schemas.openxmlformats.org/drawingml/2006/compatibility" xmlns:p14="http://schemas.microsoft.com/office/powerpoint/2010/main" xmlns:p15="http://schemas.microsoft.com/office/powerpoint/2012/main" xmlns:ahyp="http://schemas.microsoft.com/office/drawing/2018/hyperlinkcolor">
+<p:sldMaster xmlns:a="http://schemas.openxmlformats.org/drawingml/2006/main" xmlns:r="http://schemas.openxmlformats.org/officeDocument/2006/relationships" xmlns:p="http://schemas.openxmlformats.org/presentationml/2006/main">
   <p:cSld name="simple-light-2">
     <p:bg>
       <p:bgPr>
         <a:blipFill>
-          <a:blip r:embed="rId1">
+          <a:blip r:embed="rId13">
             <a:alphaModFix/>
           </a:blip>
           <a:stretch>
             <a:fillRect/>
           </a:stretch>
         </a:blipFill>
+        <a:effectLst/>
       </p:bgPr>
     </p:bg>
     <p:spTree>
       <p:nvGrpSpPr>
-        <p:cNvPr id="5" name="Shape 5"/>
+        <p:cNvPr id="1" name="Shape 5"/>
         <p:cNvGrpSpPr/>
         <p:nvPr/>
       </p:nvGrpSpPr>
@@ -4427,7 +4979,9 @@
       <p:sp>
         <p:nvSpPr>
           <p:cNvPr id="6" name="Google Shape;6;p1"/>
-          <p:cNvSpPr txBox="1"/>
+          <p:cNvSpPr txBox="1">
+            <a:spLocks noGrp="1"/>
+          </p:cNvSpPr>
           <p:nvPr>
             <p:ph type="title"/>
           </p:nvPr>
@@ -4446,7 +5000,7 @@
           </a:ln>
         </p:spPr>
         <p:txBody>
-          <a:bodyPr anchorCtr="0" anchor="t" bIns="91425" lIns="91425" spcFirstLastPara="1" rIns="91425" wrap="square" tIns="91425">
+          <a:bodyPr spcFirstLastPara="1" wrap="square" lIns="91425" tIns="91425" rIns="91425" bIns="91425" anchor="t" anchorCtr="0">
             <a:normAutofit/>
           </a:bodyPr>
           <a:lstStyle>
@@ -4613,15 +5167,19 @@
               </a:defRPr>
             </a:lvl9pPr>
           </a:lstStyle>
-          <a:p/>
+          <a:p>
+            <a:endParaRPr/>
+          </a:p>
         </p:txBody>
       </p:sp>
       <p:sp>
         <p:nvSpPr>
           <p:cNvPr id="7" name="Google Shape;7;p1"/>
-          <p:cNvSpPr txBox="1"/>
+          <p:cNvSpPr txBox="1">
+            <a:spLocks noGrp="1"/>
+          </p:cNvSpPr>
           <p:nvPr>
-            <p:ph idx="1" type="body"/>
+            <p:ph type="body" idx="1"/>
           </p:nvPr>
         </p:nvSpPr>
         <p:spPr>
@@ -4638,11 +5196,11 @@
           </a:ln>
         </p:spPr>
         <p:txBody>
-          <a:bodyPr anchorCtr="0" anchor="t" bIns="91425" lIns="91425" spcFirstLastPara="1" rIns="91425" wrap="square" tIns="91425">
+          <a:bodyPr spcFirstLastPara="1" wrap="square" lIns="91425" tIns="91425" rIns="91425" bIns="91425" anchor="t" anchorCtr="0">
             <a:normAutofit/>
           </a:bodyPr>
           <a:lstStyle>
-            <a:lvl1pPr indent="-342900" lvl="0" marL="457200">
+            <a:lvl1pPr marL="457200" lvl="0" indent="-342900">
               <a:lnSpc>
                 <a:spcPct val="115000"/>
               </a:lnSpc>
@@ -4663,7 +5221,7 @@
                 </a:solidFill>
               </a:defRPr>
             </a:lvl1pPr>
-            <a:lvl2pPr indent="-317500" lvl="1" marL="914400">
+            <a:lvl2pPr marL="914400" lvl="1" indent="-317500">
               <a:lnSpc>
                 <a:spcPct val="115000"/>
               </a:lnSpc>
@@ -4684,7 +5242,7 @@
                 </a:solidFill>
               </a:defRPr>
             </a:lvl2pPr>
-            <a:lvl3pPr indent="-317500" lvl="2" marL="1371600">
+            <a:lvl3pPr marL="1371600" lvl="2" indent="-317500">
               <a:lnSpc>
                 <a:spcPct val="115000"/>
               </a:lnSpc>
@@ -4705,7 +5263,7 @@
                 </a:solidFill>
               </a:defRPr>
             </a:lvl3pPr>
-            <a:lvl4pPr indent="-317500" lvl="3" marL="1828800">
+            <a:lvl4pPr marL="1828800" lvl="3" indent="-317500">
               <a:lnSpc>
                 <a:spcPct val="115000"/>
               </a:lnSpc>
@@ -4726,7 +5284,7 @@
                 </a:solidFill>
               </a:defRPr>
             </a:lvl4pPr>
-            <a:lvl5pPr indent="-317500" lvl="4" marL="2286000">
+            <a:lvl5pPr marL="2286000" lvl="4" indent="-317500">
               <a:lnSpc>
                 <a:spcPct val="115000"/>
               </a:lnSpc>
@@ -4747,7 +5305,7 @@
                 </a:solidFill>
               </a:defRPr>
             </a:lvl5pPr>
-            <a:lvl6pPr indent="-317500" lvl="5" marL="2743200">
+            <a:lvl6pPr marL="2743200" lvl="5" indent="-317500">
               <a:lnSpc>
                 <a:spcPct val="115000"/>
               </a:lnSpc>
@@ -4768,7 +5326,7 @@
                 </a:solidFill>
               </a:defRPr>
             </a:lvl6pPr>
-            <a:lvl7pPr indent="-317500" lvl="6" marL="3200400">
+            <a:lvl7pPr marL="3200400" lvl="6" indent="-317500">
               <a:lnSpc>
                 <a:spcPct val="115000"/>
               </a:lnSpc>
@@ -4789,7 +5347,7 @@
                 </a:solidFill>
               </a:defRPr>
             </a:lvl7pPr>
-            <a:lvl8pPr indent="-317500" lvl="7" marL="3657600">
+            <a:lvl8pPr marL="3657600" lvl="7" indent="-317500">
               <a:lnSpc>
                 <a:spcPct val="115000"/>
               </a:lnSpc>
@@ -4810,7 +5368,7 @@
                 </a:solidFill>
               </a:defRPr>
             </a:lvl8pPr>
-            <a:lvl9pPr indent="-317500" lvl="8" marL="4114800">
+            <a:lvl9pPr marL="4114800" lvl="8" indent="-317500">
               <a:lnSpc>
                 <a:spcPct val="115000"/>
               </a:lnSpc>
@@ -4832,15 +5390,19 @@
               </a:defRPr>
             </a:lvl9pPr>
           </a:lstStyle>
-          <a:p/>
+          <a:p>
+            <a:endParaRPr/>
+          </a:p>
         </p:txBody>
       </p:sp>
       <p:sp>
         <p:nvSpPr>
           <p:cNvPr id="8" name="Google Shape;8;p1"/>
-          <p:cNvSpPr txBox="1"/>
+          <p:cNvSpPr txBox="1">
+            <a:spLocks noGrp="1"/>
+          </p:cNvSpPr>
           <p:nvPr>
-            <p:ph idx="12" type="sldNum"/>
+            <p:ph type="sldNum" idx="12"/>
           </p:nvPr>
         </p:nvSpPr>
         <p:spPr>
@@ -4857,7 +5419,7 @@
           </a:ln>
         </p:spPr>
         <p:txBody>
-          <a:bodyPr anchorCtr="0" anchor="ctr" bIns="91425" lIns="91425" spcFirstLastPara="1" rIns="91425" wrap="square" tIns="91425">
+          <a:bodyPr spcFirstLastPara="1" wrap="square" lIns="91425" tIns="91425" rIns="91425" bIns="91425" anchor="ctr" anchorCtr="0">
             <a:normAutofit/>
           </a:bodyPr>
           <a:lstStyle>
@@ -4935,7 +5497,7 @@
             </a:lvl9pPr>
           </a:lstStyle>
           <a:p>
-            <a:pPr indent="0" lvl="0" marL="0" rtl="0" algn="r">
+            <a:pPr marL="0" lvl="0" indent="0" algn="r" rtl="0">
               <a:spcBef>
                 <a:spcPts val="0"/>
               </a:spcBef>
@@ -4954,24 +5516,24 @@
       </p:sp>
     </p:spTree>
   </p:cSld>
-  <p:clrMap accent1="accent1" accent2="accent2" accent3="accent3" accent4="accent4" accent5="accent5" accent6="accent6" bg1="lt1" bg2="dk2" tx1="dk1" tx2="lt2" folHlink="folHlink" hlink="hlink"/>
+  <p:clrMap bg1="lt1" tx1="dk1" bg2="dk2" tx2="lt2" accent1="accent1" accent2="accent2" accent3="accent3" accent4="accent4" accent5="accent5" accent6="accent6" hlink="hlink" folHlink="folHlink"/>
   <p:sldLayoutIdLst>
-    <p:sldLayoutId id="2147483648" r:id="rId2"/>
-    <p:sldLayoutId id="2147483649" r:id="rId3"/>
-    <p:sldLayoutId id="2147483650" r:id="rId4"/>
-    <p:sldLayoutId id="2147483651" r:id="rId5"/>
-    <p:sldLayoutId id="2147483652" r:id="rId6"/>
-    <p:sldLayoutId id="2147483653" r:id="rId7"/>
-    <p:sldLayoutId id="2147483654" r:id="rId8"/>
-    <p:sldLayoutId id="2147483655" r:id="rId9"/>
-    <p:sldLayoutId id="2147483656" r:id="rId10"/>
-    <p:sldLayoutId id="2147483657" r:id="rId11"/>
-    <p:sldLayoutId id="2147483658" r:id="rId12"/>
+    <p:sldLayoutId id="2147483648" r:id="rId1"/>
+    <p:sldLayoutId id="2147483649" r:id="rId2"/>
+    <p:sldLayoutId id="2147483650" r:id="rId3"/>
+    <p:sldLayoutId id="2147483651" r:id="rId4"/>
+    <p:sldLayoutId id="2147483652" r:id="rId5"/>
+    <p:sldLayoutId id="2147483653" r:id="rId6"/>
+    <p:sldLayoutId id="2147483654" r:id="rId7"/>
+    <p:sldLayoutId id="2147483655" r:id="rId8"/>
+    <p:sldLayoutId id="2147483656" r:id="rId9"/>
+    <p:sldLayoutId id="2147483657" r:id="rId10"/>
+    <p:sldLayoutId id="2147483658" r:id="rId11"/>
   </p:sldLayoutIdLst>
-  <p:hf dt="0" ftr="0" hdr="0" sldNum="0"/>
+  <p:hf sldNum="0" hdr="0" ftr="0" dt="0"/>
   <p:txStyles>
     <p:titleStyle>
-      <a:defPPr lvl="0" marR="0" rtl="0" algn="l">
+      <a:defPPr marR="0" lvl="0" algn="l" rtl="0">
         <a:lnSpc>
           <a:spcPct val="100000"/>
         </a:lnSpc>
@@ -4982,7 +5544,7 @@
           <a:spcPts val="0"/>
         </a:spcAft>
       </a:defPPr>
-      <a:lvl1pPr lvl="0" marR="0" rtl="0" algn="l">
+      <a:lvl1pPr marR="0" lvl="0" algn="l" rtl="0">
         <a:lnSpc>
           <a:spcPct val="100000"/>
         </a:lnSpc>
@@ -4996,7 +5558,7 @@
           <a:srgbClr val="000000"/>
         </a:buClr>
         <a:buFont typeface="Arial"/>
-        <a:defRPr b="0" i="0" sz="1400" u="none" cap="none" strike="noStrike">
+        <a:defRPr sz="1400" b="0" i="0" u="none" strike="noStrike" cap="none">
           <a:solidFill>
             <a:srgbClr val="000000"/>
           </a:solidFill>
@@ -5006,7 +5568,7 @@
           <a:sym typeface="Arial"/>
         </a:defRPr>
       </a:lvl1pPr>
-      <a:lvl2pPr lvl="1" marR="0" rtl="0" algn="l">
+      <a:lvl2pPr marR="0" lvl="1" algn="l" rtl="0">
         <a:lnSpc>
           <a:spcPct val="100000"/>
         </a:lnSpc>
@@ -5020,7 +5582,7 @@
           <a:srgbClr val="000000"/>
         </a:buClr>
         <a:buFont typeface="Arial"/>
-        <a:defRPr b="0" i="0" sz="1400" u="none" cap="none" strike="noStrike">
+        <a:defRPr sz="1400" b="0" i="0" u="none" strike="noStrike" cap="none">
           <a:solidFill>
             <a:srgbClr val="000000"/>
           </a:solidFill>
@@ -5030,7 +5592,7 @@
           <a:sym typeface="Arial"/>
         </a:defRPr>
       </a:lvl2pPr>
-      <a:lvl3pPr lvl="2" marR="0" rtl="0" algn="l">
+      <a:lvl3pPr marR="0" lvl="2" algn="l" rtl="0">
         <a:lnSpc>
           <a:spcPct val="100000"/>
         </a:lnSpc>
@@ -5044,7 +5606,7 @@
           <a:srgbClr val="000000"/>
         </a:buClr>
         <a:buFont typeface="Arial"/>
-        <a:defRPr b="0" i="0" sz="1400" u="none" cap="none" strike="noStrike">
+        <a:defRPr sz="1400" b="0" i="0" u="none" strike="noStrike" cap="none">
           <a:solidFill>
             <a:srgbClr val="000000"/>
           </a:solidFill>
@@ -5054,7 +5616,7 @@
           <a:sym typeface="Arial"/>
         </a:defRPr>
       </a:lvl3pPr>
-      <a:lvl4pPr lvl="3" marR="0" rtl="0" algn="l">
+      <a:lvl4pPr marR="0" lvl="3" algn="l" rtl="0">
         <a:lnSpc>
           <a:spcPct val="100000"/>
         </a:lnSpc>
@@ -5068,7 +5630,7 @@
           <a:srgbClr val="000000"/>
         </a:buClr>
         <a:buFont typeface="Arial"/>
-        <a:defRPr b="0" i="0" sz="1400" u="none" cap="none" strike="noStrike">
+        <a:defRPr sz="1400" b="0" i="0" u="none" strike="noStrike" cap="none">
           <a:solidFill>
             <a:srgbClr val="000000"/>
           </a:solidFill>
@@ -5078,7 +5640,7 @@
           <a:sym typeface="Arial"/>
         </a:defRPr>
       </a:lvl4pPr>
-      <a:lvl5pPr lvl="4" marR="0" rtl="0" algn="l">
+      <a:lvl5pPr marR="0" lvl="4" algn="l" rtl="0">
         <a:lnSpc>
           <a:spcPct val="100000"/>
         </a:lnSpc>
@@ -5092,7 +5654,7 @@
           <a:srgbClr val="000000"/>
         </a:buClr>
         <a:buFont typeface="Arial"/>
-        <a:defRPr b="0" i="0" sz="1400" u="none" cap="none" strike="noStrike">
+        <a:defRPr sz="1400" b="0" i="0" u="none" strike="noStrike" cap="none">
           <a:solidFill>
             <a:srgbClr val="000000"/>
           </a:solidFill>
@@ -5102,7 +5664,7 @@
           <a:sym typeface="Arial"/>
         </a:defRPr>
       </a:lvl5pPr>
-      <a:lvl6pPr lvl="5" marR="0" rtl="0" algn="l">
+      <a:lvl6pPr marR="0" lvl="5" algn="l" rtl="0">
         <a:lnSpc>
           <a:spcPct val="100000"/>
         </a:lnSpc>
@@ -5116,7 +5678,7 @@
           <a:srgbClr val="000000"/>
         </a:buClr>
         <a:buFont typeface="Arial"/>
-        <a:defRPr b="0" i="0" sz="1400" u="none" cap="none" strike="noStrike">
+        <a:defRPr sz="1400" b="0" i="0" u="none" strike="noStrike" cap="none">
           <a:solidFill>
             <a:srgbClr val="000000"/>
           </a:solidFill>
@@ -5126,7 +5688,7 @@
           <a:sym typeface="Arial"/>
         </a:defRPr>
       </a:lvl6pPr>
-      <a:lvl7pPr lvl="6" marR="0" rtl="0" algn="l">
+      <a:lvl7pPr marR="0" lvl="6" algn="l" rtl="0">
         <a:lnSpc>
           <a:spcPct val="100000"/>
         </a:lnSpc>
@@ -5140,7 +5702,7 @@
           <a:srgbClr val="000000"/>
         </a:buClr>
         <a:buFont typeface="Arial"/>
-        <a:defRPr b="0" i="0" sz="1400" u="none" cap="none" strike="noStrike">
+        <a:defRPr sz="1400" b="0" i="0" u="none" strike="noStrike" cap="none">
           <a:solidFill>
             <a:srgbClr val="000000"/>
           </a:solidFill>
@@ -5150,7 +5712,7 @@
           <a:sym typeface="Arial"/>
         </a:defRPr>
       </a:lvl7pPr>
-      <a:lvl8pPr lvl="7" marR="0" rtl="0" algn="l">
+      <a:lvl8pPr marR="0" lvl="7" algn="l" rtl="0">
         <a:lnSpc>
           <a:spcPct val="100000"/>
         </a:lnSpc>
@@ -5164,7 +5726,7 @@
           <a:srgbClr val="000000"/>
         </a:buClr>
         <a:buFont typeface="Arial"/>
-        <a:defRPr b="0" i="0" sz="1400" u="none" cap="none" strike="noStrike">
+        <a:defRPr sz="1400" b="0" i="0" u="none" strike="noStrike" cap="none">
           <a:solidFill>
             <a:srgbClr val="000000"/>
           </a:solidFill>
@@ -5174,7 +5736,7 @@
           <a:sym typeface="Arial"/>
         </a:defRPr>
       </a:lvl8pPr>
-      <a:lvl9pPr lvl="8" marR="0" rtl="0" algn="l">
+      <a:lvl9pPr marR="0" lvl="8" algn="l" rtl="0">
         <a:lnSpc>
           <a:spcPct val="100000"/>
         </a:lnSpc>
@@ -5188,7 +5750,7 @@
           <a:srgbClr val="000000"/>
         </a:buClr>
         <a:buFont typeface="Arial"/>
-        <a:defRPr b="0" i="0" sz="1400" u="none" cap="none" strike="noStrike">
+        <a:defRPr sz="1400" b="0" i="0" u="none" strike="noStrike" cap="none">
           <a:solidFill>
             <a:srgbClr val="000000"/>
           </a:solidFill>
@@ -5200,7 +5762,7 @@
       </a:lvl9pPr>
     </p:titleStyle>
     <p:bodyStyle>
-      <a:defPPr lvl="0" marR="0" rtl="0" algn="l">
+      <a:defPPr marR="0" lvl="0" algn="l" rtl="0">
         <a:lnSpc>
           <a:spcPct val="100000"/>
         </a:lnSpc>
@@ -5211,7 +5773,7 @@
           <a:spcPts val="0"/>
         </a:spcAft>
       </a:defPPr>
-      <a:lvl1pPr lvl="0" marR="0" rtl="0" algn="l">
+      <a:lvl1pPr marR="0" lvl="0" algn="l" rtl="0">
         <a:lnSpc>
           <a:spcPct val="100000"/>
         </a:lnSpc>
@@ -5225,7 +5787,7 @@
           <a:srgbClr val="000000"/>
         </a:buClr>
         <a:buFont typeface="Arial"/>
-        <a:defRPr b="0" i="0" sz="1400" u="none" cap="none" strike="noStrike">
+        <a:defRPr sz="1400" b="0" i="0" u="none" strike="noStrike" cap="none">
           <a:solidFill>
             <a:srgbClr val="000000"/>
           </a:solidFill>
@@ -5235,7 +5797,7 @@
           <a:sym typeface="Arial"/>
         </a:defRPr>
       </a:lvl1pPr>
-      <a:lvl2pPr lvl="1" marR="0" rtl="0" algn="l">
+      <a:lvl2pPr marR="0" lvl="1" algn="l" rtl="0">
         <a:lnSpc>
           <a:spcPct val="100000"/>
         </a:lnSpc>
@@ -5249,7 +5811,7 @@
           <a:srgbClr val="000000"/>
         </a:buClr>
         <a:buFont typeface="Arial"/>
-        <a:defRPr b="0" i="0" sz="1400" u="none" cap="none" strike="noStrike">
+        <a:defRPr sz="1400" b="0" i="0" u="none" strike="noStrike" cap="none">
           <a:solidFill>
             <a:srgbClr val="000000"/>
           </a:solidFill>
@@ -5259,7 +5821,7 @@
           <a:sym typeface="Arial"/>
         </a:defRPr>
       </a:lvl2pPr>
-      <a:lvl3pPr lvl="2" marR="0" rtl="0" algn="l">
+      <a:lvl3pPr marR="0" lvl="2" algn="l" rtl="0">
         <a:lnSpc>
           <a:spcPct val="100000"/>
         </a:lnSpc>
@@ -5273,7 +5835,7 @@
           <a:srgbClr val="000000"/>
         </a:buClr>
         <a:buFont typeface="Arial"/>
-        <a:defRPr b="0" i="0" sz="1400" u="none" cap="none" strike="noStrike">
+        <a:defRPr sz="1400" b="0" i="0" u="none" strike="noStrike" cap="none">
           <a:solidFill>
             <a:srgbClr val="000000"/>
           </a:solidFill>
@@ -5283,7 +5845,7 @@
           <a:sym typeface="Arial"/>
         </a:defRPr>
       </a:lvl3pPr>
-      <a:lvl4pPr lvl="3" marR="0" rtl="0" algn="l">
+      <a:lvl4pPr marR="0" lvl="3" algn="l" rtl="0">
         <a:lnSpc>
           <a:spcPct val="100000"/>
         </a:lnSpc>
@@ -5297,7 +5859,7 @@
           <a:srgbClr val="000000"/>
         </a:buClr>
         <a:buFont typeface="Arial"/>
-        <a:defRPr b="0" i="0" sz="1400" u="none" cap="none" strike="noStrike">
+        <a:defRPr sz="1400" b="0" i="0" u="none" strike="noStrike" cap="none">
           <a:solidFill>
             <a:srgbClr val="000000"/>
           </a:solidFill>
@@ -5307,7 +5869,7 @@
           <a:sym typeface="Arial"/>
         </a:defRPr>
       </a:lvl4pPr>
-      <a:lvl5pPr lvl="4" marR="0" rtl="0" algn="l">
+      <a:lvl5pPr marR="0" lvl="4" algn="l" rtl="0">
         <a:lnSpc>
           <a:spcPct val="100000"/>
         </a:lnSpc>
@@ -5321,7 +5883,7 @@
           <a:srgbClr val="000000"/>
         </a:buClr>
         <a:buFont typeface="Arial"/>
-        <a:defRPr b="0" i="0" sz="1400" u="none" cap="none" strike="noStrike">
+        <a:defRPr sz="1400" b="0" i="0" u="none" strike="noStrike" cap="none">
           <a:solidFill>
             <a:srgbClr val="000000"/>
           </a:solidFill>
@@ -5331,7 +5893,7 @@
           <a:sym typeface="Arial"/>
         </a:defRPr>
       </a:lvl5pPr>
-      <a:lvl6pPr lvl="5" marR="0" rtl="0" algn="l">
+      <a:lvl6pPr marR="0" lvl="5" algn="l" rtl="0">
         <a:lnSpc>
           <a:spcPct val="100000"/>
         </a:lnSpc>
@@ -5345,7 +5907,7 @@
           <a:srgbClr val="000000"/>
         </a:buClr>
         <a:buFont typeface="Arial"/>
-        <a:defRPr b="0" i="0" sz="1400" u="none" cap="none" strike="noStrike">
+        <a:defRPr sz="1400" b="0" i="0" u="none" strike="noStrike" cap="none">
           <a:solidFill>
             <a:srgbClr val="000000"/>
           </a:solidFill>
@@ -5355,7 +5917,7 @@
           <a:sym typeface="Arial"/>
         </a:defRPr>
       </a:lvl6pPr>
-      <a:lvl7pPr lvl="6" marR="0" rtl="0" algn="l">
+      <a:lvl7pPr marR="0" lvl="6" algn="l" rtl="0">
         <a:lnSpc>
           <a:spcPct val="100000"/>
         </a:lnSpc>
@@ -5369,7 +5931,7 @@
           <a:srgbClr val="000000"/>
         </a:buClr>
         <a:buFont typeface="Arial"/>
-        <a:defRPr b="0" i="0" sz="1400" u="none" cap="none" strike="noStrike">
+        <a:defRPr sz="1400" b="0" i="0" u="none" strike="noStrike" cap="none">
           <a:solidFill>
             <a:srgbClr val="000000"/>
           </a:solidFill>
@@ -5379,7 +5941,7 @@
           <a:sym typeface="Arial"/>
         </a:defRPr>
       </a:lvl7pPr>
-      <a:lvl8pPr lvl="7" marR="0" rtl="0" algn="l">
+      <a:lvl8pPr marR="0" lvl="7" algn="l" rtl="0">
         <a:lnSpc>
           <a:spcPct val="100000"/>
         </a:lnSpc>
@@ -5393,7 +5955,7 @@
           <a:srgbClr val="000000"/>
         </a:buClr>
         <a:buFont typeface="Arial"/>
-        <a:defRPr b="0" i="0" sz="1400" u="none" cap="none" strike="noStrike">
+        <a:defRPr sz="1400" b="0" i="0" u="none" strike="noStrike" cap="none">
           <a:solidFill>
             <a:srgbClr val="000000"/>
           </a:solidFill>
@@ -5403,7 +5965,7 @@
           <a:sym typeface="Arial"/>
         </a:defRPr>
       </a:lvl8pPr>
-      <a:lvl9pPr lvl="8" marR="0" rtl="0" algn="l">
+      <a:lvl9pPr marR="0" lvl="8" algn="l" rtl="0">
         <a:lnSpc>
           <a:spcPct val="100000"/>
         </a:lnSpc>
@@ -5417,7 +5979,7 @@
           <a:srgbClr val="000000"/>
         </a:buClr>
         <a:buFont typeface="Arial"/>
-        <a:defRPr b="0" i="0" sz="1400" u="none" cap="none" strike="noStrike">
+        <a:defRPr sz="1400" b="0" i="0" u="none" strike="noStrike" cap="none">
           <a:solidFill>
             <a:srgbClr val="000000"/>
           </a:solidFill>
@@ -5429,7 +5991,7 @@
       </a:lvl9pPr>
     </p:bodyStyle>
     <p:otherStyle>
-      <a:defPPr lvl="0" marR="0" rtl="0" algn="l">
+      <a:defPPr marR="0" lvl="0" algn="l" rtl="0">
         <a:lnSpc>
           <a:spcPct val="100000"/>
         </a:lnSpc>
@@ -5440,7 +6002,7 @@
           <a:spcPts val="0"/>
         </a:spcAft>
       </a:defPPr>
-      <a:lvl1pPr lvl="0" marR="0" rtl="0" algn="l">
+      <a:lvl1pPr marR="0" lvl="0" algn="l" rtl="0">
         <a:lnSpc>
           <a:spcPct val="100000"/>
         </a:lnSpc>
@@ -5454,7 +6016,7 @@
           <a:srgbClr val="000000"/>
         </a:buClr>
         <a:buFont typeface="Arial"/>
-        <a:defRPr b="0" i="0" sz="1400" u="none" cap="none" strike="noStrike">
+        <a:defRPr sz="1400" b="0" i="0" u="none" strike="noStrike" cap="none">
           <a:solidFill>
             <a:srgbClr val="000000"/>
           </a:solidFill>
@@ -5464,7 +6026,7 @@
           <a:sym typeface="Arial"/>
         </a:defRPr>
       </a:lvl1pPr>
-      <a:lvl2pPr lvl="1" marR="0" rtl="0" algn="l">
+      <a:lvl2pPr marR="0" lvl="1" algn="l" rtl="0">
         <a:lnSpc>
           <a:spcPct val="100000"/>
         </a:lnSpc>
@@ -5478,7 +6040,7 @@
           <a:srgbClr val="000000"/>
         </a:buClr>
         <a:buFont typeface="Arial"/>
-        <a:defRPr b="0" i="0" sz="1400" u="none" cap="none" strike="noStrike">
+        <a:defRPr sz="1400" b="0" i="0" u="none" strike="noStrike" cap="none">
           <a:solidFill>
             <a:srgbClr val="000000"/>
           </a:solidFill>
@@ -5488,7 +6050,7 @@
           <a:sym typeface="Arial"/>
         </a:defRPr>
       </a:lvl2pPr>
-      <a:lvl3pPr lvl="2" marR="0" rtl="0" algn="l">
+      <a:lvl3pPr marR="0" lvl="2" algn="l" rtl="0">
         <a:lnSpc>
           <a:spcPct val="100000"/>
         </a:lnSpc>
@@ -5502,7 +6064,7 @@
           <a:srgbClr val="000000"/>
         </a:buClr>
         <a:buFont typeface="Arial"/>
-        <a:defRPr b="0" i="0" sz="1400" u="none" cap="none" strike="noStrike">
+        <a:defRPr sz="1400" b="0" i="0" u="none" strike="noStrike" cap="none">
           <a:solidFill>
             <a:srgbClr val="000000"/>
           </a:solidFill>
@@ -5512,7 +6074,7 @@
           <a:sym typeface="Arial"/>
         </a:defRPr>
       </a:lvl3pPr>
-      <a:lvl4pPr lvl="3" marR="0" rtl="0" algn="l">
+      <a:lvl4pPr marR="0" lvl="3" algn="l" rtl="0">
         <a:lnSpc>
           <a:spcPct val="100000"/>
         </a:lnSpc>
@@ -5526,7 +6088,7 @@
           <a:srgbClr val="000000"/>
         </a:buClr>
         <a:buFont typeface="Arial"/>
-        <a:defRPr b="0" i="0" sz="1400" u="none" cap="none" strike="noStrike">
+        <a:defRPr sz="1400" b="0" i="0" u="none" strike="noStrike" cap="none">
           <a:solidFill>
             <a:srgbClr val="000000"/>
           </a:solidFill>
@@ -5536,7 +6098,7 @@
           <a:sym typeface="Arial"/>
         </a:defRPr>
       </a:lvl4pPr>
-      <a:lvl5pPr lvl="4" marR="0" rtl="0" algn="l">
+      <a:lvl5pPr marR="0" lvl="4" algn="l" rtl="0">
         <a:lnSpc>
           <a:spcPct val="100000"/>
         </a:lnSpc>
@@ -5550,7 +6112,7 @@
           <a:srgbClr val="000000"/>
         </a:buClr>
         <a:buFont typeface="Arial"/>
-        <a:defRPr b="0" i="0" sz="1400" u="none" cap="none" strike="noStrike">
+        <a:defRPr sz="1400" b="0" i="0" u="none" strike="noStrike" cap="none">
           <a:solidFill>
             <a:srgbClr val="000000"/>
           </a:solidFill>
@@ -5560,7 +6122,7 @@
           <a:sym typeface="Arial"/>
         </a:defRPr>
       </a:lvl5pPr>
-      <a:lvl6pPr lvl="5" marR="0" rtl="0" algn="l">
+      <a:lvl6pPr marR="0" lvl="5" algn="l" rtl="0">
         <a:lnSpc>
           <a:spcPct val="100000"/>
         </a:lnSpc>
@@ -5574,7 +6136,7 @@
           <a:srgbClr val="000000"/>
         </a:buClr>
         <a:buFont typeface="Arial"/>
-        <a:defRPr b="0" i="0" sz="1400" u="none" cap="none" strike="noStrike">
+        <a:defRPr sz="1400" b="0" i="0" u="none" strike="noStrike" cap="none">
           <a:solidFill>
             <a:srgbClr val="000000"/>
           </a:solidFill>
@@ -5584,7 +6146,7 @@
           <a:sym typeface="Arial"/>
         </a:defRPr>
       </a:lvl6pPr>
-      <a:lvl7pPr lvl="6" marR="0" rtl="0" algn="l">
+      <a:lvl7pPr marR="0" lvl="6" algn="l" rtl="0">
         <a:lnSpc>
           <a:spcPct val="100000"/>
         </a:lnSpc>
@@ -5598,7 +6160,7 @@
           <a:srgbClr val="000000"/>
         </a:buClr>
         <a:buFont typeface="Arial"/>
-        <a:defRPr b="0" i="0" sz="1400" u="none" cap="none" strike="noStrike">
+        <a:defRPr sz="1400" b="0" i="0" u="none" strike="noStrike" cap="none">
           <a:solidFill>
             <a:srgbClr val="000000"/>
           </a:solidFill>
@@ -5608,7 +6170,7 @@
           <a:sym typeface="Arial"/>
         </a:defRPr>
       </a:lvl7pPr>
-      <a:lvl8pPr lvl="7" marR="0" rtl="0" algn="l">
+      <a:lvl8pPr marR="0" lvl="7" algn="l" rtl="0">
         <a:lnSpc>
           <a:spcPct val="100000"/>
         </a:lnSpc>
@@ -5622,7 +6184,7 @@
           <a:srgbClr val="000000"/>
         </a:buClr>
         <a:buFont typeface="Arial"/>
-        <a:defRPr b="0" i="0" sz="1400" u="none" cap="none" strike="noStrike">
+        <a:defRPr sz="1400" b="0" i="0" u="none" strike="noStrike" cap="none">
           <a:solidFill>
             <a:srgbClr val="000000"/>
           </a:solidFill>
@@ -5632,7 +6194,7 @@
           <a:sym typeface="Arial"/>
         </a:defRPr>
       </a:lvl8pPr>
-      <a:lvl9pPr lvl="8" marR="0" rtl="0" algn="l">
+      <a:lvl9pPr marR="0" lvl="8" algn="l" rtl="0">
         <a:lnSpc>
           <a:spcPct val="100000"/>
         </a:lnSpc>
@@ -5646,7 +6208,7 @@
           <a:srgbClr val="000000"/>
         </a:buClr>
         <a:buFont typeface="Arial"/>
-        <a:defRPr b="0" i="0" sz="1400" u="none" cap="none" strike="noStrike">
+        <a:defRPr sz="1400" b="0" i="0" u="none" strike="noStrike" cap="none">
           <a:solidFill>
             <a:srgbClr val="000000"/>
           </a:solidFill>
@@ -5662,11 +6224,703 @@
 </file>
 
 <file path=ppt/slides/slide1.xml><?xml version="1.0" encoding="utf-8"?>
-<p:sld xmlns:a="http://schemas.openxmlformats.org/drawingml/2006/main" xmlns:r="http://schemas.openxmlformats.org/officeDocument/2006/relationships" xmlns:mc="http://schemas.openxmlformats.org/markup-compatibility/2006" xmlns:mv="urn:schemas-microsoft-com:mac:vml" xmlns:p="http://schemas.openxmlformats.org/presentationml/2006/main" xmlns:c="http://schemas.openxmlformats.org/drawingml/2006/chart" xmlns:dgm="http://schemas.openxmlformats.org/drawingml/2006/diagram" xmlns:o="urn:schemas-microsoft-com:office:office" xmlns:v="urn:schemas-microsoft-com:vml" xmlns:pvml="urn:schemas-microsoft-com:office:powerpoint" xmlns:com="http://schemas.openxmlformats.org/drawingml/2006/compatibility" xmlns:p14="http://schemas.microsoft.com/office/powerpoint/2010/main" xmlns:p15="http://schemas.microsoft.com/office/powerpoint/2012/main" xmlns:ahyp="http://schemas.microsoft.com/office/drawing/2018/hyperlinkcolor">
+<p:sld xmlns:a="http://schemas.openxmlformats.org/drawingml/2006/main" xmlns:r="http://schemas.openxmlformats.org/officeDocument/2006/relationships" xmlns:p="http://schemas.openxmlformats.org/presentationml/2006/main">
   <p:cSld>
     <p:spTree>
       <p:nvGrpSpPr>
-        <p:cNvPr id="53" name="Shape 53"/>
+        <p:cNvPr id="1" name="Shape 98"/>
+        <p:cNvGrpSpPr/>
+        <p:nvPr/>
+      </p:nvGrpSpPr>
+      <p:grpSpPr>
+        <a:xfrm>
+          <a:off x="0" y="0"/>
+          <a:ext cx="0" cy="0"/>
+          <a:chOff x="0" y="0"/>
+          <a:chExt cx="0" cy="0"/>
+        </a:xfrm>
+      </p:grpSpPr>
+      <p:sp>
+        <p:nvSpPr>
+          <p:cNvPr id="99" name="Google Shape;99;p25"/>
+          <p:cNvSpPr txBox="1">
+            <a:spLocks noGrp="1"/>
+          </p:cNvSpPr>
+          <p:nvPr>
+            <p:ph type="ctrTitle"/>
+          </p:nvPr>
+        </p:nvSpPr>
+        <p:spPr>
+          <a:xfrm>
+            <a:off x="311700" y="1161800"/>
+            <a:ext cx="3736800" cy="2007900"/>
+          </a:xfrm>
+          <a:prstGeom prst="rect">
+            <a:avLst/>
+          </a:prstGeom>
+        </p:spPr>
+        <p:txBody>
+          <a:bodyPr spcFirstLastPara="1" wrap="square" lIns="91425" tIns="91425" rIns="91425" bIns="91425" anchor="b" anchorCtr="0">
+            <a:noAutofit/>
+          </a:bodyPr>
+          <a:lstStyle/>
+          <a:p>
+            <a:pPr marL="0" lvl="0" indent="0" algn="ctr" rtl="0">
+              <a:spcBef>
+                <a:spcPts val="0"/>
+              </a:spcBef>
+              <a:spcAft>
+                <a:spcPts val="0"/>
+              </a:spcAft>
+              <a:buSzPts val="990"/>
+              <a:buNone/>
+            </a:pPr>
+            <a:r>
+              <a:rPr lang="en" sz="3180">
+                <a:latin typeface="Dosis"/>
+                <a:ea typeface="Dosis"/>
+                <a:cs typeface="Dosis"/>
+                <a:sym typeface="Dosis"/>
+              </a:rPr>
+              <a:t>Investigate Business Hotel using Data Visualization</a:t>
+            </a:r>
+            <a:endParaRPr sz="3180">
+              <a:latin typeface="Dosis"/>
+              <a:ea typeface="Dosis"/>
+              <a:cs typeface="Dosis"/>
+              <a:sym typeface="Dosis"/>
+            </a:endParaRPr>
+          </a:p>
+          <a:p>
+            <a:pPr marL="0" lvl="0" indent="0" algn="ctr" rtl="0">
+              <a:spcBef>
+                <a:spcPts val="0"/>
+              </a:spcBef>
+              <a:spcAft>
+                <a:spcPts val="0"/>
+              </a:spcAft>
+              <a:buSzPts val="990"/>
+              <a:buNone/>
+            </a:pPr>
+            <a:endParaRPr sz="3180">
+              <a:latin typeface="Dosis"/>
+              <a:ea typeface="Dosis"/>
+              <a:cs typeface="Dosis"/>
+              <a:sym typeface="Dosis"/>
+            </a:endParaRPr>
+          </a:p>
+        </p:txBody>
+      </p:sp>
+      <p:sp>
+        <p:nvSpPr>
+          <p:cNvPr id="4" name="Google Shape;100;p25">
+            <a:extLst>
+              <a:ext uri="{FF2B5EF4-FFF2-40B4-BE49-F238E27FC236}">
+                <a16:creationId xmlns:a16="http://schemas.microsoft.com/office/drawing/2014/main" id="{66CC1A49-CECB-6A0D-6CE1-C86E1CB106B1}"/>
+              </a:ext>
+            </a:extLst>
+          </p:cNvPr>
+          <p:cNvSpPr txBox="1"/>
+          <p:nvPr/>
+        </p:nvSpPr>
+        <p:spPr>
+          <a:xfrm>
+            <a:off x="5959950" y="908900"/>
+            <a:ext cx="2803050" cy="1051518"/>
+          </a:xfrm>
+          <a:prstGeom prst="rect">
+            <a:avLst/>
+          </a:prstGeom>
+          <a:noFill/>
+          <a:ln>
+            <a:noFill/>
+          </a:ln>
+        </p:spPr>
+        <p:txBody>
+          <a:bodyPr spcFirstLastPara="1" wrap="square" lIns="68575" tIns="34275" rIns="68575" bIns="34275" anchor="t" anchorCtr="0">
+            <a:noAutofit/>
+          </a:bodyPr>
+          <a:lstStyle/>
+          <a:p>
+            <a:pPr marL="0" marR="0" lvl="0" indent="0" algn="l" rtl="0">
+              <a:lnSpc>
+                <a:spcPct val="100000"/>
+              </a:lnSpc>
+              <a:spcBef>
+                <a:spcPts val="0"/>
+              </a:spcBef>
+              <a:spcAft>
+                <a:spcPts val="0"/>
+              </a:spcAft>
+              <a:buClr>
+                <a:srgbClr val="000000"/>
+              </a:buClr>
+              <a:buSzPts val="1100"/>
+              <a:buFont typeface="Arial"/>
+              <a:buNone/>
+            </a:pPr>
+            <a:r>
+              <a:rPr lang="en" sz="1200" b="1" dirty="0">
+                <a:latin typeface="Dosis"/>
+                <a:ea typeface="Dosis"/>
+                <a:cs typeface="Dosis"/>
+                <a:sym typeface="Dosis"/>
+              </a:rPr>
+              <a:t>Created by: </a:t>
+            </a:r>
+            <a:endParaRPr sz="1200" b="1" dirty="0">
+              <a:latin typeface="Dosis"/>
+              <a:ea typeface="Dosis"/>
+              <a:cs typeface="Dosis"/>
+              <a:sym typeface="Dosis"/>
+            </a:endParaRPr>
+          </a:p>
+          <a:p>
+            <a:pPr marL="0" marR="0" lvl="0" indent="0" algn="l" rtl="0">
+              <a:lnSpc>
+                <a:spcPct val="100000"/>
+              </a:lnSpc>
+              <a:spcBef>
+                <a:spcPts val="0"/>
+              </a:spcBef>
+              <a:spcAft>
+                <a:spcPts val="0"/>
+              </a:spcAft>
+              <a:buClr>
+                <a:srgbClr val="000000"/>
+              </a:buClr>
+              <a:buSzPts val="1100"/>
+              <a:buFont typeface="Arial"/>
+              <a:buNone/>
+            </a:pPr>
+            <a:r>
+              <a:rPr lang="en-US" sz="1200" b="1" dirty="0">
+                <a:latin typeface="Dosis"/>
+                <a:ea typeface="Dosis"/>
+                <a:cs typeface="Dosis"/>
+                <a:sym typeface="Dosis"/>
+              </a:rPr>
+              <a:t>Muhammad Cikal Merdeka</a:t>
+            </a:r>
+            <a:endParaRPr sz="1200" b="1" i="0" u="none" strike="noStrike" cap="none" dirty="0">
+              <a:solidFill>
+                <a:srgbClr val="000000"/>
+              </a:solidFill>
+              <a:latin typeface="Dosis"/>
+              <a:ea typeface="Dosis"/>
+              <a:cs typeface="Dosis"/>
+              <a:sym typeface="Dosis"/>
+            </a:endParaRPr>
+          </a:p>
+          <a:p>
+            <a:pPr marL="0" marR="0" lvl="0" indent="0" algn="l" rtl="0">
+              <a:lnSpc>
+                <a:spcPct val="100000"/>
+              </a:lnSpc>
+              <a:spcBef>
+                <a:spcPts val="0"/>
+              </a:spcBef>
+              <a:spcAft>
+                <a:spcPts val="0"/>
+              </a:spcAft>
+              <a:buClr>
+                <a:srgbClr val="000000"/>
+              </a:buClr>
+              <a:buSzPts val="1100"/>
+              <a:buFont typeface="Arial"/>
+              <a:buNone/>
+            </a:pPr>
+            <a:r>
+              <a:rPr lang="en-US" sz="1200" b="1" dirty="0">
+                <a:latin typeface="Dosis"/>
+                <a:ea typeface="Dosis"/>
+                <a:cs typeface="Dosis"/>
+                <a:sym typeface="Dosis"/>
+              </a:rPr>
+              <a:t>Email : </a:t>
+            </a:r>
+            <a:r>
+              <a:rPr lang="en-US" sz="1200" b="1" dirty="0">
+                <a:latin typeface="Dosis"/>
+                <a:ea typeface="Dosis"/>
+                <a:cs typeface="Dosis"/>
+                <a:sym typeface="Dosis"/>
+                <a:hlinkClick r:id="rId3"/>
+              </a:rPr>
+              <a:t>mcikalmerdeka@gmail.com</a:t>
+            </a:r>
+            <a:endParaRPr sz="1200" b="1" dirty="0">
+              <a:latin typeface="Dosis"/>
+              <a:ea typeface="Dosis"/>
+              <a:cs typeface="Dosis"/>
+              <a:sym typeface="Dosis"/>
+            </a:endParaRPr>
+          </a:p>
+          <a:p>
+            <a:pPr marL="0" marR="0" lvl="0" indent="0" algn="l" rtl="0">
+              <a:lnSpc>
+                <a:spcPct val="100000"/>
+              </a:lnSpc>
+              <a:spcBef>
+                <a:spcPts val="0"/>
+              </a:spcBef>
+              <a:spcAft>
+                <a:spcPts val="0"/>
+              </a:spcAft>
+              <a:buClr>
+                <a:srgbClr val="000000"/>
+              </a:buClr>
+              <a:buSzPts val="1100"/>
+              <a:buFont typeface="Arial"/>
+              <a:buNone/>
+            </a:pPr>
+            <a:r>
+              <a:rPr lang="en" sz="1200" b="1" dirty="0">
+                <a:latin typeface="Dosis"/>
+                <a:ea typeface="Dosis"/>
+                <a:cs typeface="Dosis"/>
+                <a:sym typeface="Dosis"/>
+              </a:rPr>
+              <a:t>LinkedIn : </a:t>
+            </a:r>
+            <a:r>
+              <a:rPr lang="en-ID" sz="1200" b="1" dirty="0">
+                <a:latin typeface="Dosis"/>
+                <a:ea typeface="Dosis"/>
+                <a:cs typeface="Dosis"/>
+                <a:sym typeface="Dosis"/>
+                <a:hlinkClick r:id="rId4"/>
+              </a:rPr>
+              <a:t>linkedin.com/in/</a:t>
+            </a:r>
+            <a:r>
+              <a:rPr lang="en-ID" sz="1200" b="1" dirty="0" err="1">
+                <a:latin typeface="Dosis"/>
+                <a:ea typeface="Dosis"/>
+                <a:cs typeface="Dosis"/>
+                <a:sym typeface="Dosis"/>
+                <a:hlinkClick r:id="rId4"/>
+              </a:rPr>
+              <a:t>mcikalmerdeka</a:t>
+            </a:r>
+            <a:endParaRPr lang="en" sz="1200" b="1" dirty="0">
+              <a:latin typeface="Dosis"/>
+              <a:ea typeface="Dosis"/>
+              <a:cs typeface="Dosis"/>
+              <a:sym typeface="Dosis"/>
+            </a:endParaRPr>
+          </a:p>
+          <a:p>
+            <a:pPr marL="0" marR="0" lvl="0" indent="0" algn="l" rtl="0">
+              <a:lnSpc>
+                <a:spcPct val="100000"/>
+              </a:lnSpc>
+              <a:spcBef>
+                <a:spcPts val="0"/>
+              </a:spcBef>
+              <a:spcAft>
+                <a:spcPts val="0"/>
+              </a:spcAft>
+              <a:buClr>
+                <a:srgbClr val="000000"/>
+              </a:buClr>
+              <a:buSzPts val="1100"/>
+              <a:buFont typeface="Arial"/>
+              <a:buNone/>
+            </a:pPr>
+            <a:r>
+              <a:rPr lang="en" sz="1200" b="1" dirty="0">
+                <a:latin typeface="Dosis"/>
+                <a:ea typeface="Dosis"/>
+                <a:cs typeface="Dosis"/>
+                <a:sym typeface="Dosis"/>
+              </a:rPr>
+              <a:t>Github : </a:t>
+            </a:r>
+            <a:r>
+              <a:rPr lang="en-ID" sz="1200" b="1" dirty="0">
+                <a:latin typeface="Dosis"/>
+                <a:ea typeface="Dosis"/>
+                <a:cs typeface="Dosis"/>
+                <a:sym typeface="Dosis"/>
+                <a:hlinkClick r:id="rId5"/>
+              </a:rPr>
+              <a:t>github.com/mcikalmerdeka</a:t>
+            </a:r>
+            <a:endParaRPr lang="en" sz="1200" b="1" dirty="0">
+              <a:latin typeface="Dosis"/>
+              <a:ea typeface="Dosis"/>
+              <a:cs typeface="Dosis"/>
+              <a:sym typeface="Dosis"/>
+            </a:endParaRPr>
+          </a:p>
+        </p:txBody>
+      </p:sp>
+      <p:pic>
+        <p:nvPicPr>
+          <p:cNvPr id="5" name="Google Shape;101;p25">
+            <a:extLst>
+              <a:ext uri="{FF2B5EF4-FFF2-40B4-BE49-F238E27FC236}">
+                <a16:creationId xmlns:a16="http://schemas.microsoft.com/office/drawing/2014/main" id="{E32374F3-91F5-D5A6-1272-05F41930CCFF}"/>
+              </a:ext>
+            </a:extLst>
+          </p:cNvPr>
+          <p:cNvPicPr preferRelativeResize="0"/>
+          <p:nvPr/>
+        </p:nvPicPr>
+        <p:blipFill>
+          <a:blip r:embed="rId6"/>
+          <a:srcRect l="8110" r="8110"/>
+          <a:stretch/>
+        </p:blipFill>
+        <p:spPr>
+          <a:xfrm>
+            <a:off x="4665150" y="685600"/>
+            <a:ext cx="1218600" cy="1218600"/>
+          </a:xfrm>
+          <a:prstGeom prst="roundRect">
+            <a:avLst>
+              <a:gd name="adj" fmla="val 50000"/>
+            </a:avLst>
+          </a:prstGeom>
+          <a:noFill/>
+          <a:ln w="9525" cap="flat" cmpd="sng">
+            <a:solidFill>
+              <a:schemeClr val="dk1"/>
+            </a:solidFill>
+            <a:prstDash val="solid"/>
+            <a:round/>
+            <a:headEnd type="none" w="sm" len="sm"/>
+            <a:tailEnd type="none" w="sm" len="sm"/>
+          </a:ln>
+        </p:spPr>
+      </p:pic>
+      <p:sp>
+        <p:nvSpPr>
+          <p:cNvPr id="6" name="Google Shape;102;p25">
+            <a:extLst>
+              <a:ext uri="{FF2B5EF4-FFF2-40B4-BE49-F238E27FC236}">
+                <a16:creationId xmlns:a16="http://schemas.microsoft.com/office/drawing/2014/main" id="{C295C0EC-0380-334C-B8BB-FCCB4260F145}"/>
+              </a:ext>
+            </a:extLst>
+          </p:cNvPr>
+          <p:cNvSpPr txBox="1">
+            <a:spLocks/>
+          </p:cNvSpPr>
+          <p:nvPr/>
+        </p:nvSpPr>
+        <p:spPr>
+          <a:xfrm>
+            <a:off x="4665150" y="2159900"/>
+            <a:ext cx="4167000" cy="2298000"/>
+          </a:xfrm>
+          <a:prstGeom prst="rect">
+            <a:avLst/>
+          </a:prstGeom>
+          <a:noFill/>
+          <a:ln>
+            <a:noFill/>
+          </a:ln>
+        </p:spPr>
+        <p:txBody>
+          <a:bodyPr spcFirstLastPara="1" wrap="square" lIns="91425" tIns="91425" rIns="91425" bIns="91425" anchor="t" anchorCtr="0">
+            <a:noAutofit/>
+          </a:bodyPr>
+          <a:lstStyle>
+            <a:defPPr marR="0" lvl="0" algn="l" rtl="0">
+              <a:lnSpc>
+                <a:spcPct val="100000"/>
+              </a:lnSpc>
+              <a:spcBef>
+                <a:spcPts val="0"/>
+              </a:spcBef>
+              <a:spcAft>
+                <a:spcPts val="0"/>
+              </a:spcAft>
+            </a:defPPr>
+            <a:lvl1pPr marL="457200" marR="0" lvl="0" indent="-342900" algn="ctr" rtl="0">
+              <a:lnSpc>
+                <a:spcPct val="100000"/>
+              </a:lnSpc>
+              <a:spcBef>
+                <a:spcPts val="0"/>
+              </a:spcBef>
+              <a:spcAft>
+                <a:spcPts val="0"/>
+              </a:spcAft>
+              <a:buClr>
+                <a:schemeClr val="dk1"/>
+              </a:buClr>
+              <a:buSzPts val="1200"/>
+              <a:buFont typeface="Arial"/>
+              <a:buNone/>
+              <a:defRPr sz="1200" b="0" i="0" u="none" strike="noStrike" cap="none">
+                <a:solidFill>
+                  <a:schemeClr val="dk1"/>
+                </a:solidFill>
+                <a:latin typeface="Arial"/>
+                <a:ea typeface="Arial"/>
+                <a:cs typeface="Arial"/>
+                <a:sym typeface="Arial"/>
+              </a:defRPr>
+            </a:lvl1pPr>
+            <a:lvl2pPr marL="914400" marR="0" lvl="1" indent="-317500" algn="ctr" rtl="0">
+              <a:lnSpc>
+                <a:spcPct val="100000"/>
+              </a:lnSpc>
+              <a:spcBef>
+                <a:spcPts val="0"/>
+              </a:spcBef>
+              <a:spcAft>
+                <a:spcPts val="0"/>
+              </a:spcAft>
+              <a:buClr>
+                <a:schemeClr val="dk1"/>
+              </a:buClr>
+              <a:buSzPts val="1200"/>
+              <a:buFont typeface="Arial"/>
+              <a:buNone/>
+              <a:defRPr sz="1200" b="0" i="0" u="none" strike="noStrike" cap="none">
+                <a:solidFill>
+                  <a:schemeClr val="dk1"/>
+                </a:solidFill>
+                <a:latin typeface="Arial"/>
+                <a:ea typeface="Arial"/>
+                <a:cs typeface="Arial"/>
+                <a:sym typeface="Arial"/>
+              </a:defRPr>
+            </a:lvl2pPr>
+            <a:lvl3pPr marL="1371600" marR="0" lvl="2" indent="-317500" algn="ctr" rtl="0">
+              <a:lnSpc>
+                <a:spcPct val="100000"/>
+              </a:lnSpc>
+              <a:spcBef>
+                <a:spcPts val="0"/>
+              </a:spcBef>
+              <a:spcAft>
+                <a:spcPts val="0"/>
+              </a:spcAft>
+              <a:buClr>
+                <a:schemeClr val="dk1"/>
+              </a:buClr>
+              <a:buSzPts val="1200"/>
+              <a:buFont typeface="Arial"/>
+              <a:buNone/>
+              <a:defRPr sz="1200" b="0" i="0" u="none" strike="noStrike" cap="none">
+                <a:solidFill>
+                  <a:schemeClr val="dk1"/>
+                </a:solidFill>
+                <a:latin typeface="Arial"/>
+                <a:ea typeface="Arial"/>
+                <a:cs typeface="Arial"/>
+                <a:sym typeface="Arial"/>
+              </a:defRPr>
+            </a:lvl3pPr>
+            <a:lvl4pPr marL="1828800" marR="0" lvl="3" indent="-317500" algn="ctr" rtl="0">
+              <a:lnSpc>
+                <a:spcPct val="100000"/>
+              </a:lnSpc>
+              <a:spcBef>
+                <a:spcPts val="0"/>
+              </a:spcBef>
+              <a:spcAft>
+                <a:spcPts val="0"/>
+              </a:spcAft>
+              <a:buClr>
+                <a:schemeClr val="dk1"/>
+              </a:buClr>
+              <a:buSzPts val="1200"/>
+              <a:buFont typeface="Arial"/>
+              <a:buNone/>
+              <a:defRPr sz="1200" b="0" i="0" u="none" strike="noStrike" cap="none">
+                <a:solidFill>
+                  <a:schemeClr val="dk1"/>
+                </a:solidFill>
+                <a:latin typeface="Arial"/>
+                <a:ea typeface="Arial"/>
+                <a:cs typeface="Arial"/>
+                <a:sym typeface="Arial"/>
+              </a:defRPr>
+            </a:lvl4pPr>
+            <a:lvl5pPr marL="2286000" marR="0" lvl="4" indent="-317500" algn="ctr" rtl="0">
+              <a:lnSpc>
+                <a:spcPct val="100000"/>
+              </a:lnSpc>
+              <a:spcBef>
+                <a:spcPts val="0"/>
+              </a:spcBef>
+              <a:spcAft>
+                <a:spcPts val="0"/>
+              </a:spcAft>
+              <a:buClr>
+                <a:schemeClr val="dk1"/>
+              </a:buClr>
+              <a:buSzPts val="1200"/>
+              <a:buFont typeface="Arial"/>
+              <a:buNone/>
+              <a:defRPr sz="1200" b="0" i="0" u="none" strike="noStrike" cap="none">
+                <a:solidFill>
+                  <a:schemeClr val="dk1"/>
+                </a:solidFill>
+                <a:latin typeface="Arial"/>
+                <a:ea typeface="Arial"/>
+                <a:cs typeface="Arial"/>
+                <a:sym typeface="Arial"/>
+              </a:defRPr>
+            </a:lvl5pPr>
+            <a:lvl6pPr marL="2743200" marR="0" lvl="5" indent="-317500" algn="ctr" rtl="0">
+              <a:lnSpc>
+                <a:spcPct val="100000"/>
+              </a:lnSpc>
+              <a:spcBef>
+                <a:spcPts val="0"/>
+              </a:spcBef>
+              <a:spcAft>
+                <a:spcPts val="0"/>
+              </a:spcAft>
+              <a:buClr>
+                <a:schemeClr val="dk1"/>
+              </a:buClr>
+              <a:buSzPts val="1200"/>
+              <a:buFont typeface="Arial"/>
+              <a:buNone/>
+              <a:defRPr sz="1200" b="0" i="0" u="none" strike="noStrike" cap="none">
+                <a:solidFill>
+                  <a:schemeClr val="dk1"/>
+                </a:solidFill>
+                <a:latin typeface="Arial"/>
+                <a:ea typeface="Arial"/>
+                <a:cs typeface="Arial"/>
+                <a:sym typeface="Arial"/>
+              </a:defRPr>
+            </a:lvl6pPr>
+            <a:lvl7pPr marL="3200400" marR="0" lvl="6" indent="-317500" algn="ctr" rtl="0">
+              <a:lnSpc>
+                <a:spcPct val="100000"/>
+              </a:lnSpc>
+              <a:spcBef>
+                <a:spcPts val="0"/>
+              </a:spcBef>
+              <a:spcAft>
+                <a:spcPts val="0"/>
+              </a:spcAft>
+              <a:buClr>
+                <a:schemeClr val="dk1"/>
+              </a:buClr>
+              <a:buSzPts val="1200"/>
+              <a:buFont typeface="Arial"/>
+              <a:buNone/>
+              <a:defRPr sz="1200" b="0" i="0" u="none" strike="noStrike" cap="none">
+                <a:solidFill>
+                  <a:schemeClr val="dk1"/>
+                </a:solidFill>
+                <a:latin typeface="Arial"/>
+                <a:ea typeface="Arial"/>
+                <a:cs typeface="Arial"/>
+                <a:sym typeface="Arial"/>
+              </a:defRPr>
+            </a:lvl7pPr>
+            <a:lvl8pPr marL="3657600" marR="0" lvl="7" indent="-317500" algn="ctr" rtl="0">
+              <a:lnSpc>
+                <a:spcPct val="100000"/>
+              </a:lnSpc>
+              <a:spcBef>
+                <a:spcPts val="0"/>
+              </a:spcBef>
+              <a:spcAft>
+                <a:spcPts val="0"/>
+              </a:spcAft>
+              <a:buClr>
+                <a:schemeClr val="dk1"/>
+              </a:buClr>
+              <a:buSzPts val="1200"/>
+              <a:buFont typeface="Arial"/>
+              <a:buNone/>
+              <a:defRPr sz="1200" b="0" i="0" u="none" strike="noStrike" cap="none">
+                <a:solidFill>
+                  <a:schemeClr val="dk1"/>
+                </a:solidFill>
+                <a:latin typeface="Arial"/>
+                <a:ea typeface="Arial"/>
+                <a:cs typeface="Arial"/>
+                <a:sym typeface="Arial"/>
+              </a:defRPr>
+            </a:lvl8pPr>
+            <a:lvl9pPr marL="4114800" marR="0" lvl="8" indent="-317500" algn="ctr" rtl="0">
+              <a:lnSpc>
+                <a:spcPct val="100000"/>
+              </a:lnSpc>
+              <a:spcBef>
+                <a:spcPts val="0"/>
+              </a:spcBef>
+              <a:spcAft>
+                <a:spcPts val="0"/>
+              </a:spcAft>
+              <a:buClr>
+                <a:schemeClr val="dk1"/>
+              </a:buClr>
+              <a:buSzPts val="1200"/>
+              <a:buFont typeface="Arial"/>
+              <a:buNone/>
+              <a:defRPr sz="1200" b="0" i="0" u="none" strike="noStrike" cap="none">
+                <a:solidFill>
+                  <a:schemeClr val="dk1"/>
+                </a:solidFill>
+                <a:latin typeface="Arial"/>
+                <a:ea typeface="Arial"/>
+                <a:cs typeface="Arial"/>
+                <a:sym typeface="Arial"/>
+              </a:defRPr>
+            </a:lvl9pPr>
+          </a:lstStyle>
+          <a:p>
+            <a:pPr marL="0" indent="0" algn="just">
+              <a:lnSpc>
+                <a:spcPct val="95000"/>
+              </a:lnSpc>
+              <a:spcAft>
+                <a:spcPts val="1200"/>
+              </a:spcAft>
+              <a:buSzPts val="1018"/>
+            </a:pPr>
+            <a:r>
+              <a:rPr lang="en-US" sz="1400" dirty="0">
+                <a:latin typeface="Dosis" pitchFamily="2" charset="0"/>
+              </a:rPr>
+              <a:t>Dedicated entry-level data scientist with analytical and experimental background of Physics. My graduation 2023, a pivotal year marked by significant advancements in artificial intelligence with the introduction of GPT-4 and other generative AI models, has fueled my curiosity and excitement to delve into the field of data. I have comprehensive grasp of data science methodology from business understanding to modelling process with proficiency in </a:t>
+            </a:r>
+            <a:r>
+              <a:rPr lang="en-US" sz="1400" b="1" dirty="0">
+                <a:latin typeface="Dosis" pitchFamily="2" charset="0"/>
+              </a:rPr>
+              <a:t>Python, SQL, Tableau, Power BI, Looker Studio and other tools</a:t>
+            </a:r>
+            <a:r>
+              <a:rPr lang="en-US" sz="1400" dirty="0">
+                <a:latin typeface="Dosis" pitchFamily="2" charset="0"/>
+              </a:rPr>
+              <a:t> related to data analytics workflow from several coursework and bootcamps. </a:t>
+            </a:r>
+            <a:endParaRPr lang="en-ID" sz="1400" dirty="0">
+              <a:latin typeface="Dosis" pitchFamily="2" charset="0"/>
+            </a:endParaRPr>
+          </a:p>
+        </p:txBody>
+      </p:sp>
+    </p:spTree>
+  </p:cSld>
+  <p:clrMapOvr>
+    <a:masterClrMapping/>
+  </p:clrMapOvr>
+</p:sld>
+</file>
+
+<file path=ppt/slides/slide2.xml><?xml version="1.0" encoding="utf-8"?>
+<p:sld xmlns:a="http://schemas.openxmlformats.org/drawingml/2006/main" xmlns:r="http://schemas.openxmlformats.org/officeDocument/2006/relationships" xmlns:p="http://schemas.openxmlformats.org/presentationml/2006/main">
+  <p:cSld>
+    <p:spTree>
+      <p:nvGrpSpPr>
+        <p:cNvPr id="1" name="Shape 53"/>
         <p:cNvGrpSpPr/>
         <p:nvPr/>
       </p:nvGrpSpPr>
@@ -5681,14 +6935,16 @@
       <p:sp>
         <p:nvSpPr>
           <p:cNvPr id="54" name="Google Shape;54;p13"/>
-          <p:cNvSpPr txBox="1"/>
+          <p:cNvSpPr txBox="1">
+            <a:spLocks noGrp="1"/>
+          </p:cNvSpPr>
           <p:nvPr>
             <p:ph type="title"/>
           </p:nvPr>
         </p:nvSpPr>
         <p:spPr>
           <a:xfrm>
-            <a:off x="0" y="57300"/>
+            <a:off x="0" y="-14775"/>
             <a:ext cx="8180700" cy="523200"/>
           </a:xfrm>
           <a:prstGeom prst="rect">
@@ -5696,12 +6952,12 @@
           </a:prstGeom>
         </p:spPr>
         <p:txBody>
-          <a:bodyPr anchorCtr="0" anchor="t" bIns="91425" lIns="91425" spcFirstLastPara="1" rIns="91425" wrap="square" tIns="91425">
+          <a:bodyPr spcFirstLastPara="1" wrap="square" lIns="91425" tIns="91425" rIns="91425" bIns="91425" anchor="t" anchorCtr="0">
             <a:noAutofit/>
           </a:bodyPr>
           <a:lstStyle/>
           <a:p>
-            <a:pPr indent="0" lvl="0" marL="0" rtl="0" algn="ctr">
+            <a:pPr marL="0" lvl="0" indent="0" algn="ctr" rtl="0">
               <a:spcBef>
                 <a:spcPts val="0"/>
               </a:spcBef>
@@ -5712,15 +6968,15 @@
               <a:buNone/>
             </a:pPr>
             <a:r>
-              <a:rPr b="1" lang="en" sz="1798">
+              <a:rPr lang="en" sz="1798" b="1" dirty="0">
                 <a:latin typeface="Roboto"/>
                 <a:ea typeface="Roboto"/>
                 <a:cs typeface="Roboto"/>
                 <a:sym typeface="Roboto"/>
               </a:rPr>
-              <a:t>Impact Analysis of Lead Time on Hotel Bookings Cancellation Rate</a:t>
+              <a:t>Impact Analysis of Lead Time on Hotel Bookings Cancellation Rates</a:t>
             </a:r>
-            <a:endParaRPr sz="1798">
+            <a:endParaRPr sz="1798" b="1" dirty="0">
               <a:solidFill>
                 <a:schemeClr val="lt1"/>
               </a:solidFill>
@@ -5734,49 +6990,140 @@
       </p:sp>
       <p:sp>
         <p:nvSpPr>
-          <p:cNvPr id="55" name="Google Shape;55;p13"/>
+          <p:cNvPr id="6" name="TextBox 5">
+            <a:extLst>
+              <a:ext uri="{FF2B5EF4-FFF2-40B4-BE49-F238E27FC236}">
+                <a16:creationId xmlns:a16="http://schemas.microsoft.com/office/drawing/2014/main" id="{36488EDC-0390-A2E3-7312-275A4AA60371}"/>
+              </a:ext>
+            </a:extLst>
+          </p:cNvPr>
           <p:cNvSpPr txBox="1"/>
-          <p:nvPr>
-            <p:ph idx="1" type="body"/>
-          </p:nvPr>
+          <p:nvPr/>
         </p:nvSpPr>
         <p:spPr>
           <a:xfrm>
-            <a:off x="311700" y="823775"/>
-            <a:ext cx="8520600" cy="4098600"/>
+            <a:off x="318655" y="810491"/>
+            <a:ext cx="8569036" cy="2308324"/>
           </a:xfrm>
           <a:prstGeom prst="rect">
             <a:avLst/>
           </a:prstGeom>
+          <a:noFill/>
         </p:spPr>
         <p:txBody>
-          <a:bodyPr anchorCtr="0" anchor="t" bIns="91425" lIns="91425" spcFirstLastPara="1" rIns="91425" wrap="square" tIns="91425">
-            <a:normAutofit/>
+          <a:bodyPr wrap="square" rtlCol="0">
+            <a:spAutoFit/>
           </a:bodyPr>
           <a:lstStyle/>
           <a:p>
-            <a:pPr indent="0" lvl="0" marL="0" rtl="0" algn="l">
-              <a:spcBef>
-                <a:spcPts val="0"/>
-              </a:spcBef>
-              <a:spcAft>
-                <a:spcPts val="1200"/>
+            <a:r>
+              <a:rPr lang="en-US" sz="1800" dirty="0">
+                <a:latin typeface="Dosis" pitchFamily="2" charset="0"/>
+              </a:rPr>
+              <a:t>In the hotel business, customers are typically allowed to book hotels before their arrival dates. The time interval between booking and arrival varies, ranging from just a few days to several months in advance. In this section, an analysis will be conducted to determine whether the time interval between hotel booking and the customer's arrival date has an influence on the cancellation rate of hotel reservations.</a:t>
+            </a:r>
+          </a:p>
+          <a:p>
+            <a:endParaRPr lang="en-US" sz="1800" dirty="0">
+              <a:latin typeface="Dosis" pitchFamily="2" charset="0"/>
+            </a:endParaRPr>
+          </a:p>
+          <a:p>
+            <a:endParaRPr lang="en-US" sz="1800" dirty="0">
+              <a:latin typeface="Dosis" pitchFamily="2" charset="0"/>
+            </a:endParaRPr>
+          </a:p>
+          <a:p>
+            <a:endParaRPr lang="en-US" sz="1800" dirty="0">
+              <a:latin typeface="Dosis" pitchFamily="2" charset="0"/>
+            </a:endParaRPr>
+          </a:p>
+        </p:txBody>
+      </p:sp>
+      <p:sp>
+        <p:nvSpPr>
+          <p:cNvPr id="9" name="Google Shape;115;p27">
+            <a:extLst>
+              <a:ext uri="{FF2B5EF4-FFF2-40B4-BE49-F238E27FC236}">
+                <a16:creationId xmlns:a16="http://schemas.microsoft.com/office/drawing/2014/main" id="{A1552F82-BBDE-E60D-8D5F-786A99170997}"/>
+              </a:ext>
+            </a:extLst>
+          </p:cNvPr>
+          <p:cNvSpPr txBox="1"/>
+          <p:nvPr/>
+        </p:nvSpPr>
+        <p:spPr>
+          <a:xfrm>
+            <a:off x="4656000" y="4772700"/>
+            <a:ext cx="4488000" cy="353913"/>
+          </a:xfrm>
+          <a:prstGeom prst="rect">
+            <a:avLst/>
+          </a:prstGeom>
+          <a:noFill/>
+          <a:ln>
+            <a:noFill/>
+          </a:ln>
+        </p:spPr>
+        <p:txBody>
+          <a:bodyPr spcFirstLastPara="1" wrap="square" lIns="91425" tIns="91425" rIns="91425" bIns="91425" anchor="t" anchorCtr="0">
+            <a:spAutoFit/>
+          </a:bodyPr>
+          <a:lstStyle/>
+          <a:p>
+            <a:pPr marL="0" lvl="0" indent="0" algn="r" rtl="0">
+              <a:lnSpc>
+                <a:spcPct val="100000"/>
+              </a:lnSpc>
+              <a:spcBef>
+                <a:spcPts val="0"/>
+              </a:spcBef>
+              <a:spcAft>
+                <a:spcPts val="0"/>
               </a:spcAft>
               <a:buNone/>
             </a:pPr>
             <a:r>
-              <a:rPr lang="en" sz="1500">
-                <a:solidFill>
-                  <a:schemeClr val="dk1"/>
+              <a:rPr lang="en-US" sz="1100" dirty="0">
+                <a:solidFill>
+                  <a:srgbClr val="000000"/>
                 </a:solidFill>
               </a:rPr>
-              <a:t>Masukkan grafik visualisasi pada tugas ini, kemudian tuliskan pula hasil analisismu, insight apa saja yang kamu dapatkan.</a:t>
+              <a:t>For more details, you can view the </a:t>
             </a:r>
-            <a:endParaRPr sz="1500">
-              <a:solidFill>
-                <a:schemeClr val="dk1"/>
-              </a:solidFill>
-            </a:endParaRPr>
+            <a:r>
+              <a:rPr lang="en-US" sz="1100" dirty="0" err="1">
+                <a:solidFill>
+                  <a:srgbClr val="000000"/>
+                </a:solidFill>
+              </a:rPr>
+              <a:t>Jupyter</a:t>
+            </a:r>
+            <a:r>
+              <a:rPr lang="en-US" sz="1100" dirty="0">
+                <a:solidFill>
+                  <a:srgbClr val="000000"/>
+                </a:solidFill>
+              </a:rPr>
+              <a:t> notebook </a:t>
+            </a:r>
+            <a:r>
+              <a:rPr lang="en-US" sz="1100" dirty="0">
+                <a:solidFill>
+                  <a:srgbClr val="000000"/>
+                </a:solidFill>
+                <a:hlinkClick r:id="rId3"/>
+              </a:rPr>
+              <a:t>here</a:t>
+            </a:r>
+            <a:r>
+              <a:rPr lang="en-US" sz="1100" dirty="0">
+                <a:solidFill>
+                  <a:srgbClr val="000000"/>
+                </a:solidFill>
+              </a:rPr>
+              <a:t>.</a:t>
+            </a:r>
           </a:p>
         </p:txBody>
       </p:sp>
@@ -5788,8 +7135,1177 @@
 </p:sld>
 </file>
 
+<file path=ppt/slides/slide3.xml><?xml version="1.0" encoding="utf-8"?>
+<p:sld xmlns:a="http://schemas.openxmlformats.org/drawingml/2006/main" xmlns:r="http://schemas.openxmlformats.org/officeDocument/2006/relationships" xmlns:p="http://schemas.openxmlformats.org/presentationml/2006/main">
+  <p:cSld>
+    <p:spTree>
+      <p:nvGrpSpPr>
+        <p:cNvPr id="1" name="Shape 53"/>
+        <p:cNvGrpSpPr/>
+        <p:nvPr/>
+      </p:nvGrpSpPr>
+      <p:grpSpPr>
+        <a:xfrm>
+          <a:off x="0" y="0"/>
+          <a:ext cx="0" cy="0"/>
+          <a:chOff x="0" y="0"/>
+          <a:chExt cx="0" cy="0"/>
+        </a:xfrm>
+      </p:grpSpPr>
+      <p:sp>
+        <p:nvSpPr>
+          <p:cNvPr id="2" name="Google Shape;55;p13">
+            <a:extLst>
+              <a:ext uri="{FF2B5EF4-FFF2-40B4-BE49-F238E27FC236}">
+                <a16:creationId xmlns:a16="http://schemas.microsoft.com/office/drawing/2014/main" id="{1080C932-AED1-618D-6B7C-4313386B40FA}"/>
+              </a:ext>
+            </a:extLst>
+          </p:cNvPr>
+          <p:cNvSpPr txBox="1">
+            <a:spLocks noGrp="1"/>
+          </p:cNvSpPr>
+          <p:nvPr>
+            <p:ph type="body" idx="1"/>
+          </p:nvPr>
+        </p:nvSpPr>
+        <p:spPr>
+          <a:xfrm>
+            <a:off x="177315" y="703572"/>
+            <a:ext cx="1608555" cy="558557"/>
+          </a:xfrm>
+          <a:prstGeom prst="rect">
+            <a:avLst/>
+          </a:prstGeom>
+        </p:spPr>
+        <p:txBody>
+          <a:bodyPr spcFirstLastPara="1" wrap="square" lIns="91425" tIns="91425" rIns="91425" bIns="91425" anchor="t" anchorCtr="0">
+            <a:normAutofit fontScale="92500" lnSpcReduction="20000"/>
+          </a:bodyPr>
+          <a:lstStyle/>
+          <a:p>
+            <a:pPr marL="0" lvl="0" indent="0" algn="l" rtl="0">
+              <a:spcBef>
+                <a:spcPts val="0"/>
+              </a:spcBef>
+              <a:spcAft>
+                <a:spcPts val="1200"/>
+              </a:spcAft>
+              <a:buNone/>
+            </a:pPr>
+            <a:r>
+              <a:rPr lang="en-US" sz="1500" b="1" dirty="0">
+                <a:solidFill>
+                  <a:schemeClr val="dk1"/>
+                </a:solidFill>
+                <a:latin typeface="Dosis" pitchFamily="2" charset="0"/>
+              </a:rPr>
+              <a:t>Data Visualization :</a:t>
+            </a:r>
+            <a:endParaRPr sz="1500" b="1" dirty="0">
+              <a:solidFill>
+                <a:schemeClr val="dk1"/>
+              </a:solidFill>
+              <a:latin typeface="Dosis" pitchFamily="2" charset="0"/>
+            </a:endParaRPr>
+          </a:p>
+        </p:txBody>
+      </p:sp>
+      <p:sp>
+        <p:nvSpPr>
+          <p:cNvPr id="7" name="Google Shape;54;p13">
+            <a:extLst>
+              <a:ext uri="{FF2B5EF4-FFF2-40B4-BE49-F238E27FC236}">
+                <a16:creationId xmlns:a16="http://schemas.microsoft.com/office/drawing/2014/main" id="{EFD41D70-A7E9-81FA-C1B1-1C6804E81ECB}"/>
+              </a:ext>
+            </a:extLst>
+          </p:cNvPr>
+          <p:cNvSpPr txBox="1">
+            <a:spLocks noGrp="1"/>
+          </p:cNvSpPr>
+          <p:nvPr>
+            <p:ph type="title"/>
+          </p:nvPr>
+        </p:nvSpPr>
+        <p:spPr>
+          <a:xfrm>
+            <a:off x="0" y="-14775"/>
+            <a:ext cx="8180700" cy="523200"/>
+          </a:xfrm>
+          <a:prstGeom prst="rect">
+            <a:avLst/>
+          </a:prstGeom>
+        </p:spPr>
+        <p:txBody>
+          <a:bodyPr spcFirstLastPara="1" wrap="square" lIns="91425" tIns="91425" rIns="91425" bIns="91425" anchor="t" anchorCtr="0">
+            <a:noAutofit/>
+          </a:bodyPr>
+          <a:lstStyle/>
+          <a:p>
+            <a:pPr marL="0" lvl="0" indent="0" algn="ctr" rtl="0">
+              <a:spcBef>
+                <a:spcPts val="0"/>
+              </a:spcBef>
+              <a:spcAft>
+                <a:spcPts val="0"/>
+              </a:spcAft>
+              <a:buSzPts val="990"/>
+              <a:buNone/>
+            </a:pPr>
+            <a:r>
+              <a:rPr lang="en" sz="1798" b="1" dirty="0">
+                <a:latin typeface="Roboto"/>
+                <a:ea typeface="Roboto"/>
+                <a:cs typeface="Roboto"/>
+                <a:sym typeface="Roboto"/>
+              </a:rPr>
+              <a:t>Impact Analysis of Lead Time on Hotel Bookings Cancellation Rates</a:t>
+            </a:r>
+            <a:endParaRPr sz="1798" b="1" dirty="0">
+              <a:solidFill>
+                <a:schemeClr val="lt1"/>
+              </a:solidFill>
+              <a:latin typeface="Roboto"/>
+              <a:ea typeface="Roboto"/>
+              <a:cs typeface="Roboto"/>
+              <a:sym typeface="Roboto"/>
+            </a:endParaRPr>
+          </a:p>
+        </p:txBody>
+      </p:sp>
+      <p:pic>
+        <p:nvPicPr>
+          <p:cNvPr id="9" name="Picture 8">
+            <a:extLst>
+              <a:ext uri="{FF2B5EF4-FFF2-40B4-BE49-F238E27FC236}">
+                <a16:creationId xmlns:a16="http://schemas.microsoft.com/office/drawing/2014/main" id="{80B1152D-93CC-8555-79E8-B3B273587B4F}"/>
+              </a:ext>
+            </a:extLst>
+          </p:cNvPr>
+          <p:cNvPicPr>
+            <a:picLocks noChangeAspect="1"/>
+          </p:cNvPicPr>
+          <p:nvPr/>
+        </p:nvPicPr>
+        <p:blipFill>
+          <a:blip r:embed="rId3"/>
+          <a:stretch>
+            <a:fillRect/>
+          </a:stretch>
+        </p:blipFill>
+        <p:spPr>
+          <a:xfrm>
+            <a:off x="711685" y="1055270"/>
+            <a:ext cx="7720629" cy="4088230"/>
+          </a:xfrm>
+          <a:prstGeom prst="rect">
+            <a:avLst/>
+          </a:prstGeom>
+        </p:spPr>
+      </p:pic>
+    </p:spTree>
+    <p:extLst>
+      <p:ext uri="{BB962C8B-B14F-4D97-AF65-F5344CB8AC3E}">
+        <p14:creationId xmlns:p14="http://schemas.microsoft.com/office/powerpoint/2010/main" val="3009194383"/>
+      </p:ext>
+    </p:extLst>
+  </p:cSld>
+  <p:clrMapOvr>
+    <a:masterClrMapping/>
+  </p:clrMapOvr>
+</p:sld>
+</file>
+
+<file path=ppt/slides/slide4.xml><?xml version="1.0" encoding="utf-8"?>
+<p:sld xmlns:a="http://schemas.openxmlformats.org/drawingml/2006/main" xmlns:r="http://schemas.openxmlformats.org/officeDocument/2006/relationships" xmlns:p="http://schemas.openxmlformats.org/presentationml/2006/main">
+  <p:cSld>
+    <p:spTree>
+      <p:nvGrpSpPr>
+        <p:cNvPr id="1" name="Shape 53"/>
+        <p:cNvGrpSpPr/>
+        <p:nvPr/>
+      </p:nvGrpSpPr>
+      <p:grpSpPr>
+        <a:xfrm>
+          <a:off x="0" y="0"/>
+          <a:ext cx="0" cy="0"/>
+          <a:chOff x="0" y="0"/>
+          <a:chExt cx="0" cy="0"/>
+        </a:xfrm>
+      </p:grpSpPr>
+      <p:sp>
+        <p:nvSpPr>
+          <p:cNvPr id="2" name="Google Shape;55;p13">
+            <a:extLst>
+              <a:ext uri="{FF2B5EF4-FFF2-40B4-BE49-F238E27FC236}">
+                <a16:creationId xmlns:a16="http://schemas.microsoft.com/office/drawing/2014/main" id="{BACD0769-2B73-1044-E497-3B221719A0C7}"/>
+              </a:ext>
+            </a:extLst>
+          </p:cNvPr>
+          <p:cNvSpPr txBox="1">
+            <a:spLocks noGrp="1"/>
+          </p:cNvSpPr>
+          <p:nvPr>
+            <p:ph type="body" idx="1"/>
+          </p:nvPr>
+        </p:nvSpPr>
+        <p:spPr>
+          <a:xfrm>
+            <a:off x="177315" y="694986"/>
+            <a:ext cx="3956803" cy="558557"/>
+          </a:xfrm>
+          <a:prstGeom prst="rect">
+            <a:avLst/>
+          </a:prstGeom>
+        </p:spPr>
+        <p:txBody>
+          <a:bodyPr spcFirstLastPara="1" wrap="square" lIns="91425" tIns="91425" rIns="91425" bIns="91425" anchor="t" anchorCtr="0">
+            <a:normAutofit fontScale="92500" lnSpcReduction="20000"/>
+          </a:bodyPr>
+          <a:lstStyle/>
+          <a:p>
+            <a:pPr marL="0" lvl="0" indent="0" algn="l" rtl="0">
+              <a:spcBef>
+                <a:spcPts val="0"/>
+              </a:spcBef>
+              <a:spcAft>
+                <a:spcPts val="1200"/>
+              </a:spcAft>
+              <a:buNone/>
+            </a:pPr>
+            <a:r>
+              <a:rPr lang="en-US" sz="1500" b="1" dirty="0">
+                <a:solidFill>
+                  <a:schemeClr val="dk1"/>
+                </a:solidFill>
+                <a:latin typeface="Dosis" pitchFamily="2" charset="0"/>
+              </a:rPr>
+              <a:t>Data Interpretation and Business Recommendation :</a:t>
+            </a:r>
+            <a:endParaRPr sz="1500" b="1" dirty="0">
+              <a:solidFill>
+                <a:schemeClr val="dk1"/>
+              </a:solidFill>
+              <a:latin typeface="Dosis" pitchFamily="2" charset="0"/>
+            </a:endParaRPr>
+          </a:p>
+        </p:txBody>
+      </p:sp>
+      <p:sp>
+        <p:nvSpPr>
+          <p:cNvPr id="3" name="Google Shape;55;p13">
+            <a:extLst>
+              <a:ext uri="{FF2B5EF4-FFF2-40B4-BE49-F238E27FC236}">
+                <a16:creationId xmlns:a16="http://schemas.microsoft.com/office/drawing/2014/main" id="{BB16A063-26F8-6F0D-E2B5-5E1FD6669081}"/>
+              </a:ext>
+            </a:extLst>
+          </p:cNvPr>
+          <p:cNvSpPr txBox="1">
+            <a:spLocks/>
+          </p:cNvSpPr>
+          <p:nvPr/>
+        </p:nvSpPr>
+        <p:spPr>
+          <a:xfrm>
+            <a:off x="177315" y="1116168"/>
+            <a:ext cx="8789370" cy="3936643"/>
+          </a:xfrm>
+          <a:prstGeom prst="rect">
+            <a:avLst/>
+          </a:prstGeom>
+          <a:noFill/>
+          <a:ln>
+            <a:noFill/>
+          </a:ln>
+        </p:spPr>
+        <p:txBody>
+          <a:bodyPr spcFirstLastPara="1" wrap="square" lIns="91425" tIns="91425" rIns="91425" bIns="91425" anchor="t" anchorCtr="0">
+            <a:normAutofit/>
+          </a:bodyPr>
+          <a:lstStyle>
+            <a:defPPr marR="0" lvl="0" algn="l" rtl="0">
+              <a:lnSpc>
+                <a:spcPct val="100000"/>
+              </a:lnSpc>
+              <a:spcBef>
+                <a:spcPts val="0"/>
+              </a:spcBef>
+              <a:spcAft>
+                <a:spcPts val="0"/>
+              </a:spcAft>
+            </a:defPPr>
+            <a:lvl1pPr marL="457200" marR="0" lvl="0" indent="-342900" algn="l" rtl="0">
+              <a:lnSpc>
+                <a:spcPct val="115000"/>
+              </a:lnSpc>
+              <a:spcBef>
+                <a:spcPts val="0"/>
+              </a:spcBef>
+              <a:spcAft>
+                <a:spcPts val="0"/>
+              </a:spcAft>
+              <a:buClr>
+                <a:schemeClr val="dk2"/>
+              </a:buClr>
+              <a:buSzPts val="1800"/>
+              <a:buFont typeface="Arial"/>
+              <a:buChar char="●"/>
+              <a:defRPr sz="1800" b="0" i="0" u="none" strike="noStrike" cap="none">
+                <a:solidFill>
+                  <a:schemeClr val="dk2"/>
+                </a:solidFill>
+                <a:latin typeface="Arial"/>
+                <a:ea typeface="Arial"/>
+                <a:cs typeface="Arial"/>
+                <a:sym typeface="Arial"/>
+              </a:defRPr>
+            </a:lvl1pPr>
+            <a:lvl2pPr marL="914400" marR="0" lvl="1" indent="-317500" algn="l" rtl="0">
+              <a:lnSpc>
+                <a:spcPct val="115000"/>
+              </a:lnSpc>
+              <a:spcBef>
+                <a:spcPts val="0"/>
+              </a:spcBef>
+              <a:spcAft>
+                <a:spcPts val="0"/>
+              </a:spcAft>
+              <a:buClr>
+                <a:schemeClr val="dk2"/>
+              </a:buClr>
+              <a:buSzPts val="1400"/>
+              <a:buFont typeface="Arial"/>
+              <a:buChar char="○"/>
+              <a:defRPr sz="1400" b="0" i="0" u="none" strike="noStrike" cap="none">
+                <a:solidFill>
+                  <a:schemeClr val="dk2"/>
+                </a:solidFill>
+                <a:latin typeface="Arial"/>
+                <a:ea typeface="Arial"/>
+                <a:cs typeface="Arial"/>
+                <a:sym typeface="Arial"/>
+              </a:defRPr>
+            </a:lvl2pPr>
+            <a:lvl3pPr marL="1371600" marR="0" lvl="2" indent="-317500" algn="l" rtl="0">
+              <a:lnSpc>
+                <a:spcPct val="115000"/>
+              </a:lnSpc>
+              <a:spcBef>
+                <a:spcPts val="0"/>
+              </a:spcBef>
+              <a:spcAft>
+                <a:spcPts val="0"/>
+              </a:spcAft>
+              <a:buClr>
+                <a:schemeClr val="dk2"/>
+              </a:buClr>
+              <a:buSzPts val="1400"/>
+              <a:buFont typeface="Arial"/>
+              <a:buChar char="■"/>
+              <a:defRPr sz="1400" b="0" i="0" u="none" strike="noStrike" cap="none">
+                <a:solidFill>
+                  <a:schemeClr val="dk2"/>
+                </a:solidFill>
+                <a:latin typeface="Arial"/>
+                <a:ea typeface="Arial"/>
+                <a:cs typeface="Arial"/>
+                <a:sym typeface="Arial"/>
+              </a:defRPr>
+            </a:lvl3pPr>
+            <a:lvl4pPr marL="1828800" marR="0" lvl="3" indent="-317500" algn="l" rtl="0">
+              <a:lnSpc>
+                <a:spcPct val="115000"/>
+              </a:lnSpc>
+              <a:spcBef>
+                <a:spcPts val="0"/>
+              </a:spcBef>
+              <a:spcAft>
+                <a:spcPts val="0"/>
+              </a:spcAft>
+              <a:buClr>
+                <a:schemeClr val="dk2"/>
+              </a:buClr>
+              <a:buSzPts val="1400"/>
+              <a:buFont typeface="Arial"/>
+              <a:buChar char="●"/>
+              <a:defRPr sz="1400" b="0" i="0" u="none" strike="noStrike" cap="none">
+                <a:solidFill>
+                  <a:schemeClr val="dk2"/>
+                </a:solidFill>
+                <a:latin typeface="Arial"/>
+                <a:ea typeface="Arial"/>
+                <a:cs typeface="Arial"/>
+                <a:sym typeface="Arial"/>
+              </a:defRPr>
+            </a:lvl4pPr>
+            <a:lvl5pPr marL="2286000" marR="0" lvl="4" indent="-317500" algn="l" rtl="0">
+              <a:lnSpc>
+                <a:spcPct val="115000"/>
+              </a:lnSpc>
+              <a:spcBef>
+                <a:spcPts val="0"/>
+              </a:spcBef>
+              <a:spcAft>
+                <a:spcPts val="0"/>
+              </a:spcAft>
+              <a:buClr>
+                <a:schemeClr val="dk2"/>
+              </a:buClr>
+              <a:buSzPts val="1400"/>
+              <a:buFont typeface="Arial"/>
+              <a:buChar char="○"/>
+              <a:defRPr sz="1400" b="0" i="0" u="none" strike="noStrike" cap="none">
+                <a:solidFill>
+                  <a:schemeClr val="dk2"/>
+                </a:solidFill>
+                <a:latin typeface="Arial"/>
+                <a:ea typeface="Arial"/>
+                <a:cs typeface="Arial"/>
+                <a:sym typeface="Arial"/>
+              </a:defRPr>
+            </a:lvl5pPr>
+            <a:lvl6pPr marL="2743200" marR="0" lvl="5" indent="-317500" algn="l" rtl="0">
+              <a:lnSpc>
+                <a:spcPct val="115000"/>
+              </a:lnSpc>
+              <a:spcBef>
+                <a:spcPts val="0"/>
+              </a:spcBef>
+              <a:spcAft>
+                <a:spcPts val="0"/>
+              </a:spcAft>
+              <a:buClr>
+                <a:schemeClr val="dk2"/>
+              </a:buClr>
+              <a:buSzPts val="1400"/>
+              <a:buFont typeface="Arial"/>
+              <a:buChar char="■"/>
+              <a:defRPr sz="1400" b="0" i="0" u="none" strike="noStrike" cap="none">
+                <a:solidFill>
+                  <a:schemeClr val="dk2"/>
+                </a:solidFill>
+                <a:latin typeface="Arial"/>
+                <a:ea typeface="Arial"/>
+                <a:cs typeface="Arial"/>
+                <a:sym typeface="Arial"/>
+              </a:defRPr>
+            </a:lvl6pPr>
+            <a:lvl7pPr marL="3200400" marR="0" lvl="6" indent="-317500" algn="l" rtl="0">
+              <a:lnSpc>
+                <a:spcPct val="115000"/>
+              </a:lnSpc>
+              <a:spcBef>
+                <a:spcPts val="0"/>
+              </a:spcBef>
+              <a:spcAft>
+                <a:spcPts val="0"/>
+              </a:spcAft>
+              <a:buClr>
+                <a:schemeClr val="dk2"/>
+              </a:buClr>
+              <a:buSzPts val="1400"/>
+              <a:buFont typeface="Arial"/>
+              <a:buChar char="●"/>
+              <a:defRPr sz="1400" b="0" i="0" u="none" strike="noStrike" cap="none">
+                <a:solidFill>
+                  <a:schemeClr val="dk2"/>
+                </a:solidFill>
+                <a:latin typeface="Arial"/>
+                <a:ea typeface="Arial"/>
+                <a:cs typeface="Arial"/>
+                <a:sym typeface="Arial"/>
+              </a:defRPr>
+            </a:lvl7pPr>
+            <a:lvl8pPr marL="3657600" marR="0" lvl="7" indent="-317500" algn="l" rtl="0">
+              <a:lnSpc>
+                <a:spcPct val="115000"/>
+              </a:lnSpc>
+              <a:spcBef>
+                <a:spcPts val="0"/>
+              </a:spcBef>
+              <a:spcAft>
+                <a:spcPts val="0"/>
+              </a:spcAft>
+              <a:buClr>
+                <a:schemeClr val="dk2"/>
+              </a:buClr>
+              <a:buSzPts val="1400"/>
+              <a:buFont typeface="Arial"/>
+              <a:buChar char="○"/>
+              <a:defRPr sz="1400" b="0" i="0" u="none" strike="noStrike" cap="none">
+                <a:solidFill>
+                  <a:schemeClr val="dk2"/>
+                </a:solidFill>
+                <a:latin typeface="Arial"/>
+                <a:ea typeface="Arial"/>
+                <a:cs typeface="Arial"/>
+                <a:sym typeface="Arial"/>
+              </a:defRPr>
+            </a:lvl8pPr>
+            <a:lvl9pPr marL="4114800" marR="0" lvl="8" indent="-317500" algn="l" rtl="0">
+              <a:lnSpc>
+                <a:spcPct val="115000"/>
+              </a:lnSpc>
+              <a:spcBef>
+                <a:spcPts val="0"/>
+              </a:spcBef>
+              <a:spcAft>
+                <a:spcPts val="0"/>
+              </a:spcAft>
+              <a:buClr>
+                <a:schemeClr val="dk2"/>
+              </a:buClr>
+              <a:buSzPts val="1400"/>
+              <a:buFont typeface="Arial"/>
+              <a:buChar char="■"/>
+              <a:defRPr sz="1400" b="0" i="0" u="none" strike="noStrike" cap="none">
+                <a:solidFill>
+                  <a:schemeClr val="dk2"/>
+                </a:solidFill>
+                <a:latin typeface="Arial"/>
+                <a:ea typeface="Arial"/>
+                <a:cs typeface="Arial"/>
+                <a:sym typeface="Arial"/>
+              </a:defRPr>
+            </a:lvl9pPr>
+          </a:lstStyle>
+          <a:p>
+            <a:r>
+              <a:rPr lang="en-US" sz="1400" b="1" dirty="0">
+                <a:solidFill>
+                  <a:schemeClr val="tx1"/>
+                </a:solidFill>
+                <a:effectLst/>
+                <a:latin typeface="Dosis" pitchFamily="2" charset="0"/>
+              </a:rPr>
+              <a:t>In general, it can be said that both City Hotel and Resort Hotel types have a trend where the longer the lead time, the higher the risk that the customer will cancel their reservation</a:t>
+            </a:r>
+            <a:r>
+              <a:rPr lang="en-US" sz="1400" dirty="0">
+                <a:solidFill>
+                  <a:schemeClr val="tx1"/>
+                </a:solidFill>
+                <a:effectLst/>
+                <a:latin typeface="Dosis" pitchFamily="2" charset="0"/>
+              </a:rPr>
+              <a:t>.</a:t>
+            </a:r>
+          </a:p>
+          <a:p>
+            <a:endParaRPr lang="en-US" sz="1400" dirty="0">
+              <a:solidFill>
+                <a:schemeClr val="tx1"/>
+              </a:solidFill>
+              <a:effectLst/>
+              <a:latin typeface="Dosis" pitchFamily="2" charset="0"/>
+            </a:endParaRPr>
+          </a:p>
+          <a:p>
+            <a:r>
+              <a:rPr lang="en-US" sz="1400" dirty="0">
+                <a:solidFill>
+                  <a:schemeClr val="tx1"/>
+                </a:solidFill>
+                <a:effectLst/>
+                <a:latin typeface="Dosis" pitchFamily="2" charset="0"/>
+              </a:rPr>
+              <a:t>Both hotel types have the lowest cancellation rate for lead times of &lt;= 1 month, with City Hotel at 22.47% and Resort Hotel at 13.11%. This suggests that customers who book within a shorter time frame before their intended stay are more committed to their reservations and less likely to cancel.</a:t>
+            </a:r>
+          </a:p>
+          <a:p>
+            <a:endParaRPr lang="en-US" sz="1400" dirty="0">
+              <a:solidFill>
+                <a:schemeClr val="tx1"/>
+              </a:solidFill>
+              <a:effectLst/>
+              <a:latin typeface="Dosis" pitchFamily="2" charset="0"/>
+            </a:endParaRPr>
+          </a:p>
+          <a:p>
+            <a:r>
+              <a:rPr lang="en-US" sz="1400" dirty="0">
+                <a:solidFill>
+                  <a:schemeClr val="tx1"/>
+                </a:solidFill>
+                <a:effectLst/>
+                <a:latin typeface="Dosis" pitchFamily="2" charset="0"/>
+              </a:rPr>
+              <a:t>Meanwhile, the highest cancellation rate is observed for lead times of 11-13 months, with City Hotel at 77.56% and Resort Hotel at 41.15%. This implies that customers who book significantly far in advance are more prone to canceling their reservations, indicating potential uncertainty or changes in plans over longer periods.</a:t>
+            </a:r>
+          </a:p>
+        </p:txBody>
+      </p:sp>
+      <p:sp>
+        <p:nvSpPr>
+          <p:cNvPr id="6" name="Google Shape;54;p13">
+            <a:extLst>
+              <a:ext uri="{FF2B5EF4-FFF2-40B4-BE49-F238E27FC236}">
+                <a16:creationId xmlns:a16="http://schemas.microsoft.com/office/drawing/2014/main" id="{EF25235B-71B9-359A-0C4D-79F6E0AECAFA}"/>
+              </a:ext>
+            </a:extLst>
+          </p:cNvPr>
+          <p:cNvSpPr txBox="1">
+            <a:spLocks noGrp="1"/>
+          </p:cNvSpPr>
+          <p:nvPr>
+            <p:ph type="title"/>
+          </p:nvPr>
+        </p:nvSpPr>
+        <p:spPr>
+          <a:xfrm>
+            <a:off x="0" y="-14775"/>
+            <a:ext cx="8180700" cy="523200"/>
+          </a:xfrm>
+          <a:prstGeom prst="rect">
+            <a:avLst/>
+          </a:prstGeom>
+        </p:spPr>
+        <p:txBody>
+          <a:bodyPr spcFirstLastPara="1" wrap="square" lIns="91425" tIns="91425" rIns="91425" bIns="91425" anchor="t" anchorCtr="0">
+            <a:noAutofit/>
+          </a:bodyPr>
+          <a:lstStyle/>
+          <a:p>
+            <a:pPr marL="0" lvl="0" indent="0" algn="ctr" rtl="0">
+              <a:spcBef>
+                <a:spcPts val="0"/>
+              </a:spcBef>
+              <a:spcAft>
+                <a:spcPts val="0"/>
+              </a:spcAft>
+              <a:buSzPts val="990"/>
+              <a:buNone/>
+            </a:pPr>
+            <a:r>
+              <a:rPr lang="en" sz="1798" b="1" dirty="0">
+                <a:latin typeface="Roboto"/>
+                <a:ea typeface="Roboto"/>
+                <a:cs typeface="Roboto"/>
+                <a:sym typeface="Roboto"/>
+              </a:rPr>
+              <a:t>Impact Analysis of Lead Time on Hotel Bookings Cancellation Rates</a:t>
+            </a:r>
+            <a:endParaRPr sz="1798" b="1" dirty="0">
+              <a:solidFill>
+                <a:schemeClr val="lt1"/>
+              </a:solidFill>
+              <a:latin typeface="Roboto"/>
+              <a:ea typeface="Roboto"/>
+              <a:cs typeface="Roboto"/>
+              <a:sym typeface="Roboto"/>
+            </a:endParaRPr>
+          </a:p>
+        </p:txBody>
+      </p:sp>
+    </p:spTree>
+    <p:extLst>
+      <p:ext uri="{BB962C8B-B14F-4D97-AF65-F5344CB8AC3E}">
+        <p14:creationId xmlns:p14="http://schemas.microsoft.com/office/powerpoint/2010/main" val="2909686997"/>
+      </p:ext>
+    </p:extLst>
+  </p:cSld>
+  <p:clrMapOvr>
+    <a:masterClrMapping/>
+  </p:clrMapOvr>
+</p:sld>
+</file>
+
+<file path=ppt/slides/slide5.xml><?xml version="1.0" encoding="utf-8"?>
+<p:sld xmlns:a="http://schemas.openxmlformats.org/drawingml/2006/main" xmlns:r="http://schemas.openxmlformats.org/officeDocument/2006/relationships" xmlns:p="http://schemas.openxmlformats.org/presentationml/2006/main">
+  <p:cSld>
+    <p:spTree>
+      <p:nvGrpSpPr>
+        <p:cNvPr id="1" name="Shape 53"/>
+        <p:cNvGrpSpPr/>
+        <p:nvPr/>
+      </p:nvGrpSpPr>
+      <p:grpSpPr>
+        <a:xfrm>
+          <a:off x="0" y="0"/>
+          <a:ext cx="0" cy="0"/>
+          <a:chOff x="0" y="0"/>
+          <a:chExt cx="0" cy="0"/>
+        </a:xfrm>
+      </p:grpSpPr>
+      <p:sp>
+        <p:nvSpPr>
+          <p:cNvPr id="2" name="Google Shape;55;p13">
+            <a:extLst>
+              <a:ext uri="{FF2B5EF4-FFF2-40B4-BE49-F238E27FC236}">
+                <a16:creationId xmlns:a16="http://schemas.microsoft.com/office/drawing/2014/main" id="{BACD0769-2B73-1044-E497-3B221719A0C7}"/>
+              </a:ext>
+            </a:extLst>
+          </p:cNvPr>
+          <p:cNvSpPr txBox="1">
+            <a:spLocks noGrp="1"/>
+          </p:cNvSpPr>
+          <p:nvPr>
+            <p:ph type="body" idx="1"/>
+          </p:nvPr>
+        </p:nvSpPr>
+        <p:spPr>
+          <a:xfrm>
+            <a:off x="177315" y="694986"/>
+            <a:ext cx="3956803" cy="558557"/>
+          </a:xfrm>
+          <a:prstGeom prst="rect">
+            <a:avLst/>
+          </a:prstGeom>
+        </p:spPr>
+        <p:txBody>
+          <a:bodyPr spcFirstLastPara="1" wrap="square" lIns="91425" tIns="91425" rIns="91425" bIns="91425" anchor="t" anchorCtr="0">
+            <a:normAutofit fontScale="92500" lnSpcReduction="20000"/>
+          </a:bodyPr>
+          <a:lstStyle/>
+          <a:p>
+            <a:pPr marL="0" lvl="0" indent="0" algn="l" rtl="0">
+              <a:spcBef>
+                <a:spcPts val="0"/>
+              </a:spcBef>
+              <a:spcAft>
+                <a:spcPts val="1200"/>
+              </a:spcAft>
+              <a:buNone/>
+            </a:pPr>
+            <a:r>
+              <a:rPr lang="en-US" sz="1500" b="1" dirty="0">
+                <a:solidFill>
+                  <a:schemeClr val="dk1"/>
+                </a:solidFill>
+                <a:latin typeface="Dosis" pitchFamily="2" charset="0"/>
+              </a:rPr>
+              <a:t>Data Interpretation and Business Recommendation :</a:t>
+            </a:r>
+            <a:endParaRPr sz="1500" b="1" dirty="0">
+              <a:solidFill>
+                <a:schemeClr val="dk1"/>
+              </a:solidFill>
+              <a:latin typeface="Dosis" pitchFamily="2" charset="0"/>
+            </a:endParaRPr>
+          </a:p>
+        </p:txBody>
+      </p:sp>
+      <p:sp>
+        <p:nvSpPr>
+          <p:cNvPr id="3" name="Google Shape;55;p13">
+            <a:extLst>
+              <a:ext uri="{FF2B5EF4-FFF2-40B4-BE49-F238E27FC236}">
+                <a16:creationId xmlns:a16="http://schemas.microsoft.com/office/drawing/2014/main" id="{BB16A063-26F8-6F0D-E2B5-5E1FD6669081}"/>
+              </a:ext>
+            </a:extLst>
+          </p:cNvPr>
+          <p:cNvSpPr txBox="1">
+            <a:spLocks/>
+          </p:cNvSpPr>
+          <p:nvPr/>
+        </p:nvSpPr>
+        <p:spPr>
+          <a:xfrm>
+            <a:off x="177315" y="1116168"/>
+            <a:ext cx="8789370" cy="3936643"/>
+          </a:xfrm>
+          <a:prstGeom prst="rect">
+            <a:avLst/>
+          </a:prstGeom>
+          <a:noFill/>
+          <a:ln>
+            <a:noFill/>
+          </a:ln>
+        </p:spPr>
+        <p:txBody>
+          <a:bodyPr spcFirstLastPara="1" wrap="square" lIns="91425" tIns="91425" rIns="91425" bIns="91425" anchor="t" anchorCtr="0">
+            <a:normAutofit/>
+          </a:bodyPr>
+          <a:lstStyle>
+            <a:defPPr marR="0" lvl="0" algn="l" rtl="0">
+              <a:lnSpc>
+                <a:spcPct val="100000"/>
+              </a:lnSpc>
+              <a:spcBef>
+                <a:spcPts val="0"/>
+              </a:spcBef>
+              <a:spcAft>
+                <a:spcPts val="0"/>
+              </a:spcAft>
+            </a:defPPr>
+            <a:lvl1pPr marL="457200" marR="0" lvl="0" indent="-342900" algn="l" rtl="0">
+              <a:lnSpc>
+                <a:spcPct val="115000"/>
+              </a:lnSpc>
+              <a:spcBef>
+                <a:spcPts val="0"/>
+              </a:spcBef>
+              <a:spcAft>
+                <a:spcPts val="0"/>
+              </a:spcAft>
+              <a:buClr>
+                <a:schemeClr val="dk2"/>
+              </a:buClr>
+              <a:buSzPts val="1800"/>
+              <a:buFont typeface="Arial"/>
+              <a:buChar char="●"/>
+              <a:defRPr sz="1800" b="0" i="0" u="none" strike="noStrike" cap="none">
+                <a:solidFill>
+                  <a:schemeClr val="dk2"/>
+                </a:solidFill>
+                <a:latin typeface="Arial"/>
+                <a:ea typeface="Arial"/>
+                <a:cs typeface="Arial"/>
+                <a:sym typeface="Arial"/>
+              </a:defRPr>
+            </a:lvl1pPr>
+            <a:lvl2pPr marL="914400" marR="0" lvl="1" indent="-317500" algn="l" rtl="0">
+              <a:lnSpc>
+                <a:spcPct val="115000"/>
+              </a:lnSpc>
+              <a:spcBef>
+                <a:spcPts val="0"/>
+              </a:spcBef>
+              <a:spcAft>
+                <a:spcPts val="0"/>
+              </a:spcAft>
+              <a:buClr>
+                <a:schemeClr val="dk2"/>
+              </a:buClr>
+              <a:buSzPts val="1400"/>
+              <a:buFont typeface="Arial"/>
+              <a:buChar char="○"/>
+              <a:defRPr sz="1400" b="0" i="0" u="none" strike="noStrike" cap="none">
+                <a:solidFill>
+                  <a:schemeClr val="dk2"/>
+                </a:solidFill>
+                <a:latin typeface="Arial"/>
+                <a:ea typeface="Arial"/>
+                <a:cs typeface="Arial"/>
+                <a:sym typeface="Arial"/>
+              </a:defRPr>
+            </a:lvl2pPr>
+            <a:lvl3pPr marL="1371600" marR="0" lvl="2" indent="-317500" algn="l" rtl="0">
+              <a:lnSpc>
+                <a:spcPct val="115000"/>
+              </a:lnSpc>
+              <a:spcBef>
+                <a:spcPts val="0"/>
+              </a:spcBef>
+              <a:spcAft>
+                <a:spcPts val="0"/>
+              </a:spcAft>
+              <a:buClr>
+                <a:schemeClr val="dk2"/>
+              </a:buClr>
+              <a:buSzPts val="1400"/>
+              <a:buFont typeface="Arial"/>
+              <a:buChar char="■"/>
+              <a:defRPr sz="1400" b="0" i="0" u="none" strike="noStrike" cap="none">
+                <a:solidFill>
+                  <a:schemeClr val="dk2"/>
+                </a:solidFill>
+                <a:latin typeface="Arial"/>
+                <a:ea typeface="Arial"/>
+                <a:cs typeface="Arial"/>
+                <a:sym typeface="Arial"/>
+              </a:defRPr>
+            </a:lvl3pPr>
+            <a:lvl4pPr marL="1828800" marR="0" lvl="3" indent="-317500" algn="l" rtl="0">
+              <a:lnSpc>
+                <a:spcPct val="115000"/>
+              </a:lnSpc>
+              <a:spcBef>
+                <a:spcPts val="0"/>
+              </a:spcBef>
+              <a:spcAft>
+                <a:spcPts val="0"/>
+              </a:spcAft>
+              <a:buClr>
+                <a:schemeClr val="dk2"/>
+              </a:buClr>
+              <a:buSzPts val="1400"/>
+              <a:buFont typeface="Arial"/>
+              <a:buChar char="●"/>
+              <a:defRPr sz="1400" b="0" i="0" u="none" strike="noStrike" cap="none">
+                <a:solidFill>
+                  <a:schemeClr val="dk2"/>
+                </a:solidFill>
+                <a:latin typeface="Arial"/>
+                <a:ea typeface="Arial"/>
+                <a:cs typeface="Arial"/>
+                <a:sym typeface="Arial"/>
+              </a:defRPr>
+            </a:lvl4pPr>
+            <a:lvl5pPr marL="2286000" marR="0" lvl="4" indent="-317500" algn="l" rtl="0">
+              <a:lnSpc>
+                <a:spcPct val="115000"/>
+              </a:lnSpc>
+              <a:spcBef>
+                <a:spcPts val="0"/>
+              </a:spcBef>
+              <a:spcAft>
+                <a:spcPts val="0"/>
+              </a:spcAft>
+              <a:buClr>
+                <a:schemeClr val="dk2"/>
+              </a:buClr>
+              <a:buSzPts val="1400"/>
+              <a:buFont typeface="Arial"/>
+              <a:buChar char="○"/>
+              <a:defRPr sz="1400" b="0" i="0" u="none" strike="noStrike" cap="none">
+                <a:solidFill>
+                  <a:schemeClr val="dk2"/>
+                </a:solidFill>
+                <a:latin typeface="Arial"/>
+                <a:ea typeface="Arial"/>
+                <a:cs typeface="Arial"/>
+                <a:sym typeface="Arial"/>
+              </a:defRPr>
+            </a:lvl5pPr>
+            <a:lvl6pPr marL="2743200" marR="0" lvl="5" indent="-317500" algn="l" rtl="0">
+              <a:lnSpc>
+                <a:spcPct val="115000"/>
+              </a:lnSpc>
+              <a:spcBef>
+                <a:spcPts val="0"/>
+              </a:spcBef>
+              <a:spcAft>
+                <a:spcPts val="0"/>
+              </a:spcAft>
+              <a:buClr>
+                <a:schemeClr val="dk2"/>
+              </a:buClr>
+              <a:buSzPts val="1400"/>
+              <a:buFont typeface="Arial"/>
+              <a:buChar char="■"/>
+              <a:defRPr sz="1400" b="0" i="0" u="none" strike="noStrike" cap="none">
+                <a:solidFill>
+                  <a:schemeClr val="dk2"/>
+                </a:solidFill>
+                <a:latin typeface="Arial"/>
+                <a:ea typeface="Arial"/>
+                <a:cs typeface="Arial"/>
+                <a:sym typeface="Arial"/>
+              </a:defRPr>
+            </a:lvl6pPr>
+            <a:lvl7pPr marL="3200400" marR="0" lvl="6" indent="-317500" algn="l" rtl="0">
+              <a:lnSpc>
+                <a:spcPct val="115000"/>
+              </a:lnSpc>
+              <a:spcBef>
+                <a:spcPts val="0"/>
+              </a:spcBef>
+              <a:spcAft>
+                <a:spcPts val="0"/>
+              </a:spcAft>
+              <a:buClr>
+                <a:schemeClr val="dk2"/>
+              </a:buClr>
+              <a:buSzPts val="1400"/>
+              <a:buFont typeface="Arial"/>
+              <a:buChar char="●"/>
+              <a:defRPr sz="1400" b="0" i="0" u="none" strike="noStrike" cap="none">
+                <a:solidFill>
+                  <a:schemeClr val="dk2"/>
+                </a:solidFill>
+                <a:latin typeface="Arial"/>
+                <a:ea typeface="Arial"/>
+                <a:cs typeface="Arial"/>
+                <a:sym typeface="Arial"/>
+              </a:defRPr>
+            </a:lvl7pPr>
+            <a:lvl8pPr marL="3657600" marR="0" lvl="7" indent="-317500" algn="l" rtl="0">
+              <a:lnSpc>
+                <a:spcPct val="115000"/>
+              </a:lnSpc>
+              <a:spcBef>
+                <a:spcPts val="0"/>
+              </a:spcBef>
+              <a:spcAft>
+                <a:spcPts val="0"/>
+              </a:spcAft>
+              <a:buClr>
+                <a:schemeClr val="dk2"/>
+              </a:buClr>
+              <a:buSzPts val="1400"/>
+              <a:buFont typeface="Arial"/>
+              <a:buChar char="○"/>
+              <a:defRPr sz="1400" b="0" i="0" u="none" strike="noStrike" cap="none">
+                <a:solidFill>
+                  <a:schemeClr val="dk2"/>
+                </a:solidFill>
+                <a:latin typeface="Arial"/>
+                <a:ea typeface="Arial"/>
+                <a:cs typeface="Arial"/>
+                <a:sym typeface="Arial"/>
+              </a:defRPr>
+            </a:lvl8pPr>
+            <a:lvl9pPr marL="4114800" marR="0" lvl="8" indent="-317500" algn="l" rtl="0">
+              <a:lnSpc>
+                <a:spcPct val="115000"/>
+              </a:lnSpc>
+              <a:spcBef>
+                <a:spcPts val="0"/>
+              </a:spcBef>
+              <a:spcAft>
+                <a:spcPts val="0"/>
+              </a:spcAft>
+              <a:buClr>
+                <a:schemeClr val="dk2"/>
+              </a:buClr>
+              <a:buSzPts val="1400"/>
+              <a:buFont typeface="Arial"/>
+              <a:buChar char="■"/>
+              <a:defRPr sz="1400" b="0" i="0" u="none" strike="noStrike" cap="none">
+                <a:solidFill>
+                  <a:schemeClr val="dk2"/>
+                </a:solidFill>
+                <a:latin typeface="Arial"/>
+                <a:ea typeface="Arial"/>
+                <a:cs typeface="Arial"/>
+                <a:sym typeface="Arial"/>
+              </a:defRPr>
+            </a:lvl9pPr>
+          </a:lstStyle>
+          <a:p>
+            <a:r>
+              <a:rPr lang="en-US" sz="1400" dirty="0">
+                <a:solidFill>
+                  <a:schemeClr val="tx1"/>
+                </a:solidFill>
+                <a:effectLst/>
+                <a:latin typeface="Dosis" pitchFamily="2" charset="0"/>
+              </a:rPr>
+              <a:t>There are two business recommendation that we can apply based on these insights :</a:t>
+            </a:r>
+          </a:p>
+          <a:p>
+            <a:endParaRPr lang="en-US" sz="1400" dirty="0">
+              <a:solidFill>
+                <a:schemeClr val="tx1"/>
+              </a:solidFill>
+              <a:latin typeface="Dosis" pitchFamily="2" charset="0"/>
+            </a:endParaRPr>
+          </a:p>
+          <a:p>
+            <a:pPr>
+              <a:buFont typeface="+mj-lt"/>
+              <a:buAutoNum type="alphaLcPeriod"/>
+            </a:pPr>
+            <a:r>
+              <a:rPr lang="en-US" sz="1400" dirty="0">
+                <a:solidFill>
+                  <a:schemeClr val="tx1"/>
+                </a:solidFill>
+                <a:effectLst/>
+                <a:latin typeface="Dosis" pitchFamily="2" charset="0"/>
+              </a:rPr>
+              <a:t>First we can implement dynamic pricing strategies based on lead time and historical cancellation patterns. Offer discounted rates or incentives for customers booking with shorter lead times to encourage immediate bookings and reduce cancellation risks. Conversely, for reservations with longer lead times, consider implementing stricter cancellation policies or requiring deposits to mitigate the potential revenue loss from cancellations.</a:t>
+            </a:r>
+          </a:p>
+          <a:p>
+            <a:pPr>
+              <a:buFont typeface="+mj-lt"/>
+              <a:buAutoNum type="alphaLcPeriod"/>
+            </a:pPr>
+            <a:endParaRPr lang="en-US" sz="1400" dirty="0">
+              <a:solidFill>
+                <a:schemeClr val="tx1"/>
+              </a:solidFill>
+              <a:effectLst/>
+              <a:latin typeface="Dosis" pitchFamily="2" charset="0"/>
+            </a:endParaRPr>
+          </a:p>
+          <a:p>
+            <a:pPr>
+              <a:buFont typeface="+mj-lt"/>
+              <a:buAutoNum type="alphaLcPeriod"/>
+            </a:pPr>
+            <a:r>
+              <a:rPr lang="en-US" sz="1400" dirty="0">
+                <a:solidFill>
+                  <a:schemeClr val="tx1"/>
+                </a:solidFill>
+                <a:effectLst/>
+                <a:latin typeface="Dosis" pitchFamily="2" charset="0"/>
+              </a:rPr>
+              <a:t>Second we can develop targeted marketing campaigns to different types of customer with different lead time preferences. As for customers who frequently book with short lead time, we could promote exclusive offers and last-minute deals, emphasizing the benefits of spontaneous travel and instant savings. For customers with longer lead times, focus on highlighting the value of early booking advantages such as guaranteed availability and peace of mind.</a:t>
+            </a:r>
+          </a:p>
+        </p:txBody>
+      </p:sp>
+      <p:sp>
+        <p:nvSpPr>
+          <p:cNvPr id="6" name="Google Shape;54;p13">
+            <a:extLst>
+              <a:ext uri="{FF2B5EF4-FFF2-40B4-BE49-F238E27FC236}">
+                <a16:creationId xmlns:a16="http://schemas.microsoft.com/office/drawing/2014/main" id="{EF25235B-71B9-359A-0C4D-79F6E0AECAFA}"/>
+              </a:ext>
+            </a:extLst>
+          </p:cNvPr>
+          <p:cNvSpPr txBox="1">
+            <a:spLocks noGrp="1"/>
+          </p:cNvSpPr>
+          <p:nvPr>
+            <p:ph type="title"/>
+          </p:nvPr>
+        </p:nvSpPr>
+        <p:spPr>
+          <a:xfrm>
+            <a:off x="0" y="-14775"/>
+            <a:ext cx="8180700" cy="523200"/>
+          </a:xfrm>
+          <a:prstGeom prst="rect">
+            <a:avLst/>
+          </a:prstGeom>
+        </p:spPr>
+        <p:txBody>
+          <a:bodyPr spcFirstLastPara="1" wrap="square" lIns="91425" tIns="91425" rIns="91425" bIns="91425" anchor="t" anchorCtr="0">
+            <a:noAutofit/>
+          </a:bodyPr>
+          <a:lstStyle/>
+          <a:p>
+            <a:pPr marL="0" lvl="0" indent="0" algn="ctr" rtl="0">
+              <a:spcBef>
+                <a:spcPts val="0"/>
+              </a:spcBef>
+              <a:spcAft>
+                <a:spcPts val="0"/>
+              </a:spcAft>
+              <a:buSzPts val="990"/>
+              <a:buNone/>
+            </a:pPr>
+            <a:r>
+              <a:rPr lang="en" sz="1798" b="1" dirty="0">
+                <a:latin typeface="Roboto"/>
+                <a:ea typeface="Roboto"/>
+                <a:cs typeface="Roboto"/>
+                <a:sym typeface="Roboto"/>
+              </a:rPr>
+              <a:t>Impact Analysis of Lead Time on Hotel Bookings Cancellation Rates</a:t>
+            </a:r>
+            <a:endParaRPr sz="1798" b="1" dirty="0">
+              <a:solidFill>
+                <a:schemeClr val="lt1"/>
+              </a:solidFill>
+              <a:latin typeface="Roboto"/>
+              <a:ea typeface="Roboto"/>
+              <a:cs typeface="Roboto"/>
+              <a:sym typeface="Roboto"/>
+            </a:endParaRPr>
+          </a:p>
+        </p:txBody>
+      </p:sp>
+    </p:spTree>
+    <p:extLst>
+      <p:ext uri="{BB962C8B-B14F-4D97-AF65-F5344CB8AC3E}">
+        <p14:creationId xmlns:p14="http://schemas.microsoft.com/office/powerpoint/2010/main" val="2021281441"/>
+      </p:ext>
+    </p:extLst>
+  </p:cSld>
+  <p:clrMapOvr>
+    <a:masterClrMapping/>
+  </p:clrMapOvr>
+</p:sld>
+</file>
+
 <file path=ppt/theme/theme1.xml><?xml version="1.0" encoding="utf-8"?>
-<a:theme xmlns:a="http://schemas.openxmlformats.org/drawingml/2006/main" xmlns:r="http://schemas.openxmlformats.org/officeDocument/2006/relationships" name="Simple Light">
+<a:theme xmlns:a="http://schemas.openxmlformats.org/drawingml/2006/main" name="Simple Light">
   <a:themeElements>
     <a:clrScheme name="Simple Light">
       <a:dk1>
@@ -6064,11 +8580,13 @@
       </a:bgFillStyleLst>
     </a:fmtScheme>
   </a:themeElements>
+  <a:objectDefaults/>
+  <a:extraClrSchemeLst/>
 </a:theme>
 </file>
 
 <file path=ppt/theme/theme2.xml><?xml version="1.0" encoding="utf-8"?>
-<a:theme xmlns:a="http://schemas.openxmlformats.org/drawingml/2006/main" xmlns:r="http://schemas.openxmlformats.org/officeDocument/2006/relationships">
+<a:theme xmlns:a="http://schemas.openxmlformats.org/drawingml/2006/main">
   <a:themeElements>
     <a:clrScheme name="Default">
       <a:dk1>
@@ -6343,5 +8861,7 @@
       </a:bgFillStyleLst>
     </a:fmtScheme>
   </a:themeElements>
+  <a:objectDefaults/>
+  <a:extraClrSchemeLst/>
 </a:theme>
 </file>